--- a/Stakeholder Presentation.pptx
+++ b/Stakeholder Presentation.pptx
@@ -5,10 +5,10 @@
     <p:sldMasterId id="2147483648" r:id="rId1"/>
   </p:sldMasterIdLst>
   <p:notesMasterIdLst>
-    <p:notesMasterId r:id="rId10"/>
+    <p:notesMasterId r:id="rId11"/>
   </p:notesMasterIdLst>
   <p:handoutMasterIdLst>
-    <p:handoutMasterId r:id="rId11"/>
+    <p:handoutMasterId r:id="rId12"/>
   </p:handoutMasterIdLst>
   <p:sldIdLst>
     <p:sldId id="265" r:id="rId2"/>
@@ -19,11 +19,12 @@
     <p:sldId id="347" r:id="rId7"/>
     <p:sldId id="326" r:id="rId8"/>
     <p:sldId id="331" r:id="rId9"/>
+    <p:sldId id="348" r:id="rId10"/>
   </p:sldIdLst>
   <p:sldSz cx="12188825" cy="6858000"/>
   <p:notesSz cx="6858000" cy="9144000"/>
   <p:custDataLst>
-    <p:tags r:id="rId12"/>
+    <p:tags r:id="rId13"/>
   </p:custDataLst>
   <p:defaultTextStyle>
     <a:defPPr>
@@ -224,7 +225,7 @@
           <a:p>
             <a:fld id="{59088EAF-6ECA-4616-85EF-35AA19C641F3}" type="datetimeFigureOut">
               <a:rPr lang="en-US"/>
-              <a:t>6/20/21</a:t>
+              <a:t>6/22/21</a:t>
             </a:fld>
             <a:endParaRPr/>
           </a:p>
@@ -389,7 +390,7 @@
           <a:p>
             <a:fld id="{3ABD2D7A-D230-4F91-BD59-0A39C2703BA8}" type="datetimeFigureOut">
               <a:rPr lang="en-US"/>
-              <a:t>6/20/21</a:t>
+              <a:t>6/22/21</a:t>
             </a:fld>
             <a:endParaRPr/>
           </a:p>
@@ -1502,7 +1503,7 @@
           <a:p>
             <a:fld id="{03F41C87-7AD9-4845-A077-840E4A0F3F06}" type="datetimeFigureOut">
               <a:rPr lang="en-US"/>
-              <a:t>6/20/21</a:t>
+              <a:t>6/22/21</a:t>
             </a:fld>
             <a:endParaRPr/>
           </a:p>
@@ -1694,7 +1695,7 @@
           <a:p>
             <a:fld id="{03F41C87-7AD9-4845-A077-840E4A0F3F06}" type="datetimeFigureOut">
               <a:rPr lang="en-US"/>
-              <a:t>6/20/21</a:t>
+              <a:t>6/22/21</a:t>
             </a:fld>
             <a:endParaRPr/>
           </a:p>
@@ -1883,7 +1884,7 @@
           <a:p>
             <a:fld id="{03F41C87-7AD9-4845-A077-840E4A0F3F06}" type="datetimeFigureOut">
               <a:rPr lang="en-US"/>
-              <a:t>6/20/21</a:t>
+              <a:t>6/22/21</a:t>
             </a:fld>
             <a:endParaRPr/>
           </a:p>
@@ -2163,7 +2164,7 @@
           <a:p>
             <a:fld id="{03F41C87-7AD9-4845-A077-840E4A0F3F06}" type="datetimeFigureOut">
               <a:rPr lang="en-US"/>
-              <a:t>6/20/21</a:t>
+              <a:t>6/22/21</a:t>
             </a:fld>
             <a:endParaRPr/>
           </a:p>
@@ -2467,7 +2468,7 @@
           <a:p>
             <a:fld id="{03F41C87-7AD9-4845-A077-840E4A0F3F06}" type="datetimeFigureOut">
               <a:rPr lang="en-US"/>
-              <a:t>6/20/21</a:t>
+              <a:t>6/22/21</a:t>
             </a:fld>
             <a:endParaRPr/>
           </a:p>
@@ -2923,7 +2924,7 @@
           <a:p>
             <a:fld id="{03F41C87-7AD9-4845-A077-840E4A0F3F06}" type="datetimeFigureOut">
               <a:rPr lang="en-US"/>
-              <a:t>6/20/21</a:t>
+              <a:t>6/22/21</a:t>
             </a:fld>
             <a:endParaRPr/>
           </a:p>
@@ -3053,7 +3054,7 @@
           <a:p>
             <a:fld id="{03F41C87-7AD9-4845-A077-840E4A0F3F06}" type="datetimeFigureOut">
               <a:rPr lang="en-US"/>
-              <a:t>6/20/21</a:t>
+              <a:t>6/22/21</a:t>
             </a:fld>
             <a:endParaRPr/>
           </a:p>
@@ -3168,7 +3169,7 @@
           <a:p>
             <a:fld id="{03F41C87-7AD9-4845-A077-840E4A0F3F06}" type="datetimeFigureOut">
               <a:rPr lang="en-US"/>
-              <a:t>6/20/21</a:t>
+              <a:t>6/22/21</a:t>
             </a:fld>
             <a:endParaRPr/>
           </a:p>
@@ -3490,7 +3491,7 @@
           <a:p>
             <a:fld id="{03F41C87-7AD9-4845-A077-840E4A0F3F06}" type="datetimeFigureOut">
               <a:rPr lang="en-US"/>
-              <a:t>6/20/21</a:t>
+              <a:t>6/22/21</a:t>
             </a:fld>
             <a:endParaRPr/>
           </a:p>
@@ -3802,7 +3803,7 @@
             <a:fld id="{03F41C87-7AD9-4845-A077-840E4A0F3F06}" type="datetimeFigureOut">
               <a:rPr lang="en-US"/>
               <a:pPr/>
-              <a:t>6/20/21</a:t>
+              <a:t>6/22/21</a:t>
             </a:fld>
             <a:endParaRPr/>
           </a:p>
@@ -4056,7 +4057,7 @@
             <a:fld id="{03F41C87-7AD9-4845-A077-840E4A0F3F06}" type="datetimeFigureOut">
               <a:rPr lang="en-US" smtClean="0"/>
               <a:pPr/>
-              <a:t>6/20/21</a:t>
+              <a:t>6/22/21</a:t>
             </a:fld>
             <a:endParaRPr lang="en-US"/>
           </a:p>
@@ -5234,13 +5235,13 @@
   <p:clrMapOvr>
     <a:masterClrMapping/>
   </p:clrMapOvr>
-  <mc:AlternateContent xmlns:mc="http://schemas.openxmlformats.org/markup-compatibility/2006">
-    <mc:Choice xmlns:p14="http://schemas.microsoft.com/office/powerpoint/2010/main" Requires="p14">
+  <mc:AlternateContent xmlns:mc="http://schemas.openxmlformats.org/markup-compatibility/2006" xmlns:p14="http://schemas.microsoft.com/office/powerpoint/2010/main">
+    <mc:Choice Requires="p14">
       <p:transition spd="med" p14:dur="700">
         <p:fade/>
       </p:transition>
     </mc:Choice>
-    <mc:Fallback>
+    <mc:Fallback xmlns="">
       <p:transition spd="med">
         <p:fade/>
       </p:transition>
@@ -5266,42 +5267,6 @@
           <a:chExt cx="0" cy="0"/>
         </a:xfrm>
       </p:grpSpPr>
-      <p:pic>
-        <p:nvPicPr>
-          <p:cNvPr id="46" name="Picture 45" descr="Chart, line chart&#10;&#10;Description automatically generated">
-            <a:extLst>
-              <a:ext uri="{FF2B5EF4-FFF2-40B4-BE49-F238E27FC236}">
-                <a16:creationId xmlns:a16="http://schemas.microsoft.com/office/drawing/2014/main" id="{2837A881-F888-E64F-9D50-D872E62E55CE}"/>
-              </a:ext>
-            </a:extLst>
-          </p:cNvPr>
-          <p:cNvPicPr>
-            <a:picLocks noChangeAspect="1"/>
-          </p:cNvPicPr>
-          <p:nvPr/>
-        </p:nvPicPr>
-        <p:blipFill>
-          <a:blip r:embed="rId3">
-            <a:extLst>
-              <a:ext uri="{28A0092B-C50C-407E-A947-70E740481C1C}">
-                <a14:useLocalDpi xmlns:a14="http://schemas.microsoft.com/office/drawing/2010/main" val="0"/>
-              </a:ext>
-            </a:extLst>
-          </a:blip>
-          <a:stretch>
-            <a:fillRect/>
-          </a:stretch>
-        </p:blipFill>
-        <p:spPr>
-          <a:xfrm>
-            <a:off x="537083" y="1179465"/>
-            <a:ext cx="7010137" cy="5244224"/>
-          </a:xfrm>
-          <a:prstGeom prst="rect">
-            <a:avLst/>
-          </a:prstGeom>
-        </p:spPr>
-      </p:pic>
       <p:sp>
         <p:nvSpPr>
           <p:cNvPr id="13" name="Title 12"/>
@@ -5584,7 +5549,7 @@
           <p:nvPr>
             <p:extLst>
               <p:ext uri="{D42A27DB-BD31-4B8C-83A1-F6EECF244321}">
-                <p14:modId xmlns:p14="http://schemas.microsoft.com/office/powerpoint/2010/main" val="227346998"/>
+                <p14:modId xmlns:p14="http://schemas.microsoft.com/office/powerpoint/2010/main" val="2239259725"/>
               </p:ext>
             </p:extLst>
           </p:nvPr>
@@ -5806,79 +5771,136 @@
           </a:p>
         </p:txBody>
       </p:sp>
-      <p:sp>
-        <p:nvSpPr>
-          <p:cNvPr id="42" name="TextBox 41">
+      <p:grpSp>
+        <p:nvGrpSpPr>
+          <p:cNvPr id="47" name="Group 46">
             <a:extLst>
               <a:ext uri="{FF2B5EF4-FFF2-40B4-BE49-F238E27FC236}">
-                <a16:creationId xmlns:a16="http://schemas.microsoft.com/office/drawing/2014/main" id="{240BBF14-D103-F545-A74B-546865528495}"/>
+                <a16:creationId xmlns:a16="http://schemas.microsoft.com/office/drawing/2014/main" id="{1B8F9951-A8FF-2743-9872-E83433120563}"/>
               </a:ext>
             </a:extLst>
           </p:cNvPr>
-          <p:cNvSpPr txBox="1"/>
+          <p:cNvGrpSpPr/>
           <p:nvPr/>
-        </p:nvSpPr>
-        <p:spPr>
+        </p:nvGrpSpPr>
+        <p:grpSpPr>
           <a:xfrm>
-            <a:off x="4765675" y="4156414"/>
-            <a:ext cx="1919288" cy="461665"/>
+            <a:off x="537083" y="1179465"/>
+            <a:ext cx="7010137" cy="5244224"/>
+            <a:chOff x="537083" y="1179465"/>
+            <a:chExt cx="7010137" cy="5244224"/>
           </a:xfrm>
-          <a:prstGeom prst="rect">
-            <a:avLst/>
-          </a:prstGeom>
-          <a:solidFill>
-            <a:schemeClr val="bg1"/>
-          </a:solidFill>
-        </p:spPr>
-        <p:txBody>
-          <a:bodyPr wrap="square" rtlCol="0">
-            <a:spAutoFit/>
-          </a:bodyPr>
-          <a:lstStyle/>
-          <a:p>
-            <a:r>
-              <a:rPr lang="en-US" sz="1200" dirty="0"/>
-              <a:t>2.48% Forecasted Increase in Revenue per Share</a:t>
-            </a:r>
-          </a:p>
-        </p:txBody>
-      </p:sp>
-      <p:cxnSp>
-        <p:nvCxnSpPr>
-          <p:cNvPr id="44" name="Straight Connector 43">
-            <a:extLst>
-              <a:ext uri="{FF2B5EF4-FFF2-40B4-BE49-F238E27FC236}">
-                <a16:creationId xmlns:a16="http://schemas.microsoft.com/office/drawing/2014/main" id="{FE9F53C1-D912-6B47-A6D4-CD42786476F7}"/>
-              </a:ext>
-            </a:extLst>
-          </p:cNvPr>
-          <p:cNvCxnSpPr/>
-          <p:nvPr/>
-        </p:nvCxnSpPr>
-        <p:spPr>
-          <a:xfrm flipH="1">
-            <a:off x="6684963" y="3513667"/>
-            <a:ext cx="689504" cy="642747"/>
-          </a:xfrm>
-          <a:prstGeom prst="line">
-            <a:avLst/>
-          </a:prstGeom>
-        </p:spPr>
-        <p:style>
-          <a:lnRef idx="1">
-            <a:schemeClr val="dk1"/>
-          </a:lnRef>
-          <a:fillRef idx="0">
-            <a:schemeClr val="dk1"/>
-          </a:fillRef>
-          <a:effectRef idx="0">
-            <a:schemeClr val="dk1"/>
-          </a:effectRef>
-          <a:fontRef idx="minor">
-            <a:schemeClr val="tx1"/>
-          </a:fontRef>
-        </p:style>
-      </p:cxnSp>
+        </p:grpSpPr>
+        <p:pic>
+          <p:nvPicPr>
+            <p:cNvPr id="46" name="Picture 45" descr="Chart, line chart&#10;&#10;Description automatically generated">
+              <a:extLst>
+                <a:ext uri="{FF2B5EF4-FFF2-40B4-BE49-F238E27FC236}">
+                  <a16:creationId xmlns:a16="http://schemas.microsoft.com/office/drawing/2014/main" id="{2837A881-F888-E64F-9D50-D872E62E55CE}"/>
+                </a:ext>
+              </a:extLst>
+            </p:cNvPr>
+            <p:cNvPicPr>
+              <a:picLocks noChangeAspect="1"/>
+            </p:cNvPicPr>
+            <p:nvPr/>
+          </p:nvPicPr>
+          <p:blipFill>
+            <a:blip r:embed="rId3">
+              <a:extLst>
+                <a:ext uri="{28A0092B-C50C-407E-A947-70E740481C1C}">
+                  <a14:useLocalDpi xmlns:a14="http://schemas.microsoft.com/office/drawing/2010/main" val="0"/>
+                </a:ext>
+              </a:extLst>
+            </a:blip>
+            <a:stretch>
+              <a:fillRect/>
+            </a:stretch>
+          </p:blipFill>
+          <p:spPr>
+            <a:xfrm>
+              <a:off x="537083" y="1179465"/>
+              <a:ext cx="7010137" cy="5244224"/>
+            </a:xfrm>
+            <a:prstGeom prst="rect">
+              <a:avLst/>
+            </a:prstGeom>
+          </p:spPr>
+        </p:pic>
+        <p:sp>
+          <p:nvSpPr>
+            <p:cNvPr id="42" name="TextBox 41">
+              <a:extLst>
+                <a:ext uri="{FF2B5EF4-FFF2-40B4-BE49-F238E27FC236}">
+                  <a16:creationId xmlns:a16="http://schemas.microsoft.com/office/drawing/2014/main" id="{240BBF14-D103-F545-A74B-546865528495}"/>
+                </a:ext>
+              </a:extLst>
+            </p:cNvPr>
+            <p:cNvSpPr txBox="1"/>
+            <p:nvPr/>
+          </p:nvSpPr>
+          <p:spPr>
+            <a:xfrm>
+              <a:off x="4765675" y="4156414"/>
+              <a:ext cx="1919288" cy="461665"/>
+            </a:xfrm>
+            <a:prstGeom prst="rect">
+              <a:avLst/>
+            </a:prstGeom>
+            <a:solidFill>
+              <a:schemeClr val="bg1"/>
+            </a:solidFill>
+          </p:spPr>
+          <p:txBody>
+            <a:bodyPr wrap="square" rtlCol="0">
+              <a:spAutoFit/>
+            </a:bodyPr>
+            <a:lstStyle/>
+            <a:p>
+              <a:r>
+                <a:rPr lang="en-US" sz="1200" dirty="0"/>
+                <a:t>2.48% Forecasted Increase in Revenue per Share</a:t>
+              </a:r>
+            </a:p>
+          </p:txBody>
+        </p:sp>
+        <p:cxnSp>
+          <p:nvCxnSpPr>
+            <p:cNvPr id="44" name="Straight Connector 43">
+              <a:extLst>
+                <a:ext uri="{FF2B5EF4-FFF2-40B4-BE49-F238E27FC236}">
+                  <a16:creationId xmlns:a16="http://schemas.microsoft.com/office/drawing/2014/main" id="{FE9F53C1-D912-6B47-A6D4-CD42786476F7}"/>
+                </a:ext>
+              </a:extLst>
+            </p:cNvPr>
+            <p:cNvCxnSpPr/>
+            <p:nvPr/>
+          </p:nvCxnSpPr>
+          <p:spPr>
+            <a:xfrm flipH="1">
+              <a:off x="6684963" y="3513667"/>
+              <a:ext cx="689504" cy="642747"/>
+            </a:xfrm>
+            <a:prstGeom prst="line">
+              <a:avLst/>
+            </a:prstGeom>
+          </p:spPr>
+          <p:style>
+            <a:lnRef idx="1">
+              <a:schemeClr val="dk1"/>
+            </a:lnRef>
+            <a:fillRef idx="0">
+              <a:schemeClr val="dk1"/>
+            </a:fillRef>
+            <a:effectRef idx="0">
+              <a:schemeClr val="dk1"/>
+            </a:effectRef>
+            <a:fontRef idx="minor">
+              <a:schemeClr val="tx1"/>
+            </a:fontRef>
+          </p:style>
+        </p:cxnSp>
+      </p:grpSp>
     </p:spTree>
     <p:extLst>
       <p:ext uri="{BB962C8B-B14F-4D97-AF65-F5344CB8AC3E}">
@@ -6196,7 +6218,7 @@
           <p:nvPr>
             <p:extLst>
               <p:ext uri="{D42A27DB-BD31-4B8C-83A1-F6EECF244321}">
-                <p14:modId xmlns:p14="http://schemas.microsoft.com/office/powerpoint/2010/main" val="1428531708"/>
+                <p14:modId xmlns:p14="http://schemas.microsoft.com/office/powerpoint/2010/main" val="1562192211"/>
               </p:ext>
             </p:extLst>
           </p:nvPr>
@@ -6333,8 +6355,12 @@
                     <a:p>
                       <a:pPr algn="r"/>
                       <a:r>
-                        <a:rPr lang="en-US" sz="1800" dirty="0"/>
-                        <a:t>6179</a:t>
+                        <a:rPr lang="en-US" sz="1800" dirty="0">
+                          <a:solidFill>
+                            <a:srgbClr val="00B050"/>
+                          </a:solidFill>
+                        </a:rPr>
+                        <a:t>19264</a:t>
                       </a:r>
                     </a:p>
                   </a:txBody>
@@ -6347,7 +6373,11 @@
                     <a:p>
                       <a:pPr algn="ctr"/>
                       <a:r>
-                        <a:rPr lang="en-US" sz="1800" dirty="0"/>
+                        <a:rPr lang="en-US" sz="1800" dirty="0">
+                          <a:solidFill>
+                            <a:srgbClr val="00B050"/>
+                          </a:solidFill>
+                        </a:rPr>
                         <a:t>1</a:t>
                       </a:r>
                     </a:p>
@@ -6361,215 +6391,12 @@
                     <a:p>
                       <a:pPr algn="ctr"/>
                       <a:r>
-                        <a:rPr lang="en-US" sz="1800" dirty="0"/>
-                        <a:t>-5.91%</a:t>
-                      </a:r>
-                    </a:p>
-                  </a:txBody>
-                  <a:tcPr/>
-                </a:tc>
-                <a:tc>
-                  <a:txBody>
-                    <a:bodyPr/>
-                    <a:lstStyle/>
-                    <a:p>
-                      <a:pPr algn="ctr"/>
-                      <a:r>
-                        <a:rPr lang="en-US" sz="1800" dirty="0"/>
-                        <a:t>7</a:t>
-                      </a:r>
-                    </a:p>
-                  </a:txBody>
-                  <a:tcPr/>
-                </a:tc>
-                <a:tc>
-                  <a:txBody>
-                    <a:bodyPr/>
-                    <a:lstStyle/>
-                    <a:p>
-                      <a:pPr algn="ctr"/>
-                      <a:r>
-                        <a:rPr lang="en-US" sz="1800" dirty="0"/>
-                        <a:t>1</a:t>
-                      </a:r>
-                    </a:p>
-                  </a:txBody>
-                  <a:tcPr/>
-                </a:tc>
-                <a:extLst>
-                  <a:ext uri="{0D108BD9-81ED-4DB2-BD59-A6C34878D82A}">
-                    <a16:rowId xmlns:a16="http://schemas.microsoft.com/office/drawing/2014/main" val="708200368"/>
-                  </a:ext>
-                </a:extLst>
-              </a:tr>
-              <a:tr h="370840">
-                <a:tc>
-                  <a:txBody>
-                    <a:bodyPr/>
-                    <a:lstStyle/>
-                    <a:p>
-                      <a:pPr algn="r"/>
-                      <a:r>
-                        <a:rPr lang="en-US" sz="1800" dirty="0"/>
-                        <a:t>9192</a:t>
-                      </a:r>
-                    </a:p>
-                  </a:txBody>
-                  <a:tcPr/>
-                </a:tc>
-                <a:tc>
-                  <a:txBody>
-                    <a:bodyPr/>
-                    <a:lstStyle/>
-                    <a:p>
-                      <a:pPr algn="ctr"/>
-                      <a:r>
-                        <a:rPr lang="en-US" sz="1800" dirty="0"/>
-                        <a:t>2</a:t>
-                      </a:r>
-                    </a:p>
-                  </a:txBody>
-                  <a:tcPr/>
-                </a:tc>
-                <a:tc>
-                  <a:txBody>
-                    <a:bodyPr/>
-                    <a:lstStyle/>
-                    <a:p>
-                      <a:pPr algn="ctr"/>
-                      <a:r>
-                        <a:rPr lang="en-US" sz="1800" dirty="0"/>
-                        <a:t>nan</a:t>
-                      </a:r>
-                    </a:p>
-                  </a:txBody>
-                  <a:tcPr/>
-                </a:tc>
-                <a:tc>
-                  <a:txBody>
-                    <a:bodyPr/>
-                    <a:lstStyle/>
-                    <a:p>
-                      <a:pPr algn="ctr"/>
-                      <a:r>
-                        <a:rPr lang="en-US" sz="1800" dirty="0"/>
-                        <a:t>10</a:t>
-                      </a:r>
-                    </a:p>
-                  </a:txBody>
-                  <a:tcPr/>
-                </a:tc>
-                <a:tc>
-                  <a:txBody>
-                    <a:bodyPr/>
-                    <a:lstStyle/>
-                    <a:p>
-                      <a:pPr algn="ctr"/>
-                      <a:r>
-                        <a:rPr lang="en-US" sz="1800" dirty="0"/>
-                        <a:t>3</a:t>
-                      </a:r>
-                    </a:p>
-                  </a:txBody>
-                  <a:tcPr/>
-                </a:tc>
-                <a:extLst>
-                  <a:ext uri="{0D108BD9-81ED-4DB2-BD59-A6C34878D82A}">
-                    <a16:rowId xmlns:a16="http://schemas.microsoft.com/office/drawing/2014/main" val="3165529868"/>
-                  </a:ext>
-                </a:extLst>
-              </a:tr>
-              <a:tr h="370840">
-                <a:tc>
-                  <a:txBody>
-                    <a:bodyPr/>
-                    <a:lstStyle/>
-                    <a:p>
-                      <a:pPr algn="r"/>
-                      <a:r>
-                        <a:rPr lang="en-US" sz="1800" dirty="0"/>
-                        <a:t>18476</a:t>
-                      </a:r>
-                    </a:p>
-                  </a:txBody>
-                  <a:tcPr/>
-                </a:tc>
-                <a:tc>
-                  <a:txBody>
-                    <a:bodyPr/>
-                    <a:lstStyle/>
-                    <a:p>
-                      <a:pPr algn="ctr"/>
-                      <a:r>
-                        <a:rPr lang="en-US" sz="1800" dirty="0"/>
-                        <a:t>3</a:t>
-                      </a:r>
-                    </a:p>
-                  </a:txBody>
-                  <a:tcPr/>
-                </a:tc>
-                <a:tc>
-                  <a:txBody>
-                    <a:bodyPr/>
-                    <a:lstStyle/>
-                    <a:p>
-                      <a:pPr algn="ctr"/>
-                      <a:r>
-                        <a:rPr lang="en-US" sz="1800" dirty="0"/>
-                        <a:t>0%</a:t>
-                      </a:r>
-                    </a:p>
-                  </a:txBody>
-                  <a:tcPr/>
-                </a:tc>
-                <a:tc>
-                  <a:txBody>
-                    <a:bodyPr/>
-                    <a:lstStyle/>
-                    <a:p>
-                      <a:pPr algn="ctr"/>
-                      <a:r>
-                        <a:rPr lang="en-US" sz="1800" dirty="0"/>
-                        <a:t>5</a:t>
-                      </a:r>
-                    </a:p>
-                  </a:txBody>
-                  <a:tcPr/>
-                </a:tc>
-                <a:tc>
-                  <a:txBody>
-                    <a:bodyPr/>
-                    <a:lstStyle/>
-                    <a:p>
-                      <a:pPr algn="ctr"/>
-                      <a:r>
-                        <a:rPr lang="en-US" sz="1800" dirty="0"/>
-                        <a:t>1</a:t>
-                      </a:r>
-                    </a:p>
-                  </a:txBody>
-                  <a:tcPr/>
-                </a:tc>
-                <a:extLst>
-                  <a:ext uri="{0D108BD9-81ED-4DB2-BD59-A6C34878D82A}">
-                    <a16:rowId xmlns:a16="http://schemas.microsoft.com/office/drawing/2014/main" val="617713017"/>
-                  </a:ext>
-                </a:extLst>
-              </a:tr>
-              <a:tr h="370840">
-                <a:tc>
-                  <a:txBody>
-                    <a:bodyPr/>
-                    <a:lstStyle/>
-                    <a:p>
-                      <a:pPr algn="r"/>
-                      <a:r>
                         <a:rPr lang="en-US" sz="1800" dirty="0">
                           <a:solidFill>
                             <a:srgbClr val="00B050"/>
                           </a:solidFill>
                         </a:rPr>
-                        <a:t>17611</a:t>
+                        <a:t>4.34%</a:t>
                       </a:r>
                     </a:p>
                   </a:txBody>
@@ -6605,7 +6432,32 @@
                             <a:srgbClr val="00B050"/>
                           </a:solidFill>
                         </a:rPr>
-                        <a:t>1.02%</a:t>
+                        <a:t>2</a:t>
+                      </a:r>
+                    </a:p>
+                  </a:txBody>
+                  <a:tcPr/>
+                </a:tc>
+                <a:extLst>
+                  <a:ext uri="{0D108BD9-81ED-4DB2-BD59-A6C34878D82A}">
+                    <a16:rowId xmlns:a16="http://schemas.microsoft.com/office/drawing/2014/main" val="708200368"/>
+                  </a:ext>
+                </a:extLst>
+              </a:tr>
+              <a:tr h="370840">
+                <a:tc>
+                  <a:txBody>
+                    <a:bodyPr/>
+                    <a:lstStyle/>
+                    <a:p>
+                      <a:pPr algn="r"/>
+                      <a:r>
+                        <a:rPr lang="en-US" sz="1800" dirty="0">
+                          <a:solidFill>
+                            <a:srgbClr val="00B050"/>
+                          </a:solidFill>
+                        </a:rPr>
+                        <a:t>10161</a:t>
                       </a:r>
                     </a:p>
                   </a:txBody>
@@ -6623,7 +6475,43 @@
                             <a:srgbClr val="00B050"/>
                           </a:solidFill>
                         </a:rPr>
-                        <a:t>4</a:t>
+                        <a:t>2</a:t>
+                      </a:r>
+                    </a:p>
+                  </a:txBody>
+                  <a:tcPr/>
+                </a:tc>
+                <a:tc>
+                  <a:txBody>
+                    <a:bodyPr/>
+                    <a:lstStyle/>
+                    <a:p>
+                      <a:pPr algn="ctr"/>
+                      <a:r>
+                        <a:rPr lang="en-US" sz="1800" dirty="0">
+                          <a:solidFill>
+                            <a:srgbClr val="00B050"/>
+                          </a:solidFill>
+                        </a:rPr>
+                        <a:t>8.37%</a:t>
+                      </a:r>
+                    </a:p>
+                  </a:txBody>
+                  <a:tcPr/>
+                </a:tc>
+                <a:tc>
+                  <a:txBody>
+                    <a:bodyPr/>
+                    <a:lstStyle/>
+                    <a:p>
+                      <a:pPr algn="ctr"/>
+                      <a:r>
+                        <a:rPr lang="en-US" sz="1800" dirty="0">
+                          <a:solidFill>
+                            <a:srgbClr val="00B050"/>
+                          </a:solidFill>
+                        </a:rPr>
+                        <a:t>2</a:t>
                       </a:r>
                     </a:p>
                   </a:txBody>
@@ -6649,7 +6537,7 @@
                 </a:tc>
                 <a:extLst>
                   <a:ext uri="{0D108BD9-81ED-4DB2-BD59-A6C34878D82A}">
-                    <a16:rowId xmlns:a16="http://schemas.microsoft.com/office/drawing/2014/main" val="2604614677"/>
+                    <a16:rowId xmlns:a16="http://schemas.microsoft.com/office/drawing/2014/main" val="3165529868"/>
                   </a:ext>
                 </a:extLst>
               </a:tr>
@@ -6662,7 +6550,7 @@
                       <a:pPr algn="r"/>
                       <a:r>
                         <a:rPr lang="en-US" sz="1800" dirty="0"/>
-                        <a:t>20212</a:t>
+                        <a:t>6760</a:t>
                       </a:r>
                     </a:p>
                   </a:txBody>
@@ -6676,7 +6564,7 @@
                       <a:pPr algn="ctr"/>
                       <a:r>
                         <a:rPr lang="en-US" sz="1800" dirty="0"/>
-                        <a:t>5</a:t>
+                        <a:t>3</a:t>
                       </a:r>
                     </a:p>
                   </a:txBody>
@@ -6690,161 +6578,7 @@
                       <a:pPr algn="ctr"/>
                       <a:r>
                         <a:rPr lang="en-US" sz="1800" dirty="0"/>
-                        <a:t>-1.13%</a:t>
-                      </a:r>
-                    </a:p>
-                  </a:txBody>
-                  <a:tcPr/>
-                </a:tc>
-                <a:tc>
-                  <a:txBody>
-                    <a:bodyPr/>
-                    <a:lstStyle/>
-                    <a:p>
-                      <a:pPr algn="ctr"/>
-                      <a:r>
-                        <a:rPr lang="en-US" sz="1800" dirty="0"/>
-                        <a:t>4</a:t>
-                      </a:r>
-                    </a:p>
-                  </a:txBody>
-                  <a:tcPr/>
-                </a:tc>
-                <a:tc>
-                  <a:txBody>
-                    <a:bodyPr/>
-                    <a:lstStyle/>
-                    <a:p>
-                      <a:pPr algn="ctr"/>
-                      <a:r>
-                        <a:rPr lang="en-US" sz="1800" dirty="0"/>
-                        <a:t>1</a:t>
-                      </a:r>
-                    </a:p>
-                  </a:txBody>
-                  <a:tcPr/>
-                </a:tc>
-                <a:extLst>
-                  <a:ext uri="{0D108BD9-81ED-4DB2-BD59-A6C34878D82A}">
-                    <a16:rowId xmlns:a16="http://schemas.microsoft.com/office/drawing/2014/main" val="2059738791"/>
-                  </a:ext>
-                </a:extLst>
-              </a:tr>
-              <a:tr h="370840">
-                <a:tc>
-                  <a:txBody>
-                    <a:bodyPr/>
-                    <a:lstStyle/>
-                    <a:p>
-                      <a:pPr algn="r"/>
-                      <a:r>
-                        <a:rPr lang="en-US" sz="1800" dirty="0"/>
-                        <a:t>6560</a:t>
-                      </a:r>
-                    </a:p>
-                  </a:txBody>
-                  <a:tcPr/>
-                </a:tc>
-                <a:tc>
-                  <a:txBody>
-                    <a:bodyPr/>
-                    <a:lstStyle/>
-                    <a:p>
-                      <a:pPr algn="ctr"/>
-                      <a:r>
-                        <a:rPr lang="en-US" sz="1800" dirty="0"/>
-                        <a:t>6</a:t>
-                      </a:r>
-                    </a:p>
-                  </a:txBody>
-                  <a:tcPr/>
-                </a:tc>
-                <a:tc>
-                  <a:txBody>
-                    <a:bodyPr/>
-                    <a:lstStyle/>
-                    <a:p>
-                      <a:pPr algn="ctr"/>
-                      <a:r>
-                        <a:rPr lang="en-US" sz="1800" dirty="0"/>
-                        <a:t>-31.07%</a:t>
-                      </a:r>
-                    </a:p>
-                  </a:txBody>
-                  <a:tcPr/>
-                </a:tc>
-                <a:tc>
-                  <a:txBody>
-                    <a:bodyPr/>
-                    <a:lstStyle/>
-                    <a:p>
-                      <a:pPr algn="ctr"/>
-                      <a:r>
-                        <a:rPr lang="en-US" sz="1800" dirty="0"/>
-                        <a:t>9</a:t>
-                      </a:r>
-                    </a:p>
-                  </a:txBody>
-                  <a:tcPr/>
-                </a:tc>
-                <a:tc>
-                  <a:txBody>
-                    <a:bodyPr/>
-                    <a:lstStyle/>
-                    <a:p>
-                      <a:pPr algn="ctr"/>
-                      <a:r>
-                        <a:rPr lang="en-US" sz="1800" dirty="0"/>
-                        <a:t>4</a:t>
-                      </a:r>
-                    </a:p>
-                  </a:txBody>
-                  <a:tcPr/>
-                </a:tc>
-                <a:extLst>
-                  <a:ext uri="{0D108BD9-81ED-4DB2-BD59-A6C34878D82A}">
-                    <a16:rowId xmlns:a16="http://schemas.microsoft.com/office/drawing/2014/main" val="2770370416"/>
-                  </a:ext>
-                </a:extLst>
-              </a:tr>
-              <a:tr h="370840">
-                <a:tc>
-                  <a:txBody>
-                    <a:bodyPr/>
-                    <a:lstStyle/>
-                    <a:p>
-                      <a:pPr algn="r"/>
-                      <a:r>
-                        <a:rPr lang="en-US" sz="1800" dirty="0"/>
-                        <a:t>3918</a:t>
-                      </a:r>
-                    </a:p>
-                  </a:txBody>
-                  <a:tcPr/>
-                </a:tc>
-                <a:tc>
-                  <a:txBody>
-                    <a:bodyPr/>
-                    <a:lstStyle/>
-                    <a:p>
-                      <a:pPr algn="ctr"/>
-                      <a:r>
-                        <a:rPr lang="en-US" sz="1800" dirty="0"/>
-                        <a:t>7</a:t>
-                      </a:r>
-                    </a:p>
-                  </a:txBody>
-                  <a:tcPr/>
-                </a:tc>
-                <a:tc>
-                  <a:txBody>
-                    <a:bodyPr/>
-                    <a:lstStyle/>
-                    <a:p>
-                      <a:pPr algn="ctr"/>
-                      <a:r>
-                        <a:rPr lang="en-US" sz="1800" dirty="0"/>
-                        <a:t>-10.28%</a:t>
+                        <a:t>-5.35%</a:t>
                       </a:r>
                     </a:p>
                   </a:txBody>
@@ -6880,6 +6614,334 @@
                 </a:tc>
                 <a:extLst>
                   <a:ext uri="{0D108BD9-81ED-4DB2-BD59-A6C34878D82A}">
+                    <a16:rowId xmlns:a16="http://schemas.microsoft.com/office/drawing/2014/main" val="617713017"/>
+                  </a:ext>
+                </a:extLst>
+              </a:tr>
+              <a:tr h="370840">
+                <a:tc>
+                  <a:txBody>
+                    <a:bodyPr/>
+                    <a:lstStyle/>
+                    <a:p>
+                      <a:pPr algn="r"/>
+                      <a:r>
+                        <a:rPr lang="en-US" sz="1800" dirty="0">
+                          <a:solidFill>
+                            <a:schemeClr val="bg1"/>
+                          </a:solidFill>
+                        </a:rPr>
+                        <a:t>17272</a:t>
+                      </a:r>
+                    </a:p>
+                  </a:txBody>
+                  <a:tcPr/>
+                </a:tc>
+                <a:tc>
+                  <a:txBody>
+                    <a:bodyPr/>
+                    <a:lstStyle/>
+                    <a:p>
+                      <a:pPr algn="ctr"/>
+                      <a:r>
+                        <a:rPr lang="en-US" sz="1800" dirty="0">
+                          <a:solidFill>
+                            <a:schemeClr val="bg1"/>
+                          </a:solidFill>
+                        </a:rPr>
+                        <a:t>4</a:t>
+                      </a:r>
+                    </a:p>
+                  </a:txBody>
+                  <a:tcPr/>
+                </a:tc>
+                <a:tc>
+                  <a:txBody>
+                    <a:bodyPr/>
+                    <a:lstStyle/>
+                    <a:p>
+                      <a:pPr algn="ctr"/>
+                      <a:r>
+                        <a:rPr lang="en-US" sz="1800" dirty="0">
+                          <a:solidFill>
+                            <a:schemeClr val="bg1"/>
+                          </a:solidFill>
+                        </a:rPr>
+                        <a:t>-10.71%</a:t>
+                      </a:r>
+                    </a:p>
+                  </a:txBody>
+                  <a:tcPr/>
+                </a:tc>
+                <a:tc>
+                  <a:txBody>
+                    <a:bodyPr/>
+                    <a:lstStyle/>
+                    <a:p>
+                      <a:pPr algn="ctr"/>
+                      <a:r>
+                        <a:rPr lang="en-US" sz="1800" dirty="0">
+                          <a:solidFill>
+                            <a:schemeClr val="bg1"/>
+                          </a:solidFill>
+                        </a:rPr>
+                        <a:t>9</a:t>
+                      </a:r>
+                    </a:p>
+                  </a:txBody>
+                  <a:tcPr/>
+                </a:tc>
+                <a:tc>
+                  <a:txBody>
+                    <a:bodyPr/>
+                    <a:lstStyle/>
+                    <a:p>
+                      <a:pPr algn="ctr"/>
+                      <a:r>
+                        <a:rPr lang="en-US" sz="1800" dirty="0">
+                          <a:solidFill>
+                            <a:schemeClr val="bg1"/>
+                          </a:solidFill>
+                        </a:rPr>
+                        <a:t>6</a:t>
+                      </a:r>
+                    </a:p>
+                  </a:txBody>
+                  <a:tcPr/>
+                </a:tc>
+                <a:extLst>
+                  <a:ext uri="{0D108BD9-81ED-4DB2-BD59-A6C34878D82A}">
+                    <a16:rowId xmlns:a16="http://schemas.microsoft.com/office/drawing/2014/main" val="2604614677"/>
+                  </a:ext>
+                </a:extLst>
+              </a:tr>
+              <a:tr h="370840">
+                <a:tc>
+                  <a:txBody>
+                    <a:bodyPr/>
+                    <a:lstStyle/>
+                    <a:p>
+                      <a:pPr algn="r"/>
+                      <a:r>
+                        <a:rPr lang="en-US" sz="1800" dirty="0"/>
+                        <a:t>7134</a:t>
+                      </a:r>
+                    </a:p>
+                  </a:txBody>
+                  <a:tcPr/>
+                </a:tc>
+                <a:tc>
+                  <a:txBody>
+                    <a:bodyPr/>
+                    <a:lstStyle/>
+                    <a:p>
+                      <a:pPr algn="ctr"/>
+                      <a:r>
+                        <a:rPr lang="en-US" sz="1800" dirty="0"/>
+                        <a:t>5</a:t>
+                      </a:r>
+                    </a:p>
+                  </a:txBody>
+                  <a:tcPr/>
+                </a:tc>
+                <a:tc>
+                  <a:txBody>
+                    <a:bodyPr/>
+                    <a:lstStyle/>
+                    <a:p>
+                      <a:pPr algn="ctr"/>
+                      <a:r>
+                        <a:rPr lang="en-US" sz="1800" dirty="0"/>
+                        <a:t>-52.25%</a:t>
+                      </a:r>
+                    </a:p>
+                  </a:txBody>
+                  <a:tcPr/>
+                </a:tc>
+                <a:tc>
+                  <a:txBody>
+                    <a:bodyPr/>
+                    <a:lstStyle/>
+                    <a:p>
+                      <a:pPr algn="ctr"/>
+                      <a:r>
+                        <a:rPr lang="en-US" sz="1800" dirty="0"/>
+                        <a:t>10</a:t>
+                      </a:r>
+                    </a:p>
+                  </a:txBody>
+                  <a:tcPr/>
+                </a:tc>
+                <a:tc>
+                  <a:txBody>
+                    <a:bodyPr/>
+                    <a:lstStyle/>
+                    <a:p>
+                      <a:pPr algn="ctr"/>
+                      <a:r>
+                        <a:rPr lang="en-US" sz="1800" dirty="0"/>
+                        <a:t>8</a:t>
+                      </a:r>
+                    </a:p>
+                  </a:txBody>
+                  <a:tcPr/>
+                </a:tc>
+                <a:extLst>
+                  <a:ext uri="{0D108BD9-81ED-4DB2-BD59-A6C34878D82A}">
+                    <a16:rowId xmlns:a16="http://schemas.microsoft.com/office/drawing/2014/main" val="2059738791"/>
+                  </a:ext>
+                </a:extLst>
+              </a:tr>
+              <a:tr h="370840">
+                <a:tc>
+                  <a:txBody>
+                    <a:bodyPr/>
+                    <a:lstStyle/>
+                    <a:p>
+                      <a:pPr algn="r"/>
+                      <a:r>
+                        <a:rPr lang="en-US" sz="1800" dirty="0"/>
+                        <a:t>343</a:t>
+                      </a:r>
+                    </a:p>
+                  </a:txBody>
+                  <a:tcPr/>
+                </a:tc>
+                <a:tc>
+                  <a:txBody>
+                    <a:bodyPr/>
+                    <a:lstStyle/>
+                    <a:p>
+                      <a:pPr algn="ctr"/>
+                      <a:r>
+                        <a:rPr lang="en-US" sz="1800" dirty="0"/>
+                        <a:t>6</a:t>
+                      </a:r>
+                    </a:p>
+                  </a:txBody>
+                  <a:tcPr/>
+                </a:tc>
+                <a:tc>
+                  <a:txBody>
+                    <a:bodyPr/>
+                    <a:lstStyle/>
+                    <a:p>
+                      <a:pPr algn="ctr"/>
+                      <a:r>
+                        <a:rPr lang="en-US" sz="1800" dirty="0"/>
+                        <a:t>-1.31%</a:t>
+                      </a:r>
+                    </a:p>
+                  </a:txBody>
+                  <a:tcPr/>
+                </a:tc>
+                <a:tc>
+                  <a:txBody>
+                    <a:bodyPr/>
+                    <a:lstStyle/>
+                    <a:p>
+                      <a:pPr algn="ctr"/>
+                      <a:r>
+                        <a:rPr lang="en-US" sz="1800" dirty="0"/>
+                        <a:t>6</a:t>
+                      </a:r>
+                    </a:p>
+                  </a:txBody>
+                  <a:tcPr/>
+                </a:tc>
+                <a:tc>
+                  <a:txBody>
+                    <a:bodyPr/>
+                    <a:lstStyle/>
+                    <a:p>
+                      <a:pPr algn="ctr"/>
+                      <a:r>
+                        <a:rPr lang="en-US" sz="1800" dirty="0"/>
+                        <a:t>5</a:t>
+                      </a:r>
+                    </a:p>
+                  </a:txBody>
+                  <a:tcPr/>
+                </a:tc>
+                <a:extLst>
+                  <a:ext uri="{0D108BD9-81ED-4DB2-BD59-A6C34878D82A}">
+                    <a16:rowId xmlns:a16="http://schemas.microsoft.com/office/drawing/2014/main" val="2770370416"/>
+                  </a:ext>
+                </a:extLst>
+              </a:tr>
+              <a:tr h="370840">
+                <a:tc>
+                  <a:txBody>
+                    <a:bodyPr/>
+                    <a:lstStyle/>
+                    <a:p>
+                      <a:pPr algn="r"/>
+                      <a:r>
+                        <a:rPr lang="en-US" sz="1800" dirty="0"/>
+                        <a:t>9074</a:t>
+                      </a:r>
+                    </a:p>
+                  </a:txBody>
+                  <a:tcPr/>
+                </a:tc>
+                <a:tc>
+                  <a:txBody>
+                    <a:bodyPr/>
+                    <a:lstStyle/>
+                    <a:p>
+                      <a:pPr algn="ctr"/>
+                      <a:r>
+                        <a:rPr lang="en-US" sz="1800" dirty="0"/>
+                        <a:t>7</a:t>
+                      </a:r>
+                    </a:p>
+                  </a:txBody>
+                  <a:tcPr/>
+                </a:tc>
+                <a:tc>
+                  <a:txBody>
+                    <a:bodyPr/>
+                    <a:lstStyle/>
+                    <a:p>
+                      <a:pPr algn="ctr"/>
+                      <a:r>
+                        <a:rPr lang="en-US" sz="1800" dirty="0"/>
+                        <a:t>-5.32%</a:t>
+                      </a:r>
+                    </a:p>
+                  </a:txBody>
+                  <a:tcPr/>
+                </a:tc>
+                <a:tc>
+                  <a:txBody>
+                    <a:bodyPr/>
+                    <a:lstStyle/>
+                    <a:p>
+                      <a:pPr algn="ctr"/>
+                      <a:r>
+                        <a:rPr lang="en-US" sz="1800" dirty="0"/>
+                        <a:t>7</a:t>
+                      </a:r>
+                    </a:p>
+                  </a:txBody>
+                  <a:tcPr/>
+                </a:tc>
+                <a:tc>
+                  <a:txBody>
+                    <a:bodyPr/>
+                    <a:lstStyle/>
+                    <a:p>
+                      <a:pPr algn="ctr"/>
+                      <a:r>
+                        <a:rPr lang="en-US" sz="1800" dirty="0"/>
+                        <a:t>7</a:t>
+                      </a:r>
+                    </a:p>
+                  </a:txBody>
+                  <a:tcPr/>
+                </a:tc>
+                <a:extLst>
+                  <a:ext uri="{0D108BD9-81ED-4DB2-BD59-A6C34878D82A}">
                     <a16:rowId xmlns:a16="http://schemas.microsoft.com/office/drawing/2014/main" val="826506318"/>
                   </a:ext>
                 </a:extLst>
@@ -6897,7 +6959,7 @@
                             <a:srgbClr val="00B050"/>
                           </a:solidFill>
                         </a:rPr>
-                        <a:t>13703</a:t>
+                        <a:t>14746</a:t>
                       </a:r>
                     </a:p>
                   </a:txBody>
@@ -6933,7 +6995,7 @@
                             <a:srgbClr val="00B050"/>
                           </a:solidFill>
                         </a:rPr>
-                        <a:t>13.33%</a:t>
+                        <a:t>10.25%</a:t>
                       </a:r>
                     </a:p>
                   </a:txBody>
@@ -6969,7 +7031,7 @@
                             <a:srgbClr val="00B050"/>
                           </a:solidFill>
                         </a:rPr>
-                        <a:t>2</a:t>
+                        <a:t>3</a:t>
                       </a:r>
                     </a:p>
                   </a:txBody>
@@ -6994,7 +7056,7 @@
                             <a:srgbClr val="00B050"/>
                           </a:solidFill>
                         </a:rPr>
-                        <a:t>11068</a:t>
+                        <a:t>13554</a:t>
                       </a:r>
                     </a:p>
                   </a:txBody>
@@ -7030,7 +7092,7 @@
                             <a:srgbClr val="00B050"/>
                           </a:solidFill>
                         </a:rPr>
-                        <a:t>2.48%</a:t>
+                        <a:t>4.39%</a:t>
                       </a:r>
                     </a:p>
                   </a:txBody>
@@ -7066,7 +7128,7 @@
                             <a:srgbClr val="00B050"/>
                           </a:solidFill>
                         </a:rPr>
-                        <a:t>3</a:t>
+                        <a:t>5</a:t>
                       </a:r>
                     </a:p>
                   </a:txBody>
@@ -7091,7 +7153,7 @@
                             <a:srgbClr val="00B050"/>
                           </a:solidFill>
                         </a:rPr>
-                        <a:t>13895</a:t>
+                        <a:t>18302</a:t>
                       </a:r>
                     </a:p>
                   </a:txBody>
@@ -7127,7 +7189,7 @@
                             <a:srgbClr val="00B050"/>
                           </a:solidFill>
                         </a:rPr>
-                        <a:t>3.98%</a:t>
+                        <a:t>3.45%</a:t>
                       </a:r>
                     </a:p>
                   </a:txBody>
@@ -7145,7 +7207,7 @@
                             <a:srgbClr val="00B050"/>
                           </a:solidFill>
                         </a:rPr>
-                        <a:t>2</a:t>
+                        <a:t>5</a:t>
                       </a:r>
                     </a:p>
                   </a:txBody>
@@ -7163,7 +7225,7 @@
                             <a:srgbClr val="00B050"/>
                           </a:solidFill>
                         </a:rPr>
-                        <a:t>3</a:t>
+                        <a:t>8</a:t>
                       </a:r>
                     </a:p>
                   </a:txBody>
@@ -7189,13 +7251,13 @@
   <p:clrMapOvr>
     <a:masterClrMapping/>
   </p:clrMapOvr>
-  <mc:AlternateContent xmlns:mc="http://schemas.openxmlformats.org/markup-compatibility/2006">
-    <mc:Choice xmlns:p14="http://schemas.microsoft.com/office/powerpoint/2010/main" Requires="p14">
+  <mc:AlternateContent xmlns:mc="http://schemas.openxmlformats.org/markup-compatibility/2006" xmlns:p14="http://schemas.microsoft.com/office/powerpoint/2010/main">
+    <mc:Choice Requires="p14">
       <p:transition spd="med" p14:dur="700">
         <p:fade/>
       </p:transition>
     </mc:Choice>
-    <mc:Fallback>
+    <mc:Fallback xmlns="">
       <p:transition spd="med">
         <p:fade/>
       </p:transition>
@@ -7596,13 +7658,13 @@
   <p:clrMapOvr>
     <a:masterClrMapping/>
   </p:clrMapOvr>
-  <mc:AlternateContent xmlns:mc="http://schemas.openxmlformats.org/markup-compatibility/2006">
-    <mc:Choice xmlns:p14="http://schemas.microsoft.com/office/powerpoint/2010/main" Requires="p14">
+  <mc:AlternateContent xmlns:mc="http://schemas.openxmlformats.org/markup-compatibility/2006" xmlns:p14="http://schemas.microsoft.com/office/powerpoint/2010/main">
+    <mc:Choice Requires="p14">
       <p:transition spd="med" p14:dur="700">
         <p:fade/>
       </p:transition>
     </mc:Choice>
-    <mc:Fallback>
+    <mc:Fallback xmlns="">
       <p:transition spd="med">
         <p:fade/>
       </p:transition>
@@ -7801,6 +7863,188 @@
     <p:extLst>
       <p:ext uri="{BB962C8B-B14F-4D97-AF65-F5344CB8AC3E}">
         <p14:creationId xmlns:p14="http://schemas.microsoft.com/office/powerpoint/2010/main" val="134115279"/>
+      </p:ext>
+    </p:extLst>
+  </p:cSld>
+  <p:clrMapOvr>
+    <a:masterClrMapping/>
+  </p:clrMapOvr>
+  <mc:AlternateContent xmlns:mc="http://schemas.openxmlformats.org/markup-compatibility/2006" xmlns:p14="http://schemas.microsoft.com/office/powerpoint/2010/main">
+    <mc:Choice Requires="p14">
+      <p:transition spd="med" p14:dur="700">
+        <p:fade/>
+      </p:transition>
+    </mc:Choice>
+    <mc:Fallback xmlns="">
+      <p:transition spd="med">
+        <p:fade/>
+      </p:transition>
+    </mc:Fallback>
+  </mc:AlternateContent>
+</p:sld>
+</file>
+
+<file path=ppt/slides/slide9.xml><?xml version="1.0" encoding="utf-8"?>
+<p:sld xmlns:a="http://schemas.openxmlformats.org/drawingml/2006/main" xmlns:r="http://schemas.openxmlformats.org/officeDocument/2006/relationships" xmlns:p="http://schemas.openxmlformats.org/presentationml/2006/main">
+  <p:cSld>
+    <p:bg>
+      <p:bgPr>
+        <a:solidFill>
+          <a:schemeClr val="tx1"/>
+        </a:solidFill>
+        <a:effectLst/>
+      </p:bgPr>
+    </p:bg>
+    <p:spTree>
+      <p:nvGrpSpPr>
+        <p:cNvPr id="1" name=""/>
+        <p:cNvGrpSpPr/>
+        <p:nvPr/>
+      </p:nvGrpSpPr>
+      <p:grpSpPr>
+        <a:xfrm>
+          <a:off x="0" y="0"/>
+          <a:ext cx="0" cy="0"/>
+          <a:chOff x="0" y="0"/>
+          <a:chExt cx="0" cy="0"/>
+        </a:xfrm>
+      </p:grpSpPr>
+      <p:grpSp>
+        <p:nvGrpSpPr>
+          <p:cNvPr id="2" name="Group 1">
+            <a:extLst>
+              <a:ext uri="{FF2B5EF4-FFF2-40B4-BE49-F238E27FC236}">
+                <a16:creationId xmlns:a16="http://schemas.microsoft.com/office/drawing/2014/main" id="{562866DA-B9D8-9647-8B49-5C7A26C30A95}"/>
+              </a:ext>
+            </a:extLst>
+          </p:cNvPr>
+          <p:cNvGrpSpPr/>
+          <p:nvPr/>
+        </p:nvGrpSpPr>
+        <p:grpSpPr>
+          <a:xfrm>
+            <a:off x="537083" y="1179465"/>
+            <a:ext cx="7010137" cy="5244224"/>
+            <a:chOff x="537083" y="1179465"/>
+            <a:chExt cx="7010137" cy="5244224"/>
+          </a:xfrm>
+        </p:grpSpPr>
+        <p:pic>
+          <p:nvPicPr>
+            <p:cNvPr id="3" name="Picture 2" descr="Chart, line chart&#10;&#10;Description automatically generated">
+              <a:extLst>
+                <a:ext uri="{FF2B5EF4-FFF2-40B4-BE49-F238E27FC236}">
+                  <a16:creationId xmlns:a16="http://schemas.microsoft.com/office/drawing/2014/main" id="{AA018085-25F6-2D49-B52E-AEAB537C8190}"/>
+                </a:ext>
+              </a:extLst>
+            </p:cNvPr>
+            <p:cNvPicPr>
+              <a:picLocks noChangeAspect="1"/>
+            </p:cNvPicPr>
+            <p:nvPr/>
+          </p:nvPicPr>
+          <p:blipFill>
+            <a:blip r:embed="rId2">
+              <a:extLst>
+                <a:ext uri="{28A0092B-C50C-407E-A947-70E740481C1C}">
+                  <a14:useLocalDpi xmlns:a14="http://schemas.microsoft.com/office/drawing/2010/main" val="0"/>
+                </a:ext>
+              </a:extLst>
+            </a:blip>
+            <a:stretch>
+              <a:fillRect/>
+            </a:stretch>
+          </p:blipFill>
+          <p:spPr>
+            <a:xfrm>
+              <a:off x="537083" y="1179465"/>
+              <a:ext cx="7010137" cy="5244224"/>
+            </a:xfrm>
+            <a:prstGeom prst="rect">
+              <a:avLst/>
+            </a:prstGeom>
+          </p:spPr>
+        </p:pic>
+        <p:sp>
+          <p:nvSpPr>
+            <p:cNvPr id="4" name="TextBox 3">
+              <a:extLst>
+                <a:ext uri="{FF2B5EF4-FFF2-40B4-BE49-F238E27FC236}">
+                  <a16:creationId xmlns:a16="http://schemas.microsoft.com/office/drawing/2014/main" id="{B6B07D5B-35FF-224F-A9DC-87D1EE99926D}"/>
+                </a:ext>
+              </a:extLst>
+            </p:cNvPr>
+            <p:cNvSpPr txBox="1"/>
+            <p:nvPr/>
+          </p:nvSpPr>
+          <p:spPr>
+            <a:xfrm>
+              <a:off x="4436533" y="4156414"/>
+              <a:ext cx="2248430" cy="461665"/>
+            </a:xfrm>
+            <a:prstGeom prst="rect">
+              <a:avLst/>
+            </a:prstGeom>
+            <a:solidFill>
+              <a:schemeClr val="tx1">
+                <a:lumMod val="65000"/>
+              </a:schemeClr>
+            </a:solidFill>
+          </p:spPr>
+          <p:txBody>
+            <a:bodyPr wrap="square" rtlCol="0">
+              <a:spAutoFit/>
+            </a:bodyPr>
+            <a:lstStyle/>
+            <a:p>
+              <a:r>
+                <a:rPr lang="en-US" sz="1200" dirty="0"/>
+                <a:t>2.48% Forecasted Increase in Revenue per Share</a:t>
+              </a:r>
+            </a:p>
+          </p:txBody>
+        </p:sp>
+        <p:cxnSp>
+          <p:nvCxnSpPr>
+            <p:cNvPr id="5" name="Straight Connector 4">
+              <a:extLst>
+                <a:ext uri="{FF2B5EF4-FFF2-40B4-BE49-F238E27FC236}">
+                  <a16:creationId xmlns:a16="http://schemas.microsoft.com/office/drawing/2014/main" id="{149A5D25-C01C-7242-A097-501940B9CFC3}"/>
+                </a:ext>
+              </a:extLst>
+            </p:cNvPr>
+            <p:cNvCxnSpPr/>
+            <p:nvPr/>
+          </p:nvCxnSpPr>
+          <p:spPr>
+            <a:xfrm flipH="1">
+              <a:off x="6684963" y="3513667"/>
+              <a:ext cx="689504" cy="642747"/>
+            </a:xfrm>
+            <a:prstGeom prst="line">
+              <a:avLst/>
+            </a:prstGeom>
+          </p:spPr>
+          <p:style>
+            <a:lnRef idx="1">
+              <a:schemeClr val="dk1"/>
+            </a:lnRef>
+            <a:fillRef idx="0">
+              <a:schemeClr val="dk1"/>
+            </a:fillRef>
+            <a:effectRef idx="0">
+              <a:schemeClr val="dk1"/>
+            </a:effectRef>
+            <a:fontRef idx="minor">
+              <a:schemeClr val="tx1"/>
+            </a:fontRef>
+          </p:style>
+        </p:cxnSp>
+      </p:grpSp>
+    </p:spTree>
+    <p:extLst>
+      <p:ext uri="{BB962C8B-B14F-4D97-AF65-F5344CB8AC3E}">
+        <p14:creationId xmlns:p14="http://schemas.microsoft.com/office/powerpoint/2010/main" val="3178321390"/>
       </p:ext>
     </p:extLst>
   </p:cSld>

--- a/Stakeholder Presentation.pptx
+++ b/Stakeholder Presentation.pptx
@@ -5,26 +5,27 @@
     <p:sldMasterId id="2147483648" r:id="rId1"/>
   </p:sldMasterIdLst>
   <p:notesMasterIdLst>
-    <p:notesMasterId r:id="rId11"/>
+    <p:notesMasterId r:id="rId12"/>
   </p:notesMasterIdLst>
   <p:handoutMasterIdLst>
-    <p:handoutMasterId r:id="rId12"/>
+    <p:handoutMasterId r:id="rId13"/>
   </p:handoutMasterIdLst>
   <p:sldIdLst>
     <p:sldId id="265" r:id="rId2"/>
     <p:sldId id="310" r:id="rId3"/>
-    <p:sldId id="345" r:id="rId4"/>
-    <p:sldId id="336" r:id="rId5"/>
-    <p:sldId id="346" r:id="rId6"/>
-    <p:sldId id="347" r:id="rId7"/>
-    <p:sldId id="326" r:id="rId8"/>
-    <p:sldId id="331" r:id="rId9"/>
-    <p:sldId id="348" r:id="rId10"/>
+    <p:sldId id="349" r:id="rId4"/>
+    <p:sldId id="345" r:id="rId5"/>
+    <p:sldId id="336" r:id="rId6"/>
+    <p:sldId id="346" r:id="rId7"/>
+    <p:sldId id="347" r:id="rId8"/>
+    <p:sldId id="326" r:id="rId9"/>
+    <p:sldId id="331" r:id="rId10"/>
+    <p:sldId id="348" r:id="rId11"/>
   </p:sldIdLst>
   <p:sldSz cx="12188825" cy="6858000"/>
   <p:notesSz cx="6858000" cy="9144000"/>
   <p:custDataLst>
-    <p:tags r:id="rId13"/>
+    <p:tags r:id="rId14"/>
   </p:custDataLst>
   <p:defaultTextStyle>
     <a:defPPr>
@@ -225,7 +226,7 @@
           <a:p>
             <a:fld id="{59088EAF-6ECA-4616-85EF-35AA19C641F3}" type="datetimeFigureOut">
               <a:rPr lang="en-US"/>
-              <a:t>6/22/21</a:t>
+              <a:t>6/29/21</a:t>
             </a:fld>
             <a:endParaRPr/>
           </a:p>
@@ -390,7 +391,7 @@
           <a:p>
             <a:fld id="{3ABD2D7A-D230-4F91-BD59-0A39C2703BA8}" type="datetimeFigureOut">
               <a:rPr lang="en-US"/>
-              <a:t>6/22/21</a:t>
+              <a:t>6/29/21</a:t>
             </a:fld>
             <a:endParaRPr/>
           </a:p>
@@ -885,7 +886,7 @@
           <a:p>
             <a:fld id="{F93199CD-3E1B-4AE6-990F-76F925F5EA9F}" type="slidenum">
               <a:rPr lang="en-US" smtClean="0"/>
-              <a:t>3</a:t>
+              <a:t>4</a:t>
             </a:fld>
             <a:endParaRPr lang="en-US"/>
           </a:p>
@@ -969,7 +970,7 @@
           <a:p>
             <a:fld id="{F93199CD-3E1B-4AE6-990F-76F925F5EA9F}" type="slidenum">
               <a:rPr lang="en-US" smtClean="0"/>
-              <a:t>4</a:t>
+              <a:t>5</a:t>
             </a:fld>
             <a:endParaRPr lang="en-US"/>
           </a:p>
@@ -1053,7 +1054,7 @@
           <a:p>
             <a:fld id="{F93199CD-3E1B-4AE6-990F-76F925F5EA9F}" type="slidenum">
               <a:rPr lang="en-US" smtClean="0"/>
-              <a:t>5</a:t>
+              <a:t>6</a:t>
             </a:fld>
             <a:endParaRPr lang="en-US"/>
           </a:p>
@@ -1137,7 +1138,7 @@
           <a:p>
             <a:fld id="{F93199CD-3E1B-4AE6-990F-76F925F5EA9F}" type="slidenum">
               <a:rPr lang="en-US" smtClean="0"/>
-              <a:t>6</a:t>
+              <a:t>7</a:t>
             </a:fld>
             <a:endParaRPr lang="en-US"/>
           </a:p>
@@ -1503,7 +1504,7 @@
           <a:p>
             <a:fld id="{03F41C87-7AD9-4845-A077-840E4A0F3F06}" type="datetimeFigureOut">
               <a:rPr lang="en-US"/>
-              <a:t>6/22/21</a:t>
+              <a:t>6/29/21</a:t>
             </a:fld>
             <a:endParaRPr/>
           </a:p>
@@ -1695,7 +1696,7 @@
           <a:p>
             <a:fld id="{03F41C87-7AD9-4845-A077-840E4A0F3F06}" type="datetimeFigureOut">
               <a:rPr lang="en-US"/>
-              <a:t>6/22/21</a:t>
+              <a:t>6/29/21</a:t>
             </a:fld>
             <a:endParaRPr/>
           </a:p>
@@ -1884,7 +1885,7 @@
           <a:p>
             <a:fld id="{03F41C87-7AD9-4845-A077-840E4A0F3F06}" type="datetimeFigureOut">
               <a:rPr lang="en-US"/>
-              <a:t>6/22/21</a:t>
+              <a:t>6/29/21</a:t>
             </a:fld>
             <a:endParaRPr/>
           </a:p>
@@ -2164,7 +2165,7 @@
           <a:p>
             <a:fld id="{03F41C87-7AD9-4845-A077-840E4A0F3F06}" type="datetimeFigureOut">
               <a:rPr lang="en-US"/>
-              <a:t>6/22/21</a:t>
+              <a:t>6/29/21</a:t>
             </a:fld>
             <a:endParaRPr/>
           </a:p>
@@ -2468,7 +2469,7 @@
           <a:p>
             <a:fld id="{03F41C87-7AD9-4845-A077-840E4A0F3F06}" type="datetimeFigureOut">
               <a:rPr lang="en-US"/>
-              <a:t>6/22/21</a:t>
+              <a:t>6/29/21</a:t>
             </a:fld>
             <a:endParaRPr/>
           </a:p>
@@ -2924,7 +2925,7 @@
           <a:p>
             <a:fld id="{03F41C87-7AD9-4845-A077-840E4A0F3F06}" type="datetimeFigureOut">
               <a:rPr lang="en-US"/>
-              <a:t>6/22/21</a:t>
+              <a:t>6/29/21</a:t>
             </a:fld>
             <a:endParaRPr/>
           </a:p>
@@ -3054,7 +3055,7 @@
           <a:p>
             <a:fld id="{03F41C87-7AD9-4845-A077-840E4A0F3F06}" type="datetimeFigureOut">
               <a:rPr lang="en-US"/>
-              <a:t>6/22/21</a:t>
+              <a:t>6/29/21</a:t>
             </a:fld>
             <a:endParaRPr/>
           </a:p>
@@ -3169,7 +3170,7 @@
           <a:p>
             <a:fld id="{03F41C87-7AD9-4845-A077-840E4A0F3F06}" type="datetimeFigureOut">
               <a:rPr lang="en-US"/>
-              <a:t>6/22/21</a:t>
+              <a:t>6/29/21</a:t>
             </a:fld>
             <a:endParaRPr/>
           </a:p>
@@ -3491,7 +3492,7 @@
           <a:p>
             <a:fld id="{03F41C87-7AD9-4845-A077-840E4A0F3F06}" type="datetimeFigureOut">
               <a:rPr lang="en-US"/>
-              <a:t>6/22/21</a:t>
+              <a:t>6/29/21</a:t>
             </a:fld>
             <a:endParaRPr/>
           </a:p>
@@ -3803,7 +3804,7 @@
             <a:fld id="{03F41C87-7AD9-4845-A077-840E4A0F3F06}" type="datetimeFigureOut">
               <a:rPr lang="en-US"/>
               <a:pPr/>
-              <a:t>6/22/21</a:t>
+              <a:t>6/29/21</a:t>
             </a:fld>
             <a:endParaRPr/>
           </a:p>
@@ -4057,7 +4058,7 @@
             <a:fld id="{03F41C87-7AD9-4845-A077-840E4A0F3F06}" type="datetimeFigureOut">
               <a:rPr lang="en-US" smtClean="0"/>
               <a:pPr/>
-              <a:t>6/22/21</a:t>
+              <a:t>6/29/21</a:t>
             </a:fld>
             <a:endParaRPr lang="en-US"/>
           </a:p>
@@ -4498,7 +4499,7 @@
           <a:p>
             <a:r>
               <a:rPr lang="en-US" dirty="0"/>
-              <a:t>Modeling Micro-Cap Stock Growth</a:t>
+              <a:t>Finding Micro-Cap Inefficiency</a:t>
             </a:r>
           </a:p>
         </p:txBody>
@@ -4534,6 +4535,188 @@
     <p:extLst>
       <p:ext uri="{BB962C8B-B14F-4D97-AF65-F5344CB8AC3E}">
         <p14:creationId xmlns:p14="http://schemas.microsoft.com/office/powerpoint/2010/main" val="2808920126"/>
+      </p:ext>
+    </p:extLst>
+  </p:cSld>
+  <p:clrMapOvr>
+    <a:masterClrMapping/>
+  </p:clrMapOvr>
+  <mc:AlternateContent xmlns:mc="http://schemas.openxmlformats.org/markup-compatibility/2006" xmlns:p14="http://schemas.microsoft.com/office/powerpoint/2010/main">
+    <mc:Choice Requires="p14">
+      <p:transition spd="med" p14:dur="700">
+        <p:fade/>
+      </p:transition>
+    </mc:Choice>
+    <mc:Fallback xmlns="">
+      <p:transition spd="med">
+        <p:fade/>
+      </p:transition>
+    </mc:Fallback>
+  </mc:AlternateContent>
+</p:sld>
+</file>
+
+<file path=ppt/slides/slide10.xml><?xml version="1.0" encoding="utf-8"?>
+<p:sld xmlns:a="http://schemas.openxmlformats.org/drawingml/2006/main" xmlns:r="http://schemas.openxmlformats.org/officeDocument/2006/relationships" xmlns:p="http://schemas.openxmlformats.org/presentationml/2006/main">
+  <p:cSld>
+    <p:bg>
+      <p:bgPr>
+        <a:solidFill>
+          <a:schemeClr val="tx1"/>
+        </a:solidFill>
+        <a:effectLst/>
+      </p:bgPr>
+    </p:bg>
+    <p:spTree>
+      <p:nvGrpSpPr>
+        <p:cNvPr id="1" name=""/>
+        <p:cNvGrpSpPr/>
+        <p:nvPr/>
+      </p:nvGrpSpPr>
+      <p:grpSpPr>
+        <a:xfrm>
+          <a:off x="0" y="0"/>
+          <a:ext cx="0" cy="0"/>
+          <a:chOff x="0" y="0"/>
+          <a:chExt cx="0" cy="0"/>
+        </a:xfrm>
+      </p:grpSpPr>
+      <p:grpSp>
+        <p:nvGrpSpPr>
+          <p:cNvPr id="2" name="Group 1">
+            <a:extLst>
+              <a:ext uri="{FF2B5EF4-FFF2-40B4-BE49-F238E27FC236}">
+                <a16:creationId xmlns:a16="http://schemas.microsoft.com/office/drawing/2014/main" id="{562866DA-B9D8-9647-8B49-5C7A26C30A95}"/>
+              </a:ext>
+            </a:extLst>
+          </p:cNvPr>
+          <p:cNvGrpSpPr/>
+          <p:nvPr/>
+        </p:nvGrpSpPr>
+        <p:grpSpPr>
+          <a:xfrm>
+            <a:off x="537083" y="1179465"/>
+            <a:ext cx="7010137" cy="5244224"/>
+            <a:chOff x="537083" y="1179465"/>
+            <a:chExt cx="7010137" cy="5244224"/>
+          </a:xfrm>
+        </p:grpSpPr>
+        <p:pic>
+          <p:nvPicPr>
+            <p:cNvPr id="3" name="Picture 2" descr="Chart, line chart&#10;&#10;Description automatically generated">
+              <a:extLst>
+                <a:ext uri="{FF2B5EF4-FFF2-40B4-BE49-F238E27FC236}">
+                  <a16:creationId xmlns:a16="http://schemas.microsoft.com/office/drawing/2014/main" id="{AA018085-25F6-2D49-B52E-AEAB537C8190}"/>
+                </a:ext>
+              </a:extLst>
+            </p:cNvPr>
+            <p:cNvPicPr>
+              <a:picLocks noChangeAspect="1"/>
+            </p:cNvPicPr>
+            <p:nvPr/>
+          </p:nvPicPr>
+          <p:blipFill>
+            <a:blip r:embed="rId2">
+              <a:extLst>
+                <a:ext uri="{28A0092B-C50C-407E-A947-70E740481C1C}">
+                  <a14:useLocalDpi xmlns:a14="http://schemas.microsoft.com/office/drawing/2010/main" val="0"/>
+                </a:ext>
+              </a:extLst>
+            </a:blip>
+            <a:stretch>
+              <a:fillRect/>
+            </a:stretch>
+          </p:blipFill>
+          <p:spPr>
+            <a:xfrm>
+              <a:off x="537083" y="1179465"/>
+              <a:ext cx="7010137" cy="5244224"/>
+            </a:xfrm>
+            <a:prstGeom prst="rect">
+              <a:avLst/>
+            </a:prstGeom>
+          </p:spPr>
+        </p:pic>
+        <p:sp>
+          <p:nvSpPr>
+            <p:cNvPr id="4" name="TextBox 3">
+              <a:extLst>
+                <a:ext uri="{FF2B5EF4-FFF2-40B4-BE49-F238E27FC236}">
+                  <a16:creationId xmlns:a16="http://schemas.microsoft.com/office/drawing/2014/main" id="{B6B07D5B-35FF-224F-A9DC-87D1EE99926D}"/>
+                </a:ext>
+              </a:extLst>
+            </p:cNvPr>
+            <p:cNvSpPr txBox="1"/>
+            <p:nvPr/>
+          </p:nvSpPr>
+          <p:spPr>
+            <a:xfrm>
+              <a:off x="4436533" y="4156414"/>
+              <a:ext cx="2248430" cy="461665"/>
+            </a:xfrm>
+            <a:prstGeom prst="rect">
+              <a:avLst/>
+            </a:prstGeom>
+            <a:solidFill>
+              <a:schemeClr val="tx1">
+                <a:lumMod val="65000"/>
+              </a:schemeClr>
+            </a:solidFill>
+          </p:spPr>
+          <p:txBody>
+            <a:bodyPr wrap="square" rtlCol="0">
+              <a:spAutoFit/>
+            </a:bodyPr>
+            <a:lstStyle/>
+            <a:p>
+              <a:r>
+                <a:rPr lang="en-US" sz="1200" dirty="0"/>
+                <a:t>2.48% Forecasted Increase in Revenue per Share</a:t>
+              </a:r>
+            </a:p>
+          </p:txBody>
+        </p:sp>
+        <p:cxnSp>
+          <p:nvCxnSpPr>
+            <p:cNvPr id="5" name="Straight Connector 4">
+              <a:extLst>
+                <a:ext uri="{FF2B5EF4-FFF2-40B4-BE49-F238E27FC236}">
+                  <a16:creationId xmlns:a16="http://schemas.microsoft.com/office/drawing/2014/main" id="{149A5D25-C01C-7242-A097-501940B9CFC3}"/>
+                </a:ext>
+              </a:extLst>
+            </p:cNvPr>
+            <p:cNvCxnSpPr/>
+            <p:nvPr/>
+          </p:nvCxnSpPr>
+          <p:spPr>
+            <a:xfrm flipH="1">
+              <a:off x="6684963" y="3513667"/>
+              <a:ext cx="689504" cy="642747"/>
+            </a:xfrm>
+            <a:prstGeom prst="line">
+              <a:avLst/>
+            </a:prstGeom>
+          </p:spPr>
+          <p:style>
+            <a:lnRef idx="1">
+              <a:schemeClr val="dk1"/>
+            </a:lnRef>
+            <a:fillRef idx="0">
+              <a:schemeClr val="dk1"/>
+            </a:fillRef>
+            <a:effectRef idx="0">
+              <a:schemeClr val="dk1"/>
+            </a:effectRef>
+            <a:fontRef idx="minor">
+              <a:schemeClr val="tx1"/>
+            </a:fontRef>
+          </p:style>
+        </p:cxnSp>
+      </p:grpSp>
+    </p:spTree>
+    <p:extLst>
+      <p:ext uri="{BB962C8B-B14F-4D97-AF65-F5344CB8AC3E}">
+        <p14:creationId xmlns:p14="http://schemas.microsoft.com/office/powerpoint/2010/main" val="3178321390"/>
       </p:ext>
     </p:extLst>
   </p:cSld>
@@ -4603,7 +4786,7 @@
             </a:br>
             <a:r>
               <a:rPr lang="en-US" sz="1300" dirty="0"/>
-              <a:t>by finding undervalued micro-cap stocks</a:t>
+              <a:t>by finding undervalued micro-cap stocks with growth potential</a:t>
             </a:r>
           </a:p>
         </p:txBody>
@@ -4798,39 +4981,10 @@
       </p:grpSpPr>
       <p:sp>
         <p:nvSpPr>
-          <p:cNvPr id="13" name="Title 12"/>
-          <p:cNvSpPr>
-            <a:spLocks noGrp="1"/>
-          </p:cNvSpPr>
-          <p:nvPr>
-            <p:ph type="title"/>
-          </p:nvPr>
-        </p:nvSpPr>
-        <p:spPr>
-          <a:xfrm>
-            <a:off x="455612" y="325967"/>
-            <a:ext cx="9144001" cy="685800"/>
-          </a:xfrm>
-        </p:spPr>
-        <p:txBody>
-          <a:bodyPr>
-            <a:normAutofit/>
-          </a:bodyPr>
-          <a:lstStyle/>
-          <a:p>
-            <a:r>
-              <a:rPr lang="en-US" dirty="0"/>
-              <a:t>Data Overview</a:t>
-            </a:r>
-          </a:p>
-        </p:txBody>
-      </p:sp>
-      <p:sp>
-        <p:nvSpPr>
-          <p:cNvPr id="32" name="Content Placeholder 13">
+          <p:cNvPr id="3" name="Title 12">
             <a:extLst>
               <a:ext uri="{FF2B5EF4-FFF2-40B4-BE49-F238E27FC236}">
-                <a16:creationId xmlns:a16="http://schemas.microsoft.com/office/drawing/2014/main" id="{D591E704-EFB5-484A-A204-7080FCE63F6A}"/>
+                <a16:creationId xmlns:a16="http://schemas.microsoft.com/office/drawing/2014/main" id="{742940BE-0343-BE48-AE07-E2ACAB92224E}"/>
               </a:ext>
             </a:extLst>
           </p:cNvPr>
@@ -4841,7 +4995,68 @@
         </p:nvSpPr>
         <p:spPr>
           <a:xfrm>
-            <a:off x="7424474" y="1736965"/>
+            <a:off x="455612" y="359833"/>
+            <a:ext cx="9144001" cy="685800"/>
+          </a:xfrm>
+          <a:prstGeom prst="rect">
+            <a:avLst/>
+          </a:prstGeom>
+        </p:spPr>
+        <p:txBody>
+          <a:bodyPr>
+            <a:normAutofit fontScale="90000" lnSpcReduction="10000"/>
+          </a:bodyPr>
+          <a:lstStyle>
+            <a:lvl1pPr algn="l" defTabSz="914400" rtl="0" eaLnBrk="1" latinLnBrk="0" hangingPunct="1">
+              <a:lnSpc>
+                <a:spcPct val="90000"/>
+              </a:lnSpc>
+              <a:spcBef>
+                <a:spcPct val="0"/>
+              </a:spcBef>
+              <a:buNone/>
+              <a:defRPr sz="3600" kern="1200" spc="100" baseline="0">
+                <a:solidFill>
+                  <a:schemeClr val="tx1"/>
+                </a:solidFill>
+                <a:latin typeface="+mj-lt"/>
+                <a:ea typeface="+mj-ea"/>
+                <a:cs typeface="+mj-cs"/>
+              </a:defRPr>
+            </a:lvl1pPr>
+          </a:lstStyle>
+          <a:p>
+            <a:r>
+              <a:rPr lang="en-US" sz="4000" dirty="0"/>
+              <a:t>Selection Criteria</a:t>
+            </a:r>
+            <a:br>
+              <a:rPr lang="en-US" dirty="0"/>
+            </a:br>
+            <a:r>
+              <a:rPr lang="en-US" sz="1300" dirty="0"/>
+              <a:t>for selecting stocks to buy</a:t>
+            </a:r>
+          </a:p>
+        </p:txBody>
+      </p:sp>
+      <p:sp>
+        <p:nvSpPr>
+          <p:cNvPr id="4" name="Content Placeholder 13">
+            <a:extLst>
+              <a:ext uri="{FF2B5EF4-FFF2-40B4-BE49-F238E27FC236}">
+                <a16:creationId xmlns:a16="http://schemas.microsoft.com/office/drawing/2014/main" id="{1F3F11B6-467D-B14F-B550-870DEE9DAFC4}"/>
+              </a:ext>
+            </a:extLst>
+          </p:cNvPr>
+          <p:cNvSpPr txBox="1">
+            <a:spLocks/>
+          </p:cNvSpPr>
+          <p:nvPr/>
+        </p:nvSpPr>
+        <p:spPr>
+          <a:xfrm>
+            <a:off x="7208343" y="1289260"/>
             <a:ext cx="4350278" cy="3384069"/>
           </a:xfrm>
           <a:prstGeom prst="rect">
@@ -5039,49 +5254,381 @@
           <a:p>
             <a:r>
               <a:rPr lang="en-US" sz="2000" dirty="0"/>
-              <a:t>Sourced data from FMP’s API</a:t>
+              <a:t>Value Metric: based on 5 key metrics which quantify a stocks cost in relation to their performance </a:t>
             </a:r>
           </a:p>
           <a:p>
             <a:r>
               <a:rPr lang="en-US" sz="2000" dirty="0"/>
-              <a:t>Pulled general stock info (stock ticker, company name, industry, country etc.)</a:t>
-            </a:r>
-          </a:p>
-          <a:p>
+              <a:t>Growth Potential Metric: based on a 1-year forecast of a company's revenue per share</a:t>
+            </a:r>
+          </a:p>
+          <a:p>
+            <a:r>
+              <a:rPr lang="en-US" sz="2000" dirty="0">
+                <a:solidFill>
+                  <a:srgbClr val="FF0000"/>
+                </a:solidFill>
+              </a:rPr>
+              <a:t>BUY</a:t>
+            </a:r>
             <a:r>
               <a:rPr lang="en-US" sz="2000" dirty="0"/>
-              <a:t>Pulled 5 key value performance metrics for 2020</a:t>
-            </a:r>
-          </a:p>
-          <a:p>
+              <a:t> stocks which are cheaply priced and show growth potential into the future</a:t>
+            </a:r>
+          </a:p>
+          <a:p>
+            <a:r>
+              <a:rPr lang="en-US" sz="2000" dirty="0">
+                <a:solidFill>
+                  <a:srgbClr val="FF0000"/>
+                </a:solidFill>
+              </a:rPr>
+              <a:t>HOLD</a:t>
+            </a:r>
             <a:r>
               <a:rPr lang="en-US" sz="2000" dirty="0"/>
-              <a:t>Pulled all historical data for revenue per share</a:t>
-            </a:r>
-          </a:p>
-          <a:p>
+              <a:t> stocks which are cheaply priced without growth or expensive with growth</a:t>
+            </a:r>
+          </a:p>
+          <a:p>
+            <a:r>
+              <a:rPr lang="en-US" sz="2000" dirty="0">
+                <a:solidFill>
+                  <a:srgbClr val="FF0000"/>
+                </a:solidFill>
+              </a:rPr>
+              <a:t>SELL</a:t>
+            </a:r>
             <a:r>
               <a:rPr lang="en-US" sz="2000" dirty="0"/>
-              <a:t>Removed highly volatile sectors (Financial, </a:t>
-            </a:r>
-            <a:r>
-              <a:rPr lang="en-US" sz="2000" dirty="0" err="1"/>
-              <a:t>BioTech</a:t>
-            </a:r>
-            <a:r>
-              <a:rPr lang="en-US" sz="2000" dirty="0"/>
-              <a:t>, Project Management/Construction)</a:t>
+              <a:t> stocks which are expensive without growth potential</a:t>
+            </a:r>
+          </a:p>
+        </p:txBody>
+      </p:sp>
+      <p:sp>
+        <p:nvSpPr>
+          <p:cNvPr id="7" name="Rectangle 6">
+            <a:extLst>
+              <a:ext uri="{FF2B5EF4-FFF2-40B4-BE49-F238E27FC236}">
+                <a16:creationId xmlns:a16="http://schemas.microsoft.com/office/drawing/2014/main" id="{5B793A8E-CDB2-CA45-8440-AFB37141933B}"/>
+              </a:ext>
+            </a:extLst>
+          </p:cNvPr>
+          <p:cNvSpPr/>
+          <p:nvPr/>
+        </p:nvSpPr>
+        <p:spPr>
+          <a:xfrm>
+            <a:off x="831273" y="1289260"/>
+            <a:ext cx="5552902" cy="4996948"/>
+          </a:xfrm>
+          <a:prstGeom prst="rect">
+            <a:avLst/>
+          </a:prstGeom>
+        </p:spPr>
+        <p:style>
+          <a:lnRef idx="2">
+            <a:schemeClr val="accent1">
+              <a:shade val="50000"/>
+            </a:schemeClr>
+          </a:lnRef>
+          <a:fillRef idx="1">
+            <a:schemeClr val="accent1"/>
+          </a:fillRef>
+          <a:effectRef idx="0">
+            <a:schemeClr val="accent1"/>
+          </a:effectRef>
+          <a:fontRef idx="minor">
+            <a:schemeClr val="lt1"/>
+          </a:fontRef>
+        </p:style>
+        <p:txBody>
+          <a:bodyPr rtlCol="0" anchor="ctr"/>
+          <a:lstStyle/>
+          <a:p>
+            <a:pPr algn="ctr"/>
+            <a:endParaRPr lang="en-US"/>
+          </a:p>
+        </p:txBody>
+      </p:sp>
+      <p:cxnSp>
+        <p:nvCxnSpPr>
+          <p:cNvPr id="13" name="Straight Connector 12">
+            <a:extLst>
+              <a:ext uri="{FF2B5EF4-FFF2-40B4-BE49-F238E27FC236}">
+                <a16:creationId xmlns:a16="http://schemas.microsoft.com/office/drawing/2014/main" id="{FDBE57BE-704B-1746-9CEE-9D1E5B43F40B}"/>
+              </a:ext>
+            </a:extLst>
+          </p:cNvPr>
+          <p:cNvCxnSpPr>
+            <a:cxnSpLocks/>
+            <a:stCxn id="7" idx="0"/>
+            <a:endCxn id="7" idx="2"/>
+          </p:cNvCxnSpPr>
+          <p:nvPr/>
+        </p:nvCxnSpPr>
+        <p:spPr>
+          <a:xfrm>
+            <a:off x="3607724" y="1289260"/>
+            <a:ext cx="0" cy="4996948"/>
+          </a:xfrm>
+          <a:prstGeom prst="line">
+            <a:avLst/>
+          </a:prstGeom>
+          <a:ln w="57150"/>
+        </p:spPr>
+        <p:style>
+          <a:lnRef idx="1">
+            <a:schemeClr val="dk1"/>
+          </a:lnRef>
+          <a:fillRef idx="0">
+            <a:schemeClr val="dk1"/>
+          </a:fillRef>
+          <a:effectRef idx="0">
+            <a:schemeClr val="dk1"/>
+          </a:effectRef>
+          <a:fontRef idx="minor">
+            <a:schemeClr val="tx1"/>
+          </a:fontRef>
+        </p:style>
+      </p:cxnSp>
+      <p:cxnSp>
+        <p:nvCxnSpPr>
+          <p:cNvPr id="16" name="Straight Connector 15">
+            <a:extLst>
+              <a:ext uri="{FF2B5EF4-FFF2-40B4-BE49-F238E27FC236}">
+                <a16:creationId xmlns:a16="http://schemas.microsoft.com/office/drawing/2014/main" id="{A99611F0-E84B-B545-A9DB-C37518865A33}"/>
+              </a:ext>
+            </a:extLst>
+          </p:cNvPr>
+          <p:cNvCxnSpPr>
+            <a:cxnSpLocks/>
+            <a:stCxn id="7" idx="3"/>
+            <a:endCxn id="7" idx="1"/>
+          </p:cNvCxnSpPr>
+          <p:nvPr/>
+        </p:nvCxnSpPr>
+        <p:spPr>
+          <a:xfrm flipH="1">
+            <a:off x="831273" y="3787734"/>
+            <a:ext cx="5552902" cy="0"/>
+          </a:xfrm>
+          <a:prstGeom prst="line">
+            <a:avLst/>
+          </a:prstGeom>
+          <a:ln w="57150"/>
+        </p:spPr>
+        <p:style>
+          <a:lnRef idx="1">
+            <a:schemeClr val="dk1"/>
+          </a:lnRef>
+          <a:fillRef idx="0">
+            <a:schemeClr val="dk1"/>
+          </a:fillRef>
+          <a:effectRef idx="0">
+            <a:schemeClr val="dk1"/>
+          </a:effectRef>
+          <a:fontRef idx="minor">
+            <a:schemeClr val="tx1"/>
+          </a:fontRef>
+        </p:style>
+      </p:cxnSp>
+      <p:sp>
+        <p:nvSpPr>
+          <p:cNvPr id="19" name="TextBox 18">
+            <a:extLst>
+              <a:ext uri="{FF2B5EF4-FFF2-40B4-BE49-F238E27FC236}">
+                <a16:creationId xmlns:a16="http://schemas.microsoft.com/office/drawing/2014/main" id="{C1ABF9F8-B4BF-5441-972A-BDD9FECF46D0}"/>
+              </a:ext>
+            </a:extLst>
+          </p:cNvPr>
+          <p:cNvSpPr txBox="1"/>
+          <p:nvPr/>
+        </p:nvSpPr>
+        <p:spPr>
+          <a:xfrm>
+            <a:off x="3762487" y="2063338"/>
+            <a:ext cx="2427316" cy="738664"/>
+          </a:xfrm>
+          <a:prstGeom prst="rect">
+            <a:avLst/>
+          </a:prstGeom>
+          <a:noFill/>
+        </p:spPr>
+        <p:txBody>
+          <a:bodyPr wrap="square" rtlCol="0">
+            <a:spAutoFit/>
+          </a:bodyPr>
+          <a:lstStyle/>
+          <a:p>
+            <a:pPr algn="ctr"/>
+            <a:r>
+              <a:rPr lang="en-US" dirty="0"/>
+              <a:t>Value + Growth</a:t>
+            </a:r>
+          </a:p>
+          <a:p>
+            <a:pPr algn="ctr"/>
+            <a:r>
+              <a:rPr lang="en-US" sz="2400" dirty="0">
+                <a:solidFill>
+                  <a:srgbClr val="FF0000"/>
+                </a:solidFill>
+              </a:rPr>
+              <a:t>BUY</a:t>
+            </a:r>
+          </a:p>
+        </p:txBody>
+      </p:sp>
+      <p:sp>
+        <p:nvSpPr>
+          <p:cNvPr id="20" name="TextBox 19">
+            <a:extLst>
+              <a:ext uri="{FF2B5EF4-FFF2-40B4-BE49-F238E27FC236}">
+                <a16:creationId xmlns:a16="http://schemas.microsoft.com/office/drawing/2014/main" id="{14D4559E-51AD-7744-8DDE-2FFEACC8EA54}"/>
+              </a:ext>
+            </a:extLst>
+          </p:cNvPr>
+          <p:cNvSpPr txBox="1"/>
+          <p:nvPr/>
+        </p:nvSpPr>
+        <p:spPr>
+          <a:xfrm>
+            <a:off x="3813954" y="4667639"/>
+            <a:ext cx="2427316" cy="738664"/>
+          </a:xfrm>
+          <a:prstGeom prst="rect">
+            <a:avLst/>
+          </a:prstGeom>
+          <a:noFill/>
+        </p:spPr>
+        <p:txBody>
+          <a:bodyPr wrap="square" rtlCol="0">
+            <a:spAutoFit/>
+          </a:bodyPr>
+          <a:lstStyle/>
+          <a:p>
+            <a:pPr algn="ctr"/>
+            <a:r>
+              <a:rPr lang="en-US" dirty="0"/>
+              <a:t>Expensive, Growth</a:t>
+            </a:r>
+          </a:p>
+          <a:p>
+            <a:pPr algn="ctr"/>
+            <a:r>
+              <a:rPr lang="en-US" sz="2400" dirty="0">
+                <a:solidFill>
+                  <a:srgbClr val="FF0000"/>
+                </a:solidFill>
+              </a:rPr>
+              <a:t>HOLD</a:t>
+            </a:r>
+          </a:p>
+        </p:txBody>
+      </p:sp>
+      <p:sp>
+        <p:nvSpPr>
+          <p:cNvPr id="21" name="TextBox 20">
+            <a:extLst>
+              <a:ext uri="{FF2B5EF4-FFF2-40B4-BE49-F238E27FC236}">
+                <a16:creationId xmlns:a16="http://schemas.microsoft.com/office/drawing/2014/main" id="{B5409307-CD79-6048-800A-276E3121C772}"/>
+              </a:ext>
+            </a:extLst>
+          </p:cNvPr>
+          <p:cNvSpPr txBox="1"/>
+          <p:nvPr/>
+        </p:nvSpPr>
+        <p:spPr>
+          <a:xfrm>
+            <a:off x="1015937" y="4667639"/>
+            <a:ext cx="2427316" cy="738664"/>
+          </a:xfrm>
+          <a:prstGeom prst="rect">
+            <a:avLst/>
+          </a:prstGeom>
+          <a:noFill/>
+        </p:spPr>
+        <p:txBody>
+          <a:bodyPr wrap="square" rtlCol="0">
+            <a:spAutoFit/>
+          </a:bodyPr>
+          <a:lstStyle/>
+          <a:p>
+            <a:pPr algn="ctr"/>
+            <a:r>
+              <a:rPr lang="en-US" dirty="0"/>
+              <a:t>Expensive, No Growth</a:t>
+            </a:r>
+          </a:p>
+          <a:p>
+            <a:pPr algn="ctr"/>
+            <a:r>
+              <a:rPr lang="en-US" sz="2400" dirty="0">
+                <a:solidFill>
+                  <a:srgbClr val="FF0000"/>
+                </a:solidFill>
+              </a:rPr>
+              <a:t>SELL</a:t>
+            </a:r>
+          </a:p>
+        </p:txBody>
+      </p:sp>
+      <p:sp>
+        <p:nvSpPr>
+          <p:cNvPr id="24" name="TextBox 23">
+            <a:extLst>
+              <a:ext uri="{FF2B5EF4-FFF2-40B4-BE49-F238E27FC236}">
+                <a16:creationId xmlns:a16="http://schemas.microsoft.com/office/drawing/2014/main" id="{24D694DF-0D23-7245-B02E-9D381209E1BD}"/>
+              </a:ext>
+            </a:extLst>
+          </p:cNvPr>
+          <p:cNvSpPr txBox="1"/>
+          <p:nvPr/>
+        </p:nvSpPr>
+        <p:spPr>
+          <a:xfrm>
+            <a:off x="1025646" y="2079543"/>
+            <a:ext cx="2427316" cy="738664"/>
+          </a:xfrm>
+          <a:prstGeom prst="rect">
+            <a:avLst/>
+          </a:prstGeom>
+          <a:noFill/>
+        </p:spPr>
+        <p:txBody>
+          <a:bodyPr wrap="square" rtlCol="0">
+            <a:spAutoFit/>
+          </a:bodyPr>
+          <a:lstStyle/>
+          <a:p>
+            <a:pPr algn="ctr"/>
+            <a:r>
+              <a:rPr lang="en-US" dirty="0"/>
+              <a:t>Value, No Growth</a:t>
+            </a:r>
+          </a:p>
+          <a:p>
+            <a:pPr algn="ctr"/>
+            <a:r>
+              <a:rPr lang="en-US" sz="2400" dirty="0">
+                <a:solidFill>
+                  <a:srgbClr val="FF0000"/>
+                </a:solidFill>
+              </a:rPr>
+              <a:t>HOLD</a:t>
             </a:r>
           </a:p>
         </p:txBody>
       </p:sp>
       <p:grpSp>
         <p:nvGrpSpPr>
-          <p:cNvPr id="11" name="Group 10">
+          <p:cNvPr id="25" name="Group 24">
             <a:extLst>
               <a:ext uri="{FF2B5EF4-FFF2-40B4-BE49-F238E27FC236}">
-                <a16:creationId xmlns:a16="http://schemas.microsoft.com/office/drawing/2014/main" id="{CE9B3277-BDF7-7D40-9413-0E636F5072E8}"/>
+                <a16:creationId xmlns:a16="http://schemas.microsoft.com/office/drawing/2014/main" id="{A90A2B55-1CC3-D44E-8295-FA099693681D}"/>
               </a:ext>
             </a:extLst>
           </p:cNvPr>
@@ -5090,18 +5637,62 @@
         </p:nvGrpSpPr>
         <p:grpSpPr>
           <a:xfrm>
-            <a:off x="320145" y="747663"/>
-            <a:ext cx="7187405" cy="4142232"/>
-            <a:chOff x="455612" y="1011767"/>
-            <a:chExt cx="7187405" cy="4145602"/>
+            <a:off x="2114604" y="5887197"/>
+            <a:ext cx="3142211" cy="798022"/>
+            <a:chOff x="2560318" y="5866777"/>
+            <a:chExt cx="3142211" cy="798022"/>
           </a:xfrm>
         </p:grpSpPr>
         <p:sp>
           <p:nvSpPr>
-            <p:cNvPr id="2" name="TextBox 1">
+            <p:cNvPr id="9" name="Right Arrow 8">
               <a:extLst>
                 <a:ext uri="{FF2B5EF4-FFF2-40B4-BE49-F238E27FC236}">
-                  <a16:creationId xmlns:a16="http://schemas.microsoft.com/office/drawing/2014/main" id="{A6B89A5A-26B7-9A46-86B4-678A14520496}"/>
+                  <a16:creationId xmlns:a16="http://schemas.microsoft.com/office/drawing/2014/main" id="{15A3A164-DCCA-734C-80B3-B3DD368E2DCB}"/>
+                </a:ext>
+              </a:extLst>
+            </p:cNvPr>
+            <p:cNvSpPr/>
+            <p:nvPr/>
+          </p:nvSpPr>
+          <p:spPr>
+            <a:xfrm>
+              <a:off x="2560318" y="5866777"/>
+              <a:ext cx="3142211" cy="798022"/>
+            </a:xfrm>
+            <a:prstGeom prst="rightArrow">
+              <a:avLst/>
+            </a:prstGeom>
+          </p:spPr>
+          <p:style>
+            <a:lnRef idx="3">
+              <a:schemeClr val="lt1"/>
+            </a:lnRef>
+            <a:fillRef idx="1">
+              <a:schemeClr val="accent5"/>
+            </a:fillRef>
+            <a:effectRef idx="1">
+              <a:schemeClr val="accent5"/>
+            </a:effectRef>
+            <a:fontRef idx="minor">
+              <a:schemeClr val="lt1"/>
+            </a:fontRef>
+          </p:style>
+          <p:txBody>
+            <a:bodyPr rtlCol="0" anchor="ctr"/>
+            <a:lstStyle/>
+            <a:p>
+              <a:pPr algn="ctr"/>
+              <a:endParaRPr lang="en-US"/>
+            </a:p>
+          </p:txBody>
+        </p:sp>
+        <p:sp>
+          <p:nvSpPr>
+            <p:cNvPr id="8" name="TextBox 7">
+              <a:extLst>
+                <a:ext uri="{FF2B5EF4-FFF2-40B4-BE49-F238E27FC236}">
+                  <a16:creationId xmlns:a16="http://schemas.microsoft.com/office/drawing/2014/main" id="{C5AD1871-95D3-4745-A848-AFBBCFB113CB}"/>
                 </a:ext>
               </a:extLst>
             </p:cNvPr>
@@ -5110,8 +5701,8 @@
           </p:nvSpPr>
           <p:spPr>
             <a:xfrm>
-              <a:off x="455612" y="1011767"/>
-              <a:ext cx="7187405" cy="3939540"/>
+              <a:off x="2917765" y="6081122"/>
+              <a:ext cx="2427316" cy="369332"/>
             </a:xfrm>
             <a:prstGeom prst="rect">
               <a:avLst/>
@@ -5126,32 +5717,39 @@
             <a:p>
               <a:pPr algn="ctr"/>
               <a:r>
-                <a:rPr lang="en-US" sz="25000" dirty="0">
-                  <a:latin typeface="Times New Roman" panose="02020603050405020304" pitchFamily="18" charset="0"/>
-                  <a:cs typeface="Times New Roman" panose="02020603050405020304" pitchFamily="18" charset="0"/>
-                  <a:hlinkClick r:id="rId3">
-                    <a:extLst>
-                      <a:ext uri="{A12FA001-AC4F-418D-AE19-62706E023703}">
-                        <ahyp:hlinkClr xmlns:ahyp="http://schemas.microsoft.com/office/drawing/2018/hyperlinkcolor" val="tx"/>
-                      </a:ext>
-                    </a:extLst>
-                  </a:hlinkClick>
-                </a:rPr>
-                <a:t>FMP</a:t>
+                <a:rPr lang="en-US" dirty="0"/>
+                <a:t>GROWTH POTENTIAL</a:t>
               </a:r>
-              <a:endParaRPr lang="en-US" sz="25000" dirty="0">
-                <a:latin typeface="Times New Roman" panose="02020603050405020304" pitchFamily="18" charset="0"/>
-                <a:cs typeface="Times New Roman" panose="02020603050405020304" pitchFamily="18" charset="0"/>
-              </a:endParaRPr>
             </a:p>
           </p:txBody>
         </p:sp>
+      </p:grpSp>
+      <p:grpSp>
+        <p:nvGrpSpPr>
+          <p:cNvPr id="26" name="Group 25">
+            <a:extLst>
+              <a:ext uri="{FF2B5EF4-FFF2-40B4-BE49-F238E27FC236}">
+                <a16:creationId xmlns:a16="http://schemas.microsoft.com/office/drawing/2014/main" id="{9DBD61C0-CFCD-964A-865D-6672E859D3D9}"/>
+              </a:ext>
+            </a:extLst>
+          </p:cNvPr>
+          <p:cNvGrpSpPr/>
+          <p:nvPr/>
+        </p:nvGrpSpPr>
+        <p:grpSpPr>
+          <a:xfrm>
+            <a:off x="432262" y="2216628"/>
+            <a:ext cx="798022" cy="3142211"/>
+            <a:chOff x="901139" y="1978823"/>
+            <a:chExt cx="798022" cy="3142211"/>
+          </a:xfrm>
+        </p:grpSpPr>
         <p:sp>
           <p:nvSpPr>
-            <p:cNvPr id="3" name="Rectangle 2">
+            <p:cNvPr id="10" name="Right Arrow 9">
               <a:extLst>
                 <a:ext uri="{FF2B5EF4-FFF2-40B4-BE49-F238E27FC236}">
-                  <a16:creationId xmlns:a16="http://schemas.microsoft.com/office/drawing/2014/main" id="{BB8B4951-68C3-314E-A7F4-0A83069498BD}"/>
+                  <a16:creationId xmlns:a16="http://schemas.microsoft.com/office/drawing/2014/main" id="{45A35161-430E-2C44-B96F-8E652A3064FA}"/>
                 </a:ext>
               </a:extLst>
             </p:cNvPr>
@@ -5159,76 +5757,78 @@
             <p:nvPr/>
           </p:nvSpPr>
           <p:spPr>
-            <a:xfrm>
-              <a:off x="1198576" y="4603371"/>
-              <a:ext cx="5490606" cy="553998"/>
+            <a:xfrm rot="16200000">
+              <a:off x="-270956" y="3150918"/>
+              <a:ext cx="3142211" cy="798022"/>
+            </a:xfrm>
+            <a:prstGeom prst="rightArrow">
+              <a:avLst/>
+            </a:prstGeom>
+          </p:spPr>
+          <p:style>
+            <a:lnRef idx="3">
+              <a:schemeClr val="lt1"/>
+            </a:lnRef>
+            <a:fillRef idx="1">
+              <a:schemeClr val="accent5"/>
+            </a:fillRef>
+            <a:effectRef idx="1">
+              <a:schemeClr val="accent5"/>
+            </a:effectRef>
+            <a:fontRef idx="minor">
+              <a:schemeClr val="lt1"/>
+            </a:fontRef>
+          </p:style>
+          <p:txBody>
+            <a:bodyPr rtlCol="0" anchor="ctr"/>
+            <a:lstStyle/>
+            <a:p>
+              <a:pPr algn="ctr"/>
+              <a:endParaRPr lang="en-US"/>
+            </a:p>
+          </p:txBody>
+        </p:sp>
+        <p:sp>
+          <p:nvSpPr>
+            <p:cNvPr id="11" name="TextBox 10">
+              <a:extLst>
+                <a:ext uri="{FF2B5EF4-FFF2-40B4-BE49-F238E27FC236}">
+                  <a16:creationId xmlns:a16="http://schemas.microsoft.com/office/drawing/2014/main" id="{EB818E60-402E-5749-90AD-94AD57A0F3E5}"/>
+                </a:ext>
+              </a:extLst>
+            </p:cNvPr>
+            <p:cNvSpPr txBox="1"/>
+            <p:nvPr/>
+          </p:nvSpPr>
+          <p:spPr>
+            <a:xfrm rot="16200000">
+              <a:off x="86490" y="3444627"/>
+              <a:ext cx="2427316" cy="369332"/>
             </a:xfrm>
             <a:prstGeom prst="rect">
               <a:avLst/>
             </a:prstGeom>
+            <a:noFill/>
           </p:spPr>
           <p:txBody>
-            <a:bodyPr wrap="none">
+            <a:bodyPr wrap="square" rtlCol="0">
               <a:spAutoFit/>
             </a:bodyPr>
             <a:lstStyle/>
             <a:p>
               <a:pPr algn="ctr"/>
               <a:r>
-                <a:rPr lang="en-US" sz="3000" dirty="0">
-                  <a:latin typeface="Ayuthaya" pitchFamily="2" charset="-34"/>
-                  <a:ea typeface="Ayuthaya" pitchFamily="2" charset="-34"/>
-                  <a:cs typeface="Ayuthaya" pitchFamily="2" charset="-34"/>
-                </a:rPr>
-                <a:t>Financial Modeling Prep</a:t>
+                <a:rPr lang="en-US" dirty="0"/>
+                <a:t>VALUE</a:t>
               </a:r>
             </a:p>
           </p:txBody>
         </p:sp>
-        <p:cxnSp>
-          <p:nvCxnSpPr>
-            <p:cNvPr id="5" name="Straight Connector 4">
-              <a:extLst>
-                <a:ext uri="{FF2B5EF4-FFF2-40B4-BE49-F238E27FC236}">
-                  <a16:creationId xmlns:a16="http://schemas.microsoft.com/office/drawing/2014/main" id="{85DACA66-7B78-4D49-A083-5AD870E15426}"/>
-                </a:ext>
-              </a:extLst>
-            </p:cNvPr>
-            <p:cNvCxnSpPr>
-              <a:cxnSpLocks/>
-            </p:cNvCxnSpPr>
-            <p:nvPr/>
-          </p:nvCxnSpPr>
-          <p:spPr>
-            <a:xfrm>
-              <a:off x="914400" y="4539182"/>
-              <a:ext cx="6265334" cy="0"/>
-            </a:xfrm>
-            <a:prstGeom prst="line">
-              <a:avLst/>
-            </a:prstGeom>
-            <a:ln w="38100"/>
-          </p:spPr>
-          <p:style>
-            <a:lnRef idx="1">
-              <a:schemeClr val="accent1"/>
-            </a:lnRef>
-            <a:fillRef idx="0">
-              <a:schemeClr val="accent1"/>
-            </a:fillRef>
-            <a:effectRef idx="0">
-              <a:schemeClr val="accent1"/>
-            </a:effectRef>
-            <a:fontRef idx="minor">
-              <a:schemeClr val="tx1"/>
-            </a:fontRef>
-          </p:style>
-        </p:cxnSp>
       </p:grpSp>
     </p:spTree>
     <p:extLst>
       <p:ext uri="{BB962C8B-B14F-4D97-AF65-F5344CB8AC3E}">
-        <p14:creationId xmlns:p14="http://schemas.microsoft.com/office/powerpoint/2010/main" val="2832123586"/>
+        <p14:creationId xmlns:p14="http://schemas.microsoft.com/office/powerpoint/2010/main" val="1059072814"/>
       </p:ext>
     </p:extLst>
   </p:cSld>
@@ -5285,20 +5885,13 @@
         </p:spPr>
         <p:txBody>
           <a:bodyPr>
-            <a:normAutofit fontScale="90000"/>
+            <a:normAutofit/>
           </a:bodyPr>
           <a:lstStyle/>
           <a:p>
             <a:r>
-              <a:rPr lang="en-US" sz="4000" dirty="0"/>
-              <a:t>Analysis: Finding Market Inefficiencies</a:t>
-            </a:r>
-            <a:br>
               <a:rPr lang="en-US" dirty="0"/>
-            </a:br>
-            <a:r>
-              <a:rPr lang="en-US" sz="1300" dirty="0"/>
-              <a:t>using key performance metrics</a:t>
+              <a:t>Data Overview</a:t>
             </a:r>
           </a:p>
         </p:txBody>
@@ -5319,8 +5912,8 @@
         </p:nvSpPr>
         <p:spPr>
           <a:xfrm>
-            <a:off x="7804678" y="1255665"/>
-            <a:ext cx="4285721" cy="1106477"/>
+            <a:off x="7424474" y="1505826"/>
+            <a:ext cx="4350278" cy="3384069"/>
           </a:xfrm>
           <a:prstGeom prst="rect">
             <a:avLst/>
@@ -5517,266 +6110,55 @@
           <a:p>
             <a:r>
               <a:rPr lang="en-US" sz="2000" dirty="0"/>
-              <a:t>Focused on Micro-cap stocks</a:t>
+              <a:t>Sourced data from FMP’s API</a:t>
             </a:r>
           </a:p>
           <a:p>
             <a:r>
               <a:rPr lang="en-US" sz="2000" dirty="0"/>
-              <a:t>Ranked  based on 5 “Value” performance metrics in 2020:</a:t>
-            </a:r>
-          </a:p>
-          <a:p>
-            <a:pPr marL="0" indent="0">
-              <a:buNone/>
-            </a:pPr>
-            <a:endParaRPr lang="en-US" sz="2000" dirty="0"/>
-          </a:p>
-        </p:txBody>
-      </p:sp>
-      <p:graphicFrame>
-        <p:nvGraphicFramePr>
-          <p:cNvPr id="33" name="Table 33">
+              <a:t>114 Micro-cap stocks with no null or negative values</a:t>
+            </a:r>
+          </a:p>
+          <a:p>
+            <a:r>
+              <a:rPr lang="en-US" sz="2000" dirty="0"/>
+              <a:t>Pulled general stock info (stock ticker, company name, industry, country etc.)</a:t>
+            </a:r>
+          </a:p>
+          <a:p>
+            <a:r>
+              <a:rPr lang="en-US" sz="2000" dirty="0"/>
+              <a:t>Pulled 5 key value performance metrics for 2020</a:t>
+            </a:r>
+          </a:p>
+          <a:p>
+            <a:r>
+              <a:rPr lang="en-US" sz="2000" dirty="0"/>
+              <a:t>Pulled all historical data for revenue per share</a:t>
+            </a:r>
+          </a:p>
+          <a:p>
+            <a:r>
+              <a:rPr lang="en-US" sz="2000" dirty="0"/>
+              <a:t>Removed highly volatile sectors (Financial, </a:t>
+            </a:r>
+            <a:r>
+              <a:rPr lang="en-US" sz="2000" dirty="0" err="1"/>
+              <a:t>BioTech</a:t>
+            </a:r>
+            <a:r>
+              <a:rPr lang="en-US" sz="2000" dirty="0"/>
+              <a:t>, Project Management/Construction)</a:t>
+            </a:r>
+          </a:p>
+        </p:txBody>
+      </p:sp>
+      <p:grpSp>
+        <p:nvGrpSpPr>
+          <p:cNvPr id="11" name="Group 10">
             <a:extLst>
               <a:ext uri="{FF2B5EF4-FFF2-40B4-BE49-F238E27FC236}">
-                <a16:creationId xmlns:a16="http://schemas.microsoft.com/office/drawing/2014/main" id="{EAFADFD7-922F-C242-9BBA-3DA8DC9AC02A}"/>
-              </a:ext>
-            </a:extLst>
-          </p:cNvPr>
-          <p:cNvGraphicFramePr>
-            <a:graphicFrameLocks noGrp="1"/>
-          </p:cNvGraphicFramePr>
-          <p:nvPr>
-            <p:extLst>
-              <p:ext uri="{D42A27DB-BD31-4B8C-83A1-F6EECF244321}">
-                <p14:modId xmlns:p14="http://schemas.microsoft.com/office/powerpoint/2010/main" val="2239259725"/>
-              </p:ext>
-            </p:extLst>
-          </p:nvPr>
-        </p:nvGraphicFramePr>
-        <p:xfrm>
-          <a:off x="8392318" y="2606040"/>
-          <a:ext cx="2727854" cy="1645920"/>
-        </p:xfrm>
-        <a:graphic>
-          <a:graphicData uri="http://schemas.openxmlformats.org/drawingml/2006/table">
-            <a:tbl>
-              <a:tblPr firstRow="1" bandRow="1">
-                <a:tableStyleId>{5C22544A-7EE6-4342-B048-85BDC9FD1C3A}</a:tableStyleId>
-              </a:tblPr>
-              <a:tblGrid>
-                <a:gridCol w="2727854">
-                  <a:extLst>
-                    <a:ext uri="{9D8B030D-6E8A-4147-A177-3AD203B41FA5}">
-                      <a16:colId xmlns:a16="http://schemas.microsoft.com/office/drawing/2014/main" val="1297272927"/>
-                    </a:ext>
-                  </a:extLst>
-                </a:gridCol>
-              </a:tblGrid>
-              <a:tr h="140357">
-                <a:tc>
-                  <a:txBody>
-                    <a:bodyPr/>
-                    <a:lstStyle/>
-                    <a:p>
-                      <a:pPr algn="ctr"/>
-                      <a:r>
-                        <a:rPr lang="en-US" sz="1200" dirty="0"/>
-                        <a:t>Value Performance Metrics</a:t>
-                      </a:r>
-                    </a:p>
-                  </a:txBody>
-                  <a:tcPr/>
-                </a:tc>
-                <a:extLst>
-                  <a:ext uri="{0D108BD9-81ED-4DB2-BD59-A6C34878D82A}">
-                    <a16:rowId xmlns:a16="http://schemas.microsoft.com/office/drawing/2014/main" val="440424304"/>
-                  </a:ext>
-                </a:extLst>
-              </a:tr>
-              <a:tr h="140357">
-                <a:tc>
-                  <a:txBody>
-                    <a:bodyPr/>
-                    <a:lstStyle/>
-                    <a:p>
-                      <a:pPr algn="l"/>
-                      <a:r>
-                        <a:rPr lang="en-US" sz="1200" dirty="0"/>
-                        <a:t>Price to Expense Ratio</a:t>
-                      </a:r>
-                    </a:p>
-                  </a:txBody>
-                  <a:tcPr anchor="ctr"/>
-                </a:tc>
-                <a:extLst>
-                  <a:ext uri="{0D108BD9-81ED-4DB2-BD59-A6C34878D82A}">
-                    <a16:rowId xmlns:a16="http://schemas.microsoft.com/office/drawing/2014/main" val="2197017971"/>
-                  </a:ext>
-                </a:extLst>
-              </a:tr>
-              <a:tr h="140357">
-                <a:tc>
-                  <a:txBody>
-                    <a:bodyPr/>
-                    <a:lstStyle/>
-                    <a:p>
-                      <a:pPr algn="l"/>
-                      <a:r>
-                        <a:rPr lang="en-US" sz="1200" dirty="0"/>
-                        <a:t>Enterprise Value to Operating Cashflow</a:t>
-                      </a:r>
-                    </a:p>
-                  </a:txBody>
-                  <a:tcPr anchor="ctr"/>
-                </a:tc>
-                <a:extLst>
-                  <a:ext uri="{0D108BD9-81ED-4DB2-BD59-A6C34878D82A}">
-                    <a16:rowId xmlns:a16="http://schemas.microsoft.com/office/drawing/2014/main" val="2758622346"/>
-                  </a:ext>
-                </a:extLst>
-              </a:tr>
-              <a:tr h="140357">
-                <a:tc>
-                  <a:txBody>
-                    <a:bodyPr/>
-                    <a:lstStyle/>
-                    <a:p>
-                      <a:pPr algn="l"/>
-                      <a:r>
-                        <a:rPr lang="en-US" sz="1200" dirty="0"/>
-                        <a:t>Enterprise Value Over EBITDA</a:t>
-                      </a:r>
-                    </a:p>
-                  </a:txBody>
-                  <a:tcPr anchor="ctr"/>
-                </a:tc>
-                <a:extLst>
-                  <a:ext uri="{0D108BD9-81ED-4DB2-BD59-A6C34878D82A}">
-                    <a16:rowId xmlns:a16="http://schemas.microsoft.com/office/drawing/2014/main" val="1353114180"/>
-                  </a:ext>
-                </a:extLst>
-              </a:tr>
-              <a:tr h="140357">
-                <a:tc>
-                  <a:txBody>
-                    <a:bodyPr/>
-                    <a:lstStyle/>
-                    <a:p>
-                      <a:pPr algn="l"/>
-                      <a:r>
-                        <a:rPr lang="en-US" sz="1200" dirty="0"/>
-                        <a:t>Enterprise Value to Free Cashflow</a:t>
-                      </a:r>
-                    </a:p>
-                  </a:txBody>
-                  <a:tcPr anchor="ctr"/>
-                </a:tc>
-                <a:extLst>
-                  <a:ext uri="{0D108BD9-81ED-4DB2-BD59-A6C34878D82A}">
-                    <a16:rowId xmlns:a16="http://schemas.microsoft.com/office/drawing/2014/main" val="1215735642"/>
-                  </a:ext>
-                </a:extLst>
-              </a:tr>
-              <a:tr h="140357">
-                <a:tc>
-                  <a:txBody>
-                    <a:bodyPr/>
-                    <a:lstStyle/>
-                    <a:p>
-                      <a:pPr algn="l"/>
-                      <a:r>
-                        <a:rPr lang="en-US" sz="1200" dirty="0"/>
-                        <a:t>Price to Sales Ratio</a:t>
-                      </a:r>
-                    </a:p>
-                  </a:txBody>
-                  <a:tcPr anchor="ctr"/>
-                </a:tc>
-                <a:extLst>
-                  <a:ext uri="{0D108BD9-81ED-4DB2-BD59-A6C34878D82A}">
-                    <a16:rowId xmlns:a16="http://schemas.microsoft.com/office/drawing/2014/main" val="3621523595"/>
-                  </a:ext>
-                </a:extLst>
-              </a:tr>
-            </a:tbl>
-          </a:graphicData>
-        </a:graphic>
-      </p:graphicFrame>
-      <p:sp>
-        <p:nvSpPr>
-          <p:cNvPr id="37" name="Rectangle 36">
-            <a:extLst>
-              <a:ext uri="{FF2B5EF4-FFF2-40B4-BE49-F238E27FC236}">
-                <a16:creationId xmlns:a16="http://schemas.microsoft.com/office/drawing/2014/main" id="{435998DD-FF53-E642-A43A-ECE953CD7CDC}"/>
-              </a:ext>
-            </a:extLst>
-          </p:cNvPr>
-          <p:cNvSpPr/>
-          <p:nvPr/>
-        </p:nvSpPr>
-        <p:spPr>
-          <a:xfrm>
-            <a:off x="7804679" y="4495857"/>
-            <a:ext cx="4285721" cy="1927831"/>
-          </a:xfrm>
-          <a:prstGeom prst="rect">
-            <a:avLst/>
-          </a:prstGeom>
-        </p:spPr>
-        <p:txBody>
-          <a:bodyPr vert="horz" lIns="91440" tIns="45720" rIns="91440" bIns="45720" rtlCol="0">
-            <a:noAutofit/>
-          </a:bodyPr>
-          <a:lstStyle/>
-          <a:p>
-            <a:pPr marL="223838" indent="-223838">
-              <a:lnSpc>
-                <a:spcPct val="90000"/>
-              </a:lnSpc>
-              <a:spcBef>
-                <a:spcPts val="1800"/>
-              </a:spcBef>
-              <a:buClr>
-                <a:schemeClr val="accent1"/>
-              </a:buClr>
-              <a:buSzPct val="100000"/>
-              <a:buFont typeface="Arial" pitchFamily="34" charset="0"/>
-              <a:buChar char="•"/>
-            </a:pPr>
-            <a:r>
-              <a:rPr lang="en-US" sz="2000" dirty="0"/>
-              <a:t>Forecasted Top 10 “Value” stocks on revenue per share, 1 year into the future</a:t>
-            </a:r>
-          </a:p>
-          <a:p>
-            <a:pPr marL="223838" indent="-223838">
-              <a:lnSpc>
-                <a:spcPct val="90000"/>
-              </a:lnSpc>
-              <a:spcBef>
-                <a:spcPts val="1800"/>
-              </a:spcBef>
-              <a:buClr>
-                <a:schemeClr val="accent1"/>
-              </a:buClr>
-              <a:buSzPct val="100000"/>
-              <a:buFont typeface="Arial" pitchFamily="34" charset="0"/>
-              <a:buChar char="•"/>
-            </a:pPr>
-            <a:r>
-              <a:rPr lang="en-US" sz="2000" dirty="0"/>
-              <a:t>Ranked growth potential based on predicted 1 year percent growth of revenue per share</a:t>
-            </a:r>
-          </a:p>
-        </p:txBody>
-      </p:sp>
-      <p:grpSp>
-        <p:nvGrpSpPr>
-          <p:cNvPr id="47" name="Group 46">
-            <a:extLst>
-              <a:ext uri="{FF2B5EF4-FFF2-40B4-BE49-F238E27FC236}">
-                <a16:creationId xmlns:a16="http://schemas.microsoft.com/office/drawing/2014/main" id="{1B8F9951-A8FF-2743-9872-E83433120563}"/>
+                <a16:creationId xmlns:a16="http://schemas.microsoft.com/office/drawing/2014/main" id="{CE9B3277-BDF7-7D40-9413-0E636F5072E8}"/>
               </a:ext>
             </a:extLst>
           </p:cNvPr>
@@ -5785,54 +6167,18 @@
         </p:nvGrpSpPr>
         <p:grpSpPr>
           <a:xfrm>
-            <a:off x="537083" y="1179465"/>
-            <a:ext cx="7010137" cy="5244224"/>
-            <a:chOff x="537083" y="1179465"/>
-            <a:chExt cx="7010137" cy="5244224"/>
+            <a:off x="320145" y="747663"/>
+            <a:ext cx="7187405" cy="4142232"/>
+            <a:chOff x="455612" y="1011767"/>
+            <a:chExt cx="7187405" cy="4145602"/>
           </a:xfrm>
         </p:grpSpPr>
-        <p:pic>
-          <p:nvPicPr>
-            <p:cNvPr id="46" name="Picture 45" descr="Chart, line chart&#10;&#10;Description automatically generated">
+        <p:sp>
+          <p:nvSpPr>
+            <p:cNvPr id="2" name="TextBox 1">
               <a:extLst>
                 <a:ext uri="{FF2B5EF4-FFF2-40B4-BE49-F238E27FC236}">
-                  <a16:creationId xmlns:a16="http://schemas.microsoft.com/office/drawing/2014/main" id="{2837A881-F888-E64F-9D50-D872E62E55CE}"/>
-                </a:ext>
-              </a:extLst>
-            </p:cNvPr>
-            <p:cNvPicPr>
-              <a:picLocks noChangeAspect="1"/>
-            </p:cNvPicPr>
-            <p:nvPr/>
-          </p:nvPicPr>
-          <p:blipFill>
-            <a:blip r:embed="rId3">
-              <a:extLst>
-                <a:ext uri="{28A0092B-C50C-407E-A947-70E740481C1C}">
-                  <a14:useLocalDpi xmlns:a14="http://schemas.microsoft.com/office/drawing/2010/main" val="0"/>
-                </a:ext>
-              </a:extLst>
-            </a:blip>
-            <a:stretch>
-              <a:fillRect/>
-            </a:stretch>
-          </p:blipFill>
-          <p:spPr>
-            <a:xfrm>
-              <a:off x="537083" y="1179465"/>
-              <a:ext cx="7010137" cy="5244224"/>
-            </a:xfrm>
-            <a:prstGeom prst="rect">
-              <a:avLst/>
-            </a:prstGeom>
-          </p:spPr>
-        </p:pic>
-        <p:sp>
-          <p:nvSpPr>
-            <p:cNvPr id="42" name="TextBox 41">
-              <a:extLst>
-                <a:ext uri="{FF2B5EF4-FFF2-40B4-BE49-F238E27FC236}">
-                  <a16:creationId xmlns:a16="http://schemas.microsoft.com/office/drawing/2014/main" id="{240BBF14-D103-F545-A74B-546865528495}"/>
+                  <a16:creationId xmlns:a16="http://schemas.microsoft.com/office/drawing/2014/main" id="{A6B89A5A-26B7-9A46-86B4-678A14520496}"/>
                 </a:ext>
               </a:extLst>
             </p:cNvPr>
@@ -5841,15 +6187,13 @@
           </p:nvSpPr>
           <p:spPr>
             <a:xfrm>
-              <a:off x="4765675" y="4156414"/>
-              <a:ext cx="1919288" cy="461665"/>
+              <a:off x="455612" y="1011767"/>
+              <a:ext cx="7187405" cy="3939540"/>
             </a:xfrm>
             <a:prstGeom prst="rect">
               <a:avLst/>
             </a:prstGeom>
-            <a:solidFill>
-              <a:schemeClr val="bg1"/>
-            </a:solidFill>
+            <a:noFill/>
           </p:spPr>
           <p:txBody>
             <a:bodyPr wrap="square" rtlCol="0">
@@ -5857,43 +6201,100 @@
             </a:bodyPr>
             <a:lstStyle/>
             <a:p>
+              <a:pPr algn="ctr"/>
               <a:r>
-                <a:rPr lang="en-US" sz="1200" dirty="0"/>
-                <a:t>2.48% Forecasted Increase in Revenue per Share</a:t>
+                <a:rPr lang="en-US" sz="25000" dirty="0">
+                  <a:latin typeface="Times New Roman" panose="02020603050405020304" pitchFamily="18" charset="0"/>
+                  <a:cs typeface="Times New Roman" panose="02020603050405020304" pitchFamily="18" charset="0"/>
+                  <a:hlinkClick r:id="rId3">
+                    <a:extLst>
+                      <a:ext uri="{A12FA001-AC4F-418D-AE19-62706E023703}">
+                        <ahyp:hlinkClr xmlns:ahyp="http://schemas.microsoft.com/office/drawing/2018/hyperlinkcolor" val="tx"/>
+                      </a:ext>
+                    </a:extLst>
+                  </a:hlinkClick>
+                </a:rPr>
+                <a:t>FMP</a:t>
+              </a:r>
+              <a:endParaRPr lang="en-US" sz="25000" dirty="0">
+                <a:latin typeface="Times New Roman" panose="02020603050405020304" pitchFamily="18" charset="0"/>
+                <a:cs typeface="Times New Roman" panose="02020603050405020304" pitchFamily="18" charset="0"/>
+              </a:endParaRPr>
+            </a:p>
+          </p:txBody>
+        </p:sp>
+        <p:sp>
+          <p:nvSpPr>
+            <p:cNvPr id="3" name="Rectangle 2">
+              <a:extLst>
+                <a:ext uri="{FF2B5EF4-FFF2-40B4-BE49-F238E27FC236}">
+                  <a16:creationId xmlns:a16="http://schemas.microsoft.com/office/drawing/2014/main" id="{BB8B4951-68C3-314E-A7F4-0A83069498BD}"/>
+                </a:ext>
+              </a:extLst>
+            </p:cNvPr>
+            <p:cNvSpPr/>
+            <p:nvPr/>
+          </p:nvSpPr>
+          <p:spPr>
+            <a:xfrm>
+              <a:off x="1198576" y="4603371"/>
+              <a:ext cx="5490606" cy="553998"/>
+            </a:xfrm>
+            <a:prstGeom prst="rect">
+              <a:avLst/>
+            </a:prstGeom>
+          </p:spPr>
+          <p:txBody>
+            <a:bodyPr wrap="none">
+              <a:spAutoFit/>
+            </a:bodyPr>
+            <a:lstStyle/>
+            <a:p>
+              <a:pPr algn="ctr"/>
+              <a:r>
+                <a:rPr lang="en-US" sz="3000" dirty="0">
+                  <a:latin typeface="Ayuthaya" pitchFamily="2" charset="-34"/>
+                  <a:ea typeface="Ayuthaya" pitchFamily="2" charset="-34"/>
+                  <a:cs typeface="Ayuthaya" pitchFamily="2" charset="-34"/>
+                </a:rPr>
+                <a:t>Financial Modeling Prep</a:t>
               </a:r>
             </a:p>
           </p:txBody>
         </p:sp>
         <p:cxnSp>
           <p:nvCxnSpPr>
-            <p:cNvPr id="44" name="Straight Connector 43">
+            <p:cNvPr id="5" name="Straight Connector 4">
               <a:extLst>
                 <a:ext uri="{FF2B5EF4-FFF2-40B4-BE49-F238E27FC236}">
-                  <a16:creationId xmlns:a16="http://schemas.microsoft.com/office/drawing/2014/main" id="{FE9F53C1-D912-6B47-A6D4-CD42786476F7}"/>
+                  <a16:creationId xmlns:a16="http://schemas.microsoft.com/office/drawing/2014/main" id="{85DACA66-7B78-4D49-A083-5AD870E15426}"/>
                 </a:ext>
               </a:extLst>
             </p:cNvPr>
-            <p:cNvCxnSpPr/>
+            <p:cNvCxnSpPr>
+              <a:cxnSpLocks/>
+            </p:cNvCxnSpPr>
             <p:nvPr/>
           </p:nvCxnSpPr>
           <p:spPr>
-            <a:xfrm flipH="1">
-              <a:off x="6684963" y="3513667"/>
-              <a:ext cx="689504" cy="642747"/>
+            <a:xfrm>
+              <a:off x="914400" y="4539182"/>
+              <a:ext cx="6265334" cy="0"/>
             </a:xfrm>
             <a:prstGeom prst="line">
               <a:avLst/>
             </a:prstGeom>
+            <a:ln w="38100"/>
           </p:spPr>
           <p:style>
             <a:lnRef idx="1">
-              <a:schemeClr val="dk1"/>
+              <a:schemeClr val="accent1"/>
             </a:lnRef>
             <a:fillRef idx="0">
-              <a:schemeClr val="dk1"/>
+              <a:schemeClr val="accent1"/>
             </a:fillRef>
             <a:effectRef idx="0">
-              <a:schemeClr val="dk1"/>
+              <a:schemeClr val="accent1"/>
             </a:effectRef>
             <a:fontRef idx="minor">
               <a:schemeClr val="tx1"/>
@@ -5904,7 +6305,7 @@
     </p:spTree>
     <p:extLst>
       <p:ext uri="{BB962C8B-B14F-4D97-AF65-F5344CB8AC3E}">
-        <p14:creationId xmlns:p14="http://schemas.microsoft.com/office/powerpoint/2010/main" val="2299451778"/>
+        <p14:creationId xmlns:p14="http://schemas.microsoft.com/office/powerpoint/2010/main" val="2832123586"/>
       </p:ext>
     </p:extLst>
   </p:cSld>
@@ -5961,13 +6362,20 @@
         </p:spPr>
         <p:txBody>
           <a:bodyPr>
-            <a:normAutofit/>
+            <a:normAutofit fontScale="90000"/>
           </a:bodyPr>
           <a:lstStyle/>
           <a:p>
             <a:r>
+              <a:rPr lang="en-US" sz="4000" dirty="0"/>
+              <a:t>Analysis: Finding Market Inefficiencies</a:t>
+            </a:r>
+            <a:br>
               <a:rPr lang="en-US" dirty="0"/>
-              <a:t>Analysis Results</a:t>
+            </a:br>
+            <a:r>
+              <a:rPr lang="en-US" sz="1300" dirty="0"/>
+              <a:t>using key performance metrics</a:t>
             </a:r>
           </a:p>
         </p:txBody>
@@ -5988,8 +6396,8 @@
         </p:nvSpPr>
         <p:spPr>
           <a:xfrm>
-            <a:off x="6493140" y="1633361"/>
-            <a:ext cx="4962259" cy="4403372"/>
+            <a:off x="7804678" y="1255665"/>
+            <a:ext cx="4285721" cy="1106477"/>
           </a:xfrm>
           <a:prstGeom prst="rect">
             <a:avLst/>
@@ -6185,30 +6593,18 @@
           </a:lstStyle>
           <a:p>
             <a:r>
-              <a:rPr lang="en-US" dirty="0"/>
-              <a:t>The last 3 stocks in value show the best growth potential in a year</a:t>
-            </a:r>
-          </a:p>
-          <a:p>
-            <a:r>
-              <a:rPr lang="en-US" dirty="0"/>
-              <a:t>The Total Ranking does not offer great granularity since only 10 stocks were modeled. More modeling will allow Total Ranking to provide more insight</a:t>
-            </a:r>
-          </a:p>
-          <a:p>
-            <a:r>
-              <a:rPr lang="en-US" dirty="0"/>
-              <a:t>Mixture of auto-fit models and manual fit models due to high volatility in revenue per share, specifically in 2020</a:t>
+              <a:rPr lang="en-US" sz="2000" dirty="0"/>
+              <a:t>Ranked  stocks based on 5 “Value” performance metrics in 2020:</a:t>
             </a:r>
           </a:p>
         </p:txBody>
       </p:sp>
       <p:graphicFrame>
         <p:nvGraphicFramePr>
-          <p:cNvPr id="4" name="Table 5">
+          <p:cNvPr id="33" name="Table 33">
             <a:extLst>
               <a:ext uri="{FF2B5EF4-FFF2-40B4-BE49-F238E27FC236}">
-                <a16:creationId xmlns:a16="http://schemas.microsoft.com/office/drawing/2014/main" id="{395B4BEF-0C92-6741-A919-9E6E59968601}"/>
+                <a16:creationId xmlns:a16="http://schemas.microsoft.com/office/drawing/2014/main" id="{EAFADFD7-922F-C242-9BBA-3DA8DC9AC02A}"/>
               </a:ext>
             </a:extLst>
           </p:cNvPr>
@@ -6218,14 +6614,14 @@
           <p:nvPr>
             <p:extLst>
               <p:ext uri="{D42A27DB-BD31-4B8C-83A1-F6EECF244321}">
-                <p14:modId xmlns:p14="http://schemas.microsoft.com/office/powerpoint/2010/main" val="1562192211"/>
+                <p14:modId xmlns:p14="http://schemas.microsoft.com/office/powerpoint/2010/main" val="3726022992"/>
               </p:ext>
             </p:extLst>
           </p:nvPr>
         </p:nvGraphicFramePr>
         <p:xfrm>
-          <a:off x="541339" y="1516239"/>
-          <a:ext cx="5740930" cy="4714240"/>
+          <a:off x="8392318" y="2038918"/>
+          <a:ext cx="2727854" cy="1645920"/>
         </p:xfrm>
         <a:graphic>
           <a:graphicData uri="http://schemas.openxmlformats.org/drawingml/2006/table">
@@ -6234,43 +6630,15 @@
                 <a:tableStyleId>{5C22544A-7EE6-4342-B048-85BDC9FD1C3A}</a:tableStyleId>
               </a:tblPr>
               <a:tblGrid>
-                <a:gridCol w="1148186">
+                <a:gridCol w="2727854">
                   <a:extLst>
                     <a:ext uri="{9D8B030D-6E8A-4147-A177-3AD203B41FA5}">
-                      <a16:colId xmlns:a16="http://schemas.microsoft.com/office/drawing/2014/main" val="124562063"/>
-                    </a:ext>
-                  </a:extLst>
-                </a:gridCol>
-                <a:gridCol w="1148186">
-                  <a:extLst>
-                    <a:ext uri="{9D8B030D-6E8A-4147-A177-3AD203B41FA5}">
-                      <a16:colId xmlns:a16="http://schemas.microsoft.com/office/drawing/2014/main" val="2153667916"/>
-                    </a:ext>
-                  </a:extLst>
-                </a:gridCol>
-                <a:gridCol w="1148186">
-                  <a:extLst>
-                    <a:ext uri="{9D8B030D-6E8A-4147-A177-3AD203B41FA5}">
-                      <a16:colId xmlns:a16="http://schemas.microsoft.com/office/drawing/2014/main" val="1134984235"/>
-                    </a:ext>
-                  </a:extLst>
-                </a:gridCol>
-                <a:gridCol w="1148186">
-                  <a:extLst>
-                    <a:ext uri="{9D8B030D-6E8A-4147-A177-3AD203B41FA5}">
-                      <a16:colId xmlns:a16="http://schemas.microsoft.com/office/drawing/2014/main" val="379145882"/>
-                    </a:ext>
-                  </a:extLst>
-                </a:gridCol>
-                <a:gridCol w="1148186">
-                  <a:extLst>
-                    <a:ext uri="{9D8B030D-6E8A-4147-A177-3AD203B41FA5}">
-                      <a16:colId xmlns:a16="http://schemas.microsoft.com/office/drawing/2014/main" val="2946044418"/>
+                      <a16:colId xmlns:a16="http://schemas.microsoft.com/office/drawing/2014/main" val="1297272927"/>
                     </a:ext>
                   </a:extLst>
                 </a:gridCol>
               </a:tblGrid>
-              <a:tr h="370840">
+              <a:tr h="140357">
                 <a:tc>
                   <a:txBody>
                     <a:bodyPr/>
@@ -6278,161 +6646,8 @@
                     <a:p>
                       <a:pPr algn="ctr"/>
                       <a:r>
-                        <a:rPr lang="en-US" sz="2000" dirty="0"/>
-                        <a:t>Symbol ID</a:t>
-                      </a:r>
-                    </a:p>
-                  </a:txBody>
-                  <a:tcPr anchor="b"/>
-                </a:tc>
-                <a:tc>
-                  <a:txBody>
-                    <a:bodyPr/>
-                    <a:lstStyle/>
-                    <a:p>
-                      <a:pPr algn="ctr"/>
-                      <a:r>
-                        <a:rPr lang="en-US" sz="2000" dirty="0"/>
-                        <a:t>2020 Value Ranking</a:t>
-                      </a:r>
-                    </a:p>
-                  </a:txBody>
-                  <a:tcPr anchor="b"/>
-                </a:tc>
-                <a:tc>
-                  <a:txBody>
-                    <a:bodyPr/>
-                    <a:lstStyle/>
-                    <a:p>
-                      <a:pPr algn="ctr"/>
-                      <a:r>
-                        <a:rPr lang="en-US" sz="2000" dirty="0"/>
-                        <a:t>1 Year Growth Rate</a:t>
-                      </a:r>
-                    </a:p>
-                  </a:txBody>
-                  <a:tcPr anchor="b"/>
-                </a:tc>
-                <a:tc>
-                  <a:txBody>
-                    <a:bodyPr/>
-                    <a:lstStyle/>
-                    <a:p>
-                      <a:pPr algn="ctr"/>
-                      <a:r>
-                        <a:rPr lang="en-US" sz="2000" dirty="0"/>
-                        <a:t>Growth Ranking</a:t>
-                      </a:r>
-                    </a:p>
-                  </a:txBody>
-                  <a:tcPr anchor="b"/>
-                </a:tc>
-                <a:tc>
-                  <a:txBody>
-                    <a:bodyPr/>
-                    <a:lstStyle/>
-                    <a:p>
-                      <a:pPr algn="ctr"/>
-                      <a:r>
-                        <a:rPr lang="en-US" sz="2000" dirty="0"/>
-                        <a:t>Total Ranking</a:t>
-                      </a:r>
-                    </a:p>
-                  </a:txBody>
-                  <a:tcPr anchor="b"/>
-                </a:tc>
-                <a:extLst>
-                  <a:ext uri="{0D108BD9-81ED-4DB2-BD59-A6C34878D82A}">
-                    <a16:rowId xmlns:a16="http://schemas.microsoft.com/office/drawing/2014/main" val="3595989707"/>
-                  </a:ext>
-                </a:extLst>
-              </a:tr>
-              <a:tr h="370840">
-                <a:tc>
-                  <a:txBody>
-                    <a:bodyPr/>
-                    <a:lstStyle/>
-                    <a:p>
-                      <a:pPr algn="r"/>
-                      <a:r>
-                        <a:rPr lang="en-US" sz="1800" dirty="0">
-                          <a:solidFill>
-                            <a:srgbClr val="00B050"/>
-                          </a:solidFill>
-                        </a:rPr>
-                        <a:t>19264</a:t>
-                      </a:r>
-                    </a:p>
-                  </a:txBody>
-                  <a:tcPr/>
-                </a:tc>
-                <a:tc>
-                  <a:txBody>
-                    <a:bodyPr/>
-                    <a:lstStyle/>
-                    <a:p>
-                      <a:pPr algn="ctr"/>
-                      <a:r>
-                        <a:rPr lang="en-US" sz="1800" dirty="0">
-                          <a:solidFill>
-                            <a:srgbClr val="00B050"/>
-                          </a:solidFill>
-                        </a:rPr>
-                        <a:t>1</a:t>
-                      </a:r>
-                    </a:p>
-                  </a:txBody>
-                  <a:tcPr/>
-                </a:tc>
-                <a:tc>
-                  <a:txBody>
-                    <a:bodyPr/>
-                    <a:lstStyle/>
-                    <a:p>
-                      <a:pPr algn="ctr"/>
-                      <a:r>
-                        <a:rPr lang="en-US" sz="1800" dirty="0">
-                          <a:solidFill>
-                            <a:srgbClr val="00B050"/>
-                          </a:solidFill>
-                        </a:rPr>
-                        <a:t>4.34%</a:t>
-                      </a:r>
-                    </a:p>
-                  </a:txBody>
-                  <a:tcPr/>
-                </a:tc>
-                <a:tc>
-                  <a:txBody>
-                    <a:bodyPr/>
-                    <a:lstStyle/>
-                    <a:p>
-                      <a:pPr algn="ctr"/>
-                      <a:r>
-                        <a:rPr lang="en-US" sz="1800" dirty="0">
-                          <a:solidFill>
-                            <a:srgbClr val="00B050"/>
-                          </a:solidFill>
-                        </a:rPr>
-                        <a:t>4</a:t>
-                      </a:r>
-                    </a:p>
-                  </a:txBody>
-                  <a:tcPr/>
-                </a:tc>
-                <a:tc>
-                  <a:txBody>
-                    <a:bodyPr/>
-                    <a:lstStyle/>
-                    <a:p>
-                      <a:pPr algn="ctr"/>
-                      <a:r>
-                        <a:rPr lang="en-US" sz="1800" dirty="0">
-                          <a:solidFill>
-                            <a:srgbClr val="00B050"/>
-                          </a:solidFill>
-                        </a:rPr>
-                        <a:t>2</a:t>
+                        <a:rPr lang="en-US" sz="1200" dirty="0"/>
+                        <a:t>Value Performance Metrics</a:t>
                       </a:r>
                     </a:p>
                   </a:txBody>
@@ -6440,800 +6655,112 @@
                 </a:tc>
                 <a:extLst>
                   <a:ext uri="{0D108BD9-81ED-4DB2-BD59-A6C34878D82A}">
-                    <a16:rowId xmlns:a16="http://schemas.microsoft.com/office/drawing/2014/main" val="708200368"/>
+                    <a16:rowId xmlns:a16="http://schemas.microsoft.com/office/drawing/2014/main" val="440424304"/>
                   </a:ext>
                 </a:extLst>
               </a:tr>
-              <a:tr h="370840">
+              <a:tr h="140357">
                 <a:tc>
                   <a:txBody>
                     <a:bodyPr/>
                     <a:lstStyle/>
                     <a:p>
-                      <a:pPr algn="r"/>
+                      <a:pPr algn="l"/>
                       <a:r>
-                        <a:rPr lang="en-US" sz="1800" dirty="0">
-                          <a:solidFill>
-                            <a:srgbClr val="00B050"/>
-                          </a:solidFill>
-                        </a:rPr>
-                        <a:t>10161</a:t>
+                        <a:rPr lang="en-US" sz="1200" dirty="0"/>
+                        <a:t>Price to Expense Ratio</a:t>
                       </a:r>
                     </a:p>
                   </a:txBody>
-                  <a:tcPr/>
+                  <a:tcPr anchor="ctr"/>
                 </a:tc>
+                <a:extLst>
+                  <a:ext uri="{0D108BD9-81ED-4DB2-BD59-A6C34878D82A}">
+                    <a16:rowId xmlns:a16="http://schemas.microsoft.com/office/drawing/2014/main" val="2197017971"/>
+                  </a:ext>
+                </a:extLst>
+              </a:tr>
+              <a:tr h="140357">
                 <a:tc>
                   <a:txBody>
                     <a:bodyPr/>
                     <a:lstStyle/>
                     <a:p>
-                      <a:pPr algn="ctr"/>
+                      <a:pPr algn="l"/>
                       <a:r>
-                        <a:rPr lang="en-US" sz="1800" dirty="0">
-                          <a:solidFill>
-                            <a:srgbClr val="00B050"/>
-                          </a:solidFill>
-                        </a:rPr>
-                        <a:t>2</a:t>
+                        <a:rPr lang="en-US" sz="1200" dirty="0"/>
+                        <a:t>Enterprise Value to Operating Cashflow</a:t>
                       </a:r>
                     </a:p>
                   </a:txBody>
-                  <a:tcPr/>
+                  <a:tcPr anchor="ctr"/>
                 </a:tc>
+                <a:extLst>
+                  <a:ext uri="{0D108BD9-81ED-4DB2-BD59-A6C34878D82A}">
+                    <a16:rowId xmlns:a16="http://schemas.microsoft.com/office/drawing/2014/main" val="2758622346"/>
+                  </a:ext>
+                </a:extLst>
+              </a:tr>
+              <a:tr h="140357">
                 <a:tc>
                   <a:txBody>
                     <a:bodyPr/>
                     <a:lstStyle/>
                     <a:p>
-                      <a:pPr algn="ctr"/>
+                      <a:pPr algn="l"/>
                       <a:r>
-                        <a:rPr lang="en-US" sz="1800" dirty="0">
-                          <a:solidFill>
-                            <a:srgbClr val="00B050"/>
-                          </a:solidFill>
-                        </a:rPr>
-                        <a:t>8.37%</a:t>
+                        <a:rPr lang="en-US" sz="1200" dirty="0"/>
+                        <a:t>Enterprise Value Over EBITDA</a:t>
                       </a:r>
                     </a:p>
                   </a:txBody>
-                  <a:tcPr/>
+                  <a:tcPr anchor="ctr"/>
                 </a:tc>
+                <a:extLst>
+                  <a:ext uri="{0D108BD9-81ED-4DB2-BD59-A6C34878D82A}">
+                    <a16:rowId xmlns:a16="http://schemas.microsoft.com/office/drawing/2014/main" val="1353114180"/>
+                  </a:ext>
+                </a:extLst>
+              </a:tr>
+              <a:tr h="140357">
                 <a:tc>
                   <a:txBody>
                     <a:bodyPr/>
                     <a:lstStyle/>
                     <a:p>
-                      <a:pPr algn="ctr"/>
+                      <a:pPr algn="l"/>
                       <a:r>
-                        <a:rPr lang="en-US" sz="1800" dirty="0">
-                          <a:solidFill>
-                            <a:srgbClr val="00B050"/>
-                          </a:solidFill>
-                        </a:rPr>
-                        <a:t>2</a:t>
+                        <a:rPr lang="en-US" sz="1200" dirty="0"/>
+                        <a:t>Enterprise Value to Free Cashflow</a:t>
                       </a:r>
                     </a:p>
                   </a:txBody>
-                  <a:tcPr/>
+                  <a:tcPr anchor="ctr"/>
                 </a:tc>
+                <a:extLst>
+                  <a:ext uri="{0D108BD9-81ED-4DB2-BD59-A6C34878D82A}">
+                    <a16:rowId xmlns:a16="http://schemas.microsoft.com/office/drawing/2014/main" val="1215735642"/>
+                  </a:ext>
+                </a:extLst>
+              </a:tr>
+              <a:tr h="140357">
                 <a:tc>
                   <a:txBody>
                     <a:bodyPr/>
                     <a:lstStyle/>
                     <a:p>
-                      <a:pPr algn="ctr"/>
+                      <a:pPr algn="l"/>
                       <a:r>
-                        <a:rPr lang="en-US" sz="1800" dirty="0">
-                          <a:solidFill>
-                            <a:srgbClr val="00B050"/>
-                          </a:solidFill>
-                        </a:rPr>
-                        <a:t>1</a:t>
+                        <a:rPr lang="en-US" sz="1200" dirty="0"/>
+                        <a:t>Price to Sales Ratio</a:t>
                       </a:r>
                     </a:p>
                   </a:txBody>
-                  <a:tcPr/>
+                  <a:tcPr anchor="ctr"/>
                 </a:tc>
                 <a:extLst>
                   <a:ext uri="{0D108BD9-81ED-4DB2-BD59-A6C34878D82A}">
-                    <a16:rowId xmlns:a16="http://schemas.microsoft.com/office/drawing/2014/main" val="3165529868"/>
-                  </a:ext>
-                </a:extLst>
-              </a:tr>
-              <a:tr h="370840">
-                <a:tc>
-                  <a:txBody>
-                    <a:bodyPr/>
-                    <a:lstStyle/>
-                    <a:p>
-                      <a:pPr algn="r"/>
-                      <a:r>
-                        <a:rPr lang="en-US" sz="1800" dirty="0"/>
-                        <a:t>6760</a:t>
-                      </a:r>
-                    </a:p>
-                  </a:txBody>
-                  <a:tcPr/>
-                </a:tc>
-                <a:tc>
-                  <a:txBody>
-                    <a:bodyPr/>
-                    <a:lstStyle/>
-                    <a:p>
-                      <a:pPr algn="ctr"/>
-                      <a:r>
-                        <a:rPr lang="en-US" sz="1800" dirty="0"/>
-                        <a:t>3</a:t>
-                      </a:r>
-                    </a:p>
-                  </a:txBody>
-                  <a:tcPr/>
-                </a:tc>
-                <a:tc>
-                  <a:txBody>
-                    <a:bodyPr/>
-                    <a:lstStyle/>
-                    <a:p>
-                      <a:pPr algn="ctr"/>
-                      <a:r>
-                        <a:rPr lang="en-US" sz="1800" dirty="0"/>
-                        <a:t>-5.35%</a:t>
-                      </a:r>
-                    </a:p>
-                  </a:txBody>
-                  <a:tcPr/>
-                </a:tc>
-                <a:tc>
-                  <a:txBody>
-                    <a:bodyPr/>
-                    <a:lstStyle/>
-                    <a:p>
-                      <a:pPr algn="ctr"/>
-                      <a:r>
-                        <a:rPr lang="en-US" sz="1800" dirty="0"/>
-                        <a:t>8</a:t>
-                      </a:r>
-                    </a:p>
-                  </a:txBody>
-                  <a:tcPr/>
-                </a:tc>
-                <a:tc>
-                  <a:txBody>
-                    <a:bodyPr/>
-                    <a:lstStyle/>
-                    <a:p>
-                      <a:pPr algn="ctr"/>
-                      <a:r>
-                        <a:rPr lang="en-US" sz="1800" dirty="0"/>
-                        <a:t>4</a:t>
-                      </a:r>
-                    </a:p>
-                  </a:txBody>
-                  <a:tcPr/>
-                </a:tc>
-                <a:extLst>
-                  <a:ext uri="{0D108BD9-81ED-4DB2-BD59-A6C34878D82A}">
-                    <a16:rowId xmlns:a16="http://schemas.microsoft.com/office/drawing/2014/main" val="617713017"/>
-                  </a:ext>
-                </a:extLst>
-              </a:tr>
-              <a:tr h="370840">
-                <a:tc>
-                  <a:txBody>
-                    <a:bodyPr/>
-                    <a:lstStyle/>
-                    <a:p>
-                      <a:pPr algn="r"/>
-                      <a:r>
-                        <a:rPr lang="en-US" sz="1800" dirty="0">
-                          <a:solidFill>
-                            <a:schemeClr val="bg1"/>
-                          </a:solidFill>
-                        </a:rPr>
-                        <a:t>17272</a:t>
-                      </a:r>
-                    </a:p>
-                  </a:txBody>
-                  <a:tcPr/>
-                </a:tc>
-                <a:tc>
-                  <a:txBody>
-                    <a:bodyPr/>
-                    <a:lstStyle/>
-                    <a:p>
-                      <a:pPr algn="ctr"/>
-                      <a:r>
-                        <a:rPr lang="en-US" sz="1800" dirty="0">
-                          <a:solidFill>
-                            <a:schemeClr val="bg1"/>
-                          </a:solidFill>
-                        </a:rPr>
-                        <a:t>4</a:t>
-                      </a:r>
-                    </a:p>
-                  </a:txBody>
-                  <a:tcPr/>
-                </a:tc>
-                <a:tc>
-                  <a:txBody>
-                    <a:bodyPr/>
-                    <a:lstStyle/>
-                    <a:p>
-                      <a:pPr algn="ctr"/>
-                      <a:r>
-                        <a:rPr lang="en-US" sz="1800" dirty="0">
-                          <a:solidFill>
-                            <a:schemeClr val="bg1"/>
-                          </a:solidFill>
-                        </a:rPr>
-                        <a:t>-10.71%</a:t>
-                      </a:r>
-                    </a:p>
-                  </a:txBody>
-                  <a:tcPr/>
-                </a:tc>
-                <a:tc>
-                  <a:txBody>
-                    <a:bodyPr/>
-                    <a:lstStyle/>
-                    <a:p>
-                      <a:pPr algn="ctr"/>
-                      <a:r>
-                        <a:rPr lang="en-US" sz="1800" dirty="0">
-                          <a:solidFill>
-                            <a:schemeClr val="bg1"/>
-                          </a:solidFill>
-                        </a:rPr>
-                        <a:t>9</a:t>
-                      </a:r>
-                    </a:p>
-                  </a:txBody>
-                  <a:tcPr/>
-                </a:tc>
-                <a:tc>
-                  <a:txBody>
-                    <a:bodyPr/>
-                    <a:lstStyle/>
-                    <a:p>
-                      <a:pPr algn="ctr"/>
-                      <a:r>
-                        <a:rPr lang="en-US" sz="1800" dirty="0">
-                          <a:solidFill>
-                            <a:schemeClr val="bg1"/>
-                          </a:solidFill>
-                        </a:rPr>
-                        <a:t>6</a:t>
-                      </a:r>
-                    </a:p>
-                  </a:txBody>
-                  <a:tcPr/>
-                </a:tc>
-                <a:extLst>
-                  <a:ext uri="{0D108BD9-81ED-4DB2-BD59-A6C34878D82A}">
-                    <a16:rowId xmlns:a16="http://schemas.microsoft.com/office/drawing/2014/main" val="2604614677"/>
-                  </a:ext>
-                </a:extLst>
-              </a:tr>
-              <a:tr h="370840">
-                <a:tc>
-                  <a:txBody>
-                    <a:bodyPr/>
-                    <a:lstStyle/>
-                    <a:p>
-                      <a:pPr algn="r"/>
-                      <a:r>
-                        <a:rPr lang="en-US" sz="1800" dirty="0"/>
-                        <a:t>7134</a:t>
-                      </a:r>
-                    </a:p>
-                  </a:txBody>
-                  <a:tcPr/>
-                </a:tc>
-                <a:tc>
-                  <a:txBody>
-                    <a:bodyPr/>
-                    <a:lstStyle/>
-                    <a:p>
-                      <a:pPr algn="ctr"/>
-                      <a:r>
-                        <a:rPr lang="en-US" sz="1800" dirty="0"/>
-                        <a:t>5</a:t>
-                      </a:r>
-                    </a:p>
-                  </a:txBody>
-                  <a:tcPr/>
-                </a:tc>
-                <a:tc>
-                  <a:txBody>
-                    <a:bodyPr/>
-                    <a:lstStyle/>
-                    <a:p>
-                      <a:pPr algn="ctr"/>
-                      <a:r>
-                        <a:rPr lang="en-US" sz="1800" dirty="0"/>
-                        <a:t>-52.25%</a:t>
-                      </a:r>
-                    </a:p>
-                  </a:txBody>
-                  <a:tcPr/>
-                </a:tc>
-                <a:tc>
-                  <a:txBody>
-                    <a:bodyPr/>
-                    <a:lstStyle/>
-                    <a:p>
-                      <a:pPr algn="ctr"/>
-                      <a:r>
-                        <a:rPr lang="en-US" sz="1800" dirty="0"/>
-                        <a:t>10</a:t>
-                      </a:r>
-                    </a:p>
-                  </a:txBody>
-                  <a:tcPr/>
-                </a:tc>
-                <a:tc>
-                  <a:txBody>
-                    <a:bodyPr/>
-                    <a:lstStyle/>
-                    <a:p>
-                      <a:pPr algn="ctr"/>
-                      <a:r>
-                        <a:rPr lang="en-US" sz="1800" dirty="0"/>
-                        <a:t>8</a:t>
-                      </a:r>
-                    </a:p>
-                  </a:txBody>
-                  <a:tcPr/>
-                </a:tc>
-                <a:extLst>
-                  <a:ext uri="{0D108BD9-81ED-4DB2-BD59-A6C34878D82A}">
-                    <a16:rowId xmlns:a16="http://schemas.microsoft.com/office/drawing/2014/main" val="2059738791"/>
-                  </a:ext>
-                </a:extLst>
-              </a:tr>
-              <a:tr h="370840">
-                <a:tc>
-                  <a:txBody>
-                    <a:bodyPr/>
-                    <a:lstStyle/>
-                    <a:p>
-                      <a:pPr algn="r"/>
-                      <a:r>
-                        <a:rPr lang="en-US" sz="1800" dirty="0"/>
-                        <a:t>343</a:t>
-                      </a:r>
-                    </a:p>
-                  </a:txBody>
-                  <a:tcPr/>
-                </a:tc>
-                <a:tc>
-                  <a:txBody>
-                    <a:bodyPr/>
-                    <a:lstStyle/>
-                    <a:p>
-                      <a:pPr algn="ctr"/>
-                      <a:r>
-                        <a:rPr lang="en-US" sz="1800" dirty="0"/>
-                        <a:t>6</a:t>
-                      </a:r>
-                    </a:p>
-                  </a:txBody>
-                  <a:tcPr/>
-                </a:tc>
-                <a:tc>
-                  <a:txBody>
-                    <a:bodyPr/>
-                    <a:lstStyle/>
-                    <a:p>
-                      <a:pPr algn="ctr"/>
-                      <a:r>
-                        <a:rPr lang="en-US" sz="1800" dirty="0"/>
-                        <a:t>-1.31%</a:t>
-                      </a:r>
-                    </a:p>
-                  </a:txBody>
-                  <a:tcPr/>
-                </a:tc>
-                <a:tc>
-                  <a:txBody>
-                    <a:bodyPr/>
-                    <a:lstStyle/>
-                    <a:p>
-                      <a:pPr algn="ctr"/>
-                      <a:r>
-                        <a:rPr lang="en-US" sz="1800" dirty="0"/>
-                        <a:t>6</a:t>
-                      </a:r>
-                    </a:p>
-                  </a:txBody>
-                  <a:tcPr/>
-                </a:tc>
-                <a:tc>
-                  <a:txBody>
-                    <a:bodyPr/>
-                    <a:lstStyle/>
-                    <a:p>
-                      <a:pPr algn="ctr"/>
-                      <a:r>
-                        <a:rPr lang="en-US" sz="1800" dirty="0"/>
-                        <a:t>5</a:t>
-                      </a:r>
-                    </a:p>
-                  </a:txBody>
-                  <a:tcPr/>
-                </a:tc>
-                <a:extLst>
-                  <a:ext uri="{0D108BD9-81ED-4DB2-BD59-A6C34878D82A}">
-                    <a16:rowId xmlns:a16="http://schemas.microsoft.com/office/drawing/2014/main" val="2770370416"/>
-                  </a:ext>
-                </a:extLst>
-              </a:tr>
-              <a:tr h="370840">
-                <a:tc>
-                  <a:txBody>
-                    <a:bodyPr/>
-                    <a:lstStyle/>
-                    <a:p>
-                      <a:pPr algn="r"/>
-                      <a:r>
-                        <a:rPr lang="en-US" sz="1800" dirty="0"/>
-                        <a:t>9074</a:t>
-                      </a:r>
-                    </a:p>
-                  </a:txBody>
-                  <a:tcPr/>
-                </a:tc>
-                <a:tc>
-                  <a:txBody>
-                    <a:bodyPr/>
-                    <a:lstStyle/>
-                    <a:p>
-                      <a:pPr algn="ctr"/>
-                      <a:r>
-                        <a:rPr lang="en-US" sz="1800" dirty="0"/>
-                        <a:t>7</a:t>
-                      </a:r>
-                    </a:p>
-                  </a:txBody>
-                  <a:tcPr/>
-                </a:tc>
-                <a:tc>
-                  <a:txBody>
-                    <a:bodyPr/>
-                    <a:lstStyle/>
-                    <a:p>
-                      <a:pPr algn="ctr"/>
-                      <a:r>
-                        <a:rPr lang="en-US" sz="1800" dirty="0"/>
-                        <a:t>-5.32%</a:t>
-                      </a:r>
-                    </a:p>
-                  </a:txBody>
-                  <a:tcPr/>
-                </a:tc>
-                <a:tc>
-                  <a:txBody>
-                    <a:bodyPr/>
-                    <a:lstStyle/>
-                    <a:p>
-                      <a:pPr algn="ctr"/>
-                      <a:r>
-                        <a:rPr lang="en-US" sz="1800" dirty="0"/>
-                        <a:t>7</a:t>
-                      </a:r>
-                    </a:p>
-                  </a:txBody>
-                  <a:tcPr/>
-                </a:tc>
-                <a:tc>
-                  <a:txBody>
-                    <a:bodyPr/>
-                    <a:lstStyle/>
-                    <a:p>
-                      <a:pPr algn="ctr"/>
-                      <a:r>
-                        <a:rPr lang="en-US" sz="1800" dirty="0"/>
-                        <a:t>7</a:t>
-                      </a:r>
-                    </a:p>
-                  </a:txBody>
-                  <a:tcPr/>
-                </a:tc>
-                <a:extLst>
-                  <a:ext uri="{0D108BD9-81ED-4DB2-BD59-A6C34878D82A}">
-                    <a16:rowId xmlns:a16="http://schemas.microsoft.com/office/drawing/2014/main" val="826506318"/>
-                  </a:ext>
-                </a:extLst>
-              </a:tr>
-              <a:tr h="370840">
-                <a:tc>
-                  <a:txBody>
-                    <a:bodyPr/>
-                    <a:lstStyle/>
-                    <a:p>
-                      <a:pPr algn="r"/>
-                      <a:r>
-                        <a:rPr lang="en-US" sz="1800" dirty="0">
-                          <a:solidFill>
-                            <a:srgbClr val="00B050"/>
-                          </a:solidFill>
-                        </a:rPr>
-                        <a:t>14746</a:t>
-                      </a:r>
-                    </a:p>
-                  </a:txBody>
-                  <a:tcPr/>
-                </a:tc>
-                <a:tc>
-                  <a:txBody>
-                    <a:bodyPr/>
-                    <a:lstStyle/>
-                    <a:p>
-                      <a:pPr algn="ctr"/>
-                      <a:r>
-                        <a:rPr lang="en-US" sz="1800" dirty="0">
-                          <a:solidFill>
-                            <a:srgbClr val="00B050"/>
-                          </a:solidFill>
-                        </a:rPr>
-                        <a:t>8</a:t>
-                      </a:r>
-                    </a:p>
-                  </a:txBody>
-                  <a:tcPr/>
-                </a:tc>
-                <a:tc>
-                  <a:txBody>
-                    <a:bodyPr/>
-                    <a:lstStyle/>
-                    <a:p>
-                      <a:pPr algn="ctr"/>
-                      <a:r>
-                        <a:rPr lang="en-US" sz="1800" dirty="0">
-                          <a:solidFill>
-                            <a:srgbClr val="00B050"/>
-                          </a:solidFill>
-                        </a:rPr>
-                        <a:t>10.25%</a:t>
-                      </a:r>
-                    </a:p>
-                  </a:txBody>
-                  <a:tcPr/>
-                </a:tc>
-                <a:tc>
-                  <a:txBody>
-                    <a:bodyPr/>
-                    <a:lstStyle/>
-                    <a:p>
-                      <a:pPr algn="ctr"/>
-                      <a:r>
-                        <a:rPr lang="en-US" sz="1800" dirty="0">
-                          <a:solidFill>
-                            <a:srgbClr val="00B050"/>
-                          </a:solidFill>
-                        </a:rPr>
-                        <a:t>1</a:t>
-                      </a:r>
-                    </a:p>
-                  </a:txBody>
-                  <a:tcPr/>
-                </a:tc>
-                <a:tc>
-                  <a:txBody>
-                    <a:bodyPr/>
-                    <a:lstStyle/>
-                    <a:p>
-                      <a:pPr algn="ctr"/>
-                      <a:r>
-                        <a:rPr lang="en-US" sz="1800" dirty="0">
-                          <a:solidFill>
-                            <a:srgbClr val="00B050"/>
-                          </a:solidFill>
-                        </a:rPr>
-                        <a:t>3</a:t>
-                      </a:r>
-                    </a:p>
-                  </a:txBody>
-                  <a:tcPr/>
-                </a:tc>
-                <a:extLst>
-                  <a:ext uri="{0D108BD9-81ED-4DB2-BD59-A6C34878D82A}">
-                    <a16:rowId xmlns:a16="http://schemas.microsoft.com/office/drawing/2014/main" val="4273571826"/>
-                  </a:ext>
-                </a:extLst>
-              </a:tr>
-              <a:tr h="370840">
-                <a:tc>
-                  <a:txBody>
-                    <a:bodyPr/>
-                    <a:lstStyle/>
-                    <a:p>
-                      <a:pPr algn="r"/>
-                      <a:r>
-                        <a:rPr lang="en-US" sz="1800" dirty="0">
-                          <a:solidFill>
-                            <a:srgbClr val="00B050"/>
-                          </a:solidFill>
-                        </a:rPr>
-                        <a:t>13554</a:t>
-                      </a:r>
-                    </a:p>
-                  </a:txBody>
-                  <a:tcPr/>
-                </a:tc>
-                <a:tc>
-                  <a:txBody>
-                    <a:bodyPr/>
-                    <a:lstStyle/>
-                    <a:p>
-                      <a:pPr algn="ctr"/>
-                      <a:r>
-                        <a:rPr lang="en-US" sz="1800" dirty="0">
-                          <a:solidFill>
-                            <a:srgbClr val="00B050"/>
-                          </a:solidFill>
-                        </a:rPr>
-                        <a:t>9</a:t>
-                      </a:r>
-                    </a:p>
-                  </a:txBody>
-                  <a:tcPr/>
-                </a:tc>
-                <a:tc>
-                  <a:txBody>
-                    <a:bodyPr/>
-                    <a:lstStyle/>
-                    <a:p>
-                      <a:pPr algn="ctr"/>
-                      <a:r>
-                        <a:rPr lang="en-US" sz="1800" dirty="0">
-                          <a:solidFill>
-                            <a:srgbClr val="00B050"/>
-                          </a:solidFill>
-                        </a:rPr>
-                        <a:t>4.39%</a:t>
-                      </a:r>
-                    </a:p>
-                  </a:txBody>
-                  <a:tcPr/>
-                </a:tc>
-                <a:tc>
-                  <a:txBody>
-                    <a:bodyPr/>
-                    <a:lstStyle/>
-                    <a:p>
-                      <a:pPr algn="ctr"/>
-                      <a:r>
-                        <a:rPr lang="en-US" sz="1800" dirty="0">
-                          <a:solidFill>
-                            <a:srgbClr val="00B050"/>
-                          </a:solidFill>
-                        </a:rPr>
-                        <a:t>3</a:t>
-                      </a:r>
-                    </a:p>
-                  </a:txBody>
-                  <a:tcPr/>
-                </a:tc>
-                <a:tc>
-                  <a:txBody>
-                    <a:bodyPr/>
-                    <a:lstStyle/>
-                    <a:p>
-                      <a:pPr algn="ctr"/>
-                      <a:r>
-                        <a:rPr lang="en-US" sz="1800" dirty="0">
-                          <a:solidFill>
-                            <a:srgbClr val="00B050"/>
-                          </a:solidFill>
-                        </a:rPr>
-                        <a:t>5</a:t>
-                      </a:r>
-                    </a:p>
-                  </a:txBody>
-                  <a:tcPr/>
-                </a:tc>
-                <a:extLst>
-                  <a:ext uri="{0D108BD9-81ED-4DB2-BD59-A6C34878D82A}">
-                    <a16:rowId xmlns:a16="http://schemas.microsoft.com/office/drawing/2014/main" val="3222164127"/>
-                  </a:ext>
-                </a:extLst>
-              </a:tr>
-              <a:tr h="370840">
-                <a:tc>
-                  <a:txBody>
-                    <a:bodyPr/>
-                    <a:lstStyle/>
-                    <a:p>
-                      <a:pPr algn="r"/>
-                      <a:r>
-                        <a:rPr lang="en-US" sz="1800" dirty="0">
-                          <a:solidFill>
-                            <a:srgbClr val="00B050"/>
-                          </a:solidFill>
-                        </a:rPr>
-                        <a:t>18302</a:t>
-                      </a:r>
-                    </a:p>
-                  </a:txBody>
-                  <a:tcPr/>
-                </a:tc>
-                <a:tc>
-                  <a:txBody>
-                    <a:bodyPr/>
-                    <a:lstStyle/>
-                    <a:p>
-                      <a:pPr algn="ctr"/>
-                      <a:r>
-                        <a:rPr lang="en-US" sz="1800" dirty="0">
-                          <a:solidFill>
-                            <a:srgbClr val="00B050"/>
-                          </a:solidFill>
-                        </a:rPr>
-                        <a:t>10</a:t>
-                      </a:r>
-                    </a:p>
-                  </a:txBody>
-                  <a:tcPr/>
-                </a:tc>
-                <a:tc>
-                  <a:txBody>
-                    <a:bodyPr/>
-                    <a:lstStyle/>
-                    <a:p>
-                      <a:pPr algn="ctr"/>
-                      <a:r>
-                        <a:rPr lang="en-US" sz="1800" dirty="0">
-                          <a:solidFill>
-                            <a:srgbClr val="00B050"/>
-                          </a:solidFill>
-                        </a:rPr>
-                        <a:t>3.45%</a:t>
-                      </a:r>
-                    </a:p>
-                  </a:txBody>
-                  <a:tcPr/>
-                </a:tc>
-                <a:tc>
-                  <a:txBody>
-                    <a:bodyPr/>
-                    <a:lstStyle/>
-                    <a:p>
-                      <a:pPr algn="ctr"/>
-                      <a:r>
-                        <a:rPr lang="en-US" sz="1800" dirty="0">
-                          <a:solidFill>
-                            <a:srgbClr val="00B050"/>
-                          </a:solidFill>
-                        </a:rPr>
-                        <a:t>5</a:t>
-                      </a:r>
-                    </a:p>
-                  </a:txBody>
-                  <a:tcPr/>
-                </a:tc>
-                <a:tc>
-                  <a:txBody>
-                    <a:bodyPr/>
-                    <a:lstStyle/>
-                    <a:p>
-                      <a:pPr algn="ctr"/>
-                      <a:r>
-                        <a:rPr lang="en-US" sz="1800" dirty="0">
-                          <a:solidFill>
-                            <a:srgbClr val="00B050"/>
-                          </a:solidFill>
-                        </a:rPr>
-                        <a:t>8</a:t>
-                      </a:r>
-                    </a:p>
-                  </a:txBody>
-                  <a:tcPr/>
-                </a:tc>
-                <a:extLst>
-                  <a:ext uri="{0D108BD9-81ED-4DB2-BD59-A6C34878D82A}">
-                    <a16:rowId xmlns:a16="http://schemas.microsoft.com/office/drawing/2014/main" val="1076569605"/>
+                    <a16:rowId xmlns:a16="http://schemas.microsoft.com/office/drawing/2014/main" val="3621523595"/>
                   </a:ext>
                 </a:extLst>
               </a:tr>
@@ -7241,10 +6768,208 @@
           </a:graphicData>
         </a:graphic>
       </p:graphicFrame>
+      <p:sp>
+        <p:nvSpPr>
+          <p:cNvPr id="37" name="Rectangle 36">
+            <a:extLst>
+              <a:ext uri="{FF2B5EF4-FFF2-40B4-BE49-F238E27FC236}">
+                <a16:creationId xmlns:a16="http://schemas.microsoft.com/office/drawing/2014/main" id="{435998DD-FF53-E642-A43A-ECE953CD7CDC}"/>
+              </a:ext>
+            </a:extLst>
+          </p:cNvPr>
+          <p:cNvSpPr/>
+          <p:nvPr/>
+        </p:nvSpPr>
+        <p:spPr>
+          <a:xfrm>
+            <a:off x="7804679" y="3883590"/>
+            <a:ext cx="4285721" cy="1927831"/>
+          </a:xfrm>
+          <a:prstGeom prst="rect">
+            <a:avLst/>
+          </a:prstGeom>
+        </p:spPr>
+        <p:txBody>
+          <a:bodyPr vert="horz" lIns="91440" tIns="45720" rIns="91440" bIns="45720" rtlCol="0">
+            <a:noAutofit/>
+          </a:bodyPr>
+          <a:lstStyle/>
+          <a:p>
+            <a:pPr marL="223838" indent="-223838">
+              <a:lnSpc>
+                <a:spcPct val="90000"/>
+              </a:lnSpc>
+              <a:spcBef>
+                <a:spcPts val="1800"/>
+              </a:spcBef>
+              <a:buClr>
+                <a:schemeClr val="accent1"/>
+              </a:buClr>
+              <a:buSzPct val="100000"/>
+              <a:buFont typeface="Arial" pitchFamily="34" charset="0"/>
+              <a:buChar char="•"/>
+            </a:pPr>
+            <a:r>
+              <a:rPr lang="en-US" sz="2000" dirty="0"/>
+              <a:t>Forecasted Top 10 “Value” stocks on revenue per share, 1 year into the future</a:t>
+            </a:r>
+          </a:p>
+          <a:p>
+            <a:pPr marL="223838" indent="-223838">
+              <a:lnSpc>
+                <a:spcPct val="90000"/>
+              </a:lnSpc>
+              <a:spcBef>
+                <a:spcPts val="1800"/>
+              </a:spcBef>
+              <a:buClr>
+                <a:schemeClr val="accent1"/>
+              </a:buClr>
+              <a:buSzPct val="100000"/>
+              <a:buFont typeface="Arial" pitchFamily="34" charset="0"/>
+              <a:buChar char="•"/>
+            </a:pPr>
+            <a:r>
+              <a:rPr lang="en-US" sz="2000" dirty="0"/>
+              <a:t>Evaluated growth potential based on predicted 1 year percent growth of revenue per share</a:t>
+            </a:r>
+          </a:p>
+        </p:txBody>
+      </p:sp>
+      <p:grpSp>
+        <p:nvGrpSpPr>
+          <p:cNvPr id="47" name="Group 46">
+            <a:extLst>
+              <a:ext uri="{FF2B5EF4-FFF2-40B4-BE49-F238E27FC236}">
+                <a16:creationId xmlns:a16="http://schemas.microsoft.com/office/drawing/2014/main" id="{1B8F9951-A8FF-2743-9872-E83433120563}"/>
+              </a:ext>
+            </a:extLst>
+          </p:cNvPr>
+          <p:cNvGrpSpPr/>
+          <p:nvPr/>
+        </p:nvGrpSpPr>
+        <p:grpSpPr>
+          <a:xfrm>
+            <a:off x="537083" y="1179465"/>
+            <a:ext cx="7010137" cy="5244224"/>
+            <a:chOff x="537083" y="1179465"/>
+            <a:chExt cx="7010137" cy="5244224"/>
+          </a:xfrm>
+        </p:grpSpPr>
+        <p:pic>
+          <p:nvPicPr>
+            <p:cNvPr id="46" name="Picture 45" descr="Chart, line chart&#10;&#10;Description automatically generated">
+              <a:extLst>
+                <a:ext uri="{FF2B5EF4-FFF2-40B4-BE49-F238E27FC236}">
+                  <a16:creationId xmlns:a16="http://schemas.microsoft.com/office/drawing/2014/main" id="{2837A881-F888-E64F-9D50-D872E62E55CE}"/>
+                </a:ext>
+              </a:extLst>
+            </p:cNvPr>
+            <p:cNvPicPr>
+              <a:picLocks noChangeAspect="1"/>
+            </p:cNvPicPr>
+            <p:nvPr/>
+          </p:nvPicPr>
+          <p:blipFill>
+            <a:blip r:embed="rId3">
+              <a:extLst>
+                <a:ext uri="{28A0092B-C50C-407E-A947-70E740481C1C}">
+                  <a14:useLocalDpi xmlns:a14="http://schemas.microsoft.com/office/drawing/2010/main" val="0"/>
+                </a:ext>
+              </a:extLst>
+            </a:blip>
+            <a:stretch>
+              <a:fillRect/>
+            </a:stretch>
+          </p:blipFill>
+          <p:spPr>
+            <a:xfrm>
+              <a:off x="537083" y="1179465"/>
+              <a:ext cx="7010137" cy="5244224"/>
+            </a:xfrm>
+            <a:prstGeom prst="rect">
+              <a:avLst/>
+            </a:prstGeom>
+          </p:spPr>
+        </p:pic>
+        <p:sp>
+          <p:nvSpPr>
+            <p:cNvPr id="42" name="TextBox 41">
+              <a:extLst>
+                <a:ext uri="{FF2B5EF4-FFF2-40B4-BE49-F238E27FC236}">
+                  <a16:creationId xmlns:a16="http://schemas.microsoft.com/office/drawing/2014/main" id="{240BBF14-D103-F545-A74B-546865528495}"/>
+                </a:ext>
+              </a:extLst>
+            </p:cNvPr>
+            <p:cNvSpPr txBox="1"/>
+            <p:nvPr/>
+          </p:nvSpPr>
+          <p:spPr>
+            <a:xfrm>
+              <a:off x="4765675" y="4156414"/>
+              <a:ext cx="1919288" cy="461665"/>
+            </a:xfrm>
+            <a:prstGeom prst="rect">
+              <a:avLst/>
+            </a:prstGeom>
+            <a:solidFill>
+              <a:schemeClr val="bg1"/>
+            </a:solidFill>
+          </p:spPr>
+          <p:txBody>
+            <a:bodyPr wrap="square" rtlCol="0">
+              <a:spAutoFit/>
+            </a:bodyPr>
+            <a:lstStyle/>
+            <a:p>
+              <a:r>
+                <a:rPr lang="en-US" sz="1200" dirty="0"/>
+                <a:t>2.48% Forecasted Increase in Revenue per Share</a:t>
+              </a:r>
+            </a:p>
+          </p:txBody>
+        </p:sp>
+        <p:cxnSp>
+          <p:nvCxnSpPr>
+            <p:cNvPr id="44" name="Straight Connector 43">
+              <a:extLst>
+                <a:ext uri="{FF2B5EF4-FFF2-40B4-BE49-F238E27FC236}">
+                  <a16:creationId xmlns:a16="http://schemas.microsoft.com/office/drawing/2014/main" id="{FE9F53C1-D912-6B47-A6D4-CD42786476F7}"/>
+                </a:ext>
+              </a:extLst>
+            </p:cNvPr>
+            <p:cNvCxnSpPr/>
+            <p:nvPr/>
+          </p:nvCxnSpPr>
+          <p:spPr>
+            <a:xfrm flipH="1">
+              <a:off x="6684963" y="3513667"/>
+              <a:ext cx="689504" cy="642747"/>
+            </a:xfrm>
+            <a:prstGeom prst="line">
+              <a:avLst/>
+            </a:prstGeom>
+          </p:spPr>
+          <p:style>
+            <a:lnRef idx="1">
+              <a:schemeClr val="dk1"/>
+            </a:lnRef>
+            <a:fillRef idx="0">
+              <a:schemeClr val="dk1"/>
+            </a:fillRef>
+            <a:effectRef idx="0">
+              <a:schemeClr val="dk1"/>
+            </a:effectRef>
+            <a:fontRef idx="minor">
+              <a:schemeClr val="tx1"/>
+            </a:fontRef>
+          </p:style>
+        </p:cxnSp>
+      </p:grpSp>
     </p:spTree>
     <p:extLst>
       <p:ext uri="{BB962C8B-B14F-4D97-AF65-F5344CB8AC3E}">
-        <p14:creationId xmlns:p14="http://schemas.microsoft.com/office/powerpoint/2010/main" val="2879547870"/>
+        <p14:creationId xmlns:p14="http://schemas.microsoft.com/office/powerpoint/2010/main" val="2299451778"/>
       </p:ext>
     </p:extLst>
   </p:cSld>
@@ -7307,8 +7032,13 @@
           <a:p>
             <a:r>
               <a:rPr lang="en-US" dirty="0"/>
-              <a:t>Conclusion and Next Steps</a:t>
-            </a:r>
+              <a:t>Analysis Results</a:t>
+            </a:r>
+            <a:endParaRPr lang="en-US" dirty="0">
+              <a:solidFill>
+                <a:srgbClr val="FF0000"/>
+              </a:solidFill>
+            </a:endParaRPr>
           </a:p>
         </p:txBody>
       </p:sp>
@@ -7328,8 +7058,8 @@
         </p:nvSpPr>
         <p:spPr>
           <a:xfrm>
-            <a:off x="7382935" y="1508365"/>
-            <a:ext cx="4350278" cy="3384069"/>
+            <a:off x="6493140" y="1633361"/>
+            <a:ext cx="5154346" cy="4403372"/>
           </a:xfrm>
           <a:prstGeom prst="rect">
             <a:avLst/>
@@ -7525,10 +7255,1424 @@
           </a:lstStyle>
           <a:p>
             <a:r>
-              <a:rPr lang="en-US" sz="2200" dirty="0"/>
-              <a:t>Adding the growth potential outlook adds insight to help find inefficient stocks to purchase</a:t>
-            </a:r>
-          </a:p>
+              <a:rPr lang="en-US" dirty="0"/>
+              <a:t>Final action accounts for combination of value and potential future growth</a:t>
+            </a:r>
+          </a:p>
+          <a:p>
+            <a:r>
+              <a:rPr lang="en-US" dirty="0"/>
+              <a:t>Utilized a mixture of auto-fit models and manual fit models due to high volatility in revenue per share, specifically in 2020</a:t>
+            </a:r>
+          </a:p>
+          <a:p>
+            <a:r>
+              <a:rPr lang="en-US" dirty="0"/>
+              <a:t>Half of the high value stocks offered positive growth and should be bought</a:t>
+            </a:r>
+          </a:p>
+        </p:txBody>
+      </p:sp>
+      <p:graphicFrame>
+        <p:nvGraphicFramePr>
+          <p:cNvPr id="4" name="Table 5">
+            <a:extLst>
+              <a:ext uri="{FF2B5EF4-FFF2-40B4-BE49-F238E27FC236}">
+                <a16:creationId xmlns:a16="http://schemas.microsoft.com/office/drawing/2014/main" id="{395B4BEF-0C92-6741-A919-9E6E59968601}"/>
+              </a:ext>
+            </a:extLst>
+          </p:cNvPr>
+          <p:cNvGraphicFramePr>
+            <a:graphicFrameLocks noGrp="1"/>
+          </p:cNvGraphicFramePr>
+          <p:nvPr>
+            <p:extLst>
+              <p:ext uri="{D42A27DB-BD31-4B8C-83A1-F6EECF244321}">
+                <p14:modId xmlns:p14="http://schemas.microsoft.com/office/powerpoint/2010/main" val="1555985342"/>
+              </p:ext>
+            </p:extLst>
+          </p:nvPr>
+        </p:nvGraphicFramePr>
+        <p:xfrm>
+          <a:off x="541339" y="1516239"/>
+          <a:ext cx="5740930" cy="4714240"/>
+        </p:xfrm>
+        <a:graphic>
+          <a:graphicData uri="http://schemas.openxmlformats.org/drawingml/2006/table">
+            <a:tbl>
+              <a:tblPr firstRow="1" bandRow="1">
+                <a:tableStyleId>{5C22544A-7EE6-4342-B048-85BDC9FD1C3A}</a:tableStyleId>
+              </a:tblPr>
+              <a:tblGrid>
+                <a:gridCol w="1148186">
+                  <a:extLst>
+                    <a:ext uri="{9D8B030D-6E8A-4147-A177-3AD203B41FA5}">
+                      <a16:colId xmlns:a16="http://schemas.microsoft.com/office/drawing/2014/main" val="124562063"/>
+                    </a:ext>
+                  </a:extLst>
+                </a:gridCol>
+                <a:gridCol w="1148186">
+                  <a:extLst>
+                    <a:ext uri="{9D8B030D-6E8A-4147-A177-3AD203B41FA5}">
+                      <a16:colId xmlns:a16="http://schemas.microsoft.com/office/drawing/2014/main" val="2153667916"/>
+                    </a:ext>
+                  </a:extLst>
+                </a:gridCol>
+                <a:gridCol w="1148186">
+                  <a:extLst>
+                    <a:ext uri="{9D8B030D-6E8A-4147-A177-3AD203B41FA5}">
+                      <a16:colId xmlns:a16="http://schemas.microsoft.com/office/drawing/2014/main" val="1134984235"/>
+                    </a:ext>
+                  </a:extLst>
+                </a:gridCol>
+                <a:gridCol w="1148186">
+                  <a:extLst>
+                    <a:ext uri="{9D8B030D-6E8A-4147-A177-3AD203B41FA5}">
+                      <a16:colId xmlns:a16="http://schemas.microsoft.com/office/drawing/2014/main" val="379145882"/>
+                    </a:ext>
+                  </a:extLst>
+                </a:gridCol>
+                <a:gridCol w="1148186">
+                  <a:extLst>
+                    <a:ext uri="{9D8B030D-6E8A-4147-A177-3AD203B41FA5}">
+                      <a16:colId xmlns:a16="http://schemas.microsoft.com/office/drawing/2014/main" val="2946044418"/>
+                    </a:ext>
+                  </a:extLst>
+                </a:gridCol>
+              </a:tblGrid>
+              <a:tr h="370840">
+                <a:tc>
+                  <a:txBody>
+                    <a:bodyPr/>
+                    <a:lstStyle/>
+                    <a:p>
+                      <a:pPr algn="ctr"/>
+                      <a:r>
+                        <a:rPr lang="en-US" sz="2000" dirty="0"/>
+                        <a:t>Symbol ID</a:t>
+                      </a:r>
+                    </a:p>
+                  </a:txBody>
+                  <a:tcPr anchor="b"/>
+                </a:tc>
+                <a:tc>
+                  <a:txBody>
+                    <a:bodyPr/>
+                    <a:lstStyle/>
+                    <a:p>
+                      <a:pPr algn="ctr"/>
+                      <a:r>
+                        <a:rPr lang="en-US" sz="2000" dirty="0"/>
+                        <a:t>2020 Value Ranking</a:t>
+                      </a:r>
+                    </a:p>
+                  </a:txBody>
+                  <a:tcPr anchor="b"/>
+                </a:tc>
+                <a:tc>
+                  <a:txBody>
+                    <a:bodyPr/>
+                    <a:lstStyle/>
+                    <a:p>
+                      <a:pPr algn="ctr"/>
+                      <a:r>
+                        <a:rPr lang="en-US" sz="2000" dirty="0"/>
+                        <a:t>1 Year Growth Rate</a:t>
+                      </a:r>
+                    </a:p>
+                  </a:txBody>
+                  <a:tcPr anchor="b"/>
+                </a:tc>
+                <a:tc>
+                  <a:txBody>
+                    <a:bodyPr/>
+                    <a:lstStyle/>
+                    <a:p>
+                      <a:pPr algn="ctr"/>
+                      <a:r>
+                        <a:rPr lang="en-US" sz="2000" dirty="0"/>
+                        <a:t>Revenue per Share</a:t>
+                      </a:r>
+                    </a:p>
+                  </a:txBody>
+                  <a:tcPr anchor="b"/>
+                </a:tc>
+                <a:tc>
+                  <a:txBody>
+                    <a:bodyPr/>
+                    <a:lstStyle/>
+                    <a:p>
+                      <a:pPr algn="ctr"/>
+                      <a:r>
+                        <a:rPr lang="en-US" sz="2000" dirty="0"/>
+                        <a:t>Final Action</a:t>
+                      </a:r>
+                    </a:p>
+                  </a:txBody>
+                  <a:tcPr anchor="b"/>
+                </a:tc>
+                <a:extLst>
+                  <a:ext uri="{0D108BD9-81ED-4DB2-BD59-A6C34878D82A}">
+                    <a16:rowId xmlns:a16="http://schemas.microsoft.com/office/drawing/2014/main" val="3595989707"/>
+                  </a:ext>
+                </a:extLst>
+              </a:tr>
+              <a:tr h="370840">
+                <a:tc>
+                  <a:txBody>
+                    <a:bodyPr/>
+                    <a:lstStyle/>
+                    <a:p>
+                      <a:pPr algn="r"/>
+                      <a:r>
+                        <a:rPr lang="en-US" sz="1800" dirty="0">
+                          <a:solidFill>
+                            <a:srgbClr val="00B050"/>
+                          </a:solidFill>
+                        </a:rPr>
+                        <a:t>19264</a:t>
+                      </a:r>
+                    </a:p>
+                  </a:txBody>
+                  <a:tcPr/>
+                </a:tc>
+                <a:tc>
+                  <a:txBody>
+                    <a:bodyPr/>
+                    <a:lstStyle/>
+                    <a:p>
+                      <a:pPr algn="ctr"/>
+                      <a:r>
+                        <a:rPr lang="en-US" sz="1800" dirty="0">
+                          <a:solidFill>
+                            <a:srgbClr val="00B050"/>
+                          </a:solidFill>
+                        </a:rPr>
+                        <a:t>1</a:t>
+                      </a:r>
+                    </a:p>
+                  </a:txBody>
+                  <a:tcPr/>
+                </a:tc>
+                <a:tc>
+                  <a:txBody>
+                    <a:bodyPr/>
+                    <a:lstStyle/>
+                    <a:p>
+                      <a:pPr algn="ctr"/>
+                      <a:r>
+                        <a:rPr lang="en-US" sz="1800" dirty="0">
+                          <a:solidFill>
+                            <a:srgbClr val="00B050"/>
+                          </a:solidFill>
+                        </a:rPr>
+                        <a:t>4.34%</a:t>
+                      </a:r>
+                    </a:p>
+                  </a:txBody>
+                  <a:tcPr/>
+                </a:tc>
+                <a:tc>
+                  <a:txBody>
+                    <a:bodyPr/>
+                    <a:lstStyle/>
+                    <a:p>
+                      <a:pPr algn="ctr"/>
+                      <a:r>
+                        <a:rPr lang="en-US" sz="1800" dirty="0">
+                          <a:solidFill>
+                            <a:srgbClr val="00B050"/>
+                          </a:solidFill>
+                        </a:rPr>
+                        <a:t>$15.7</a:t>
+                      </a:r>
+                    </a:p>
+                  </a:txBody>
+                  <a:tcPr/>
+                </a:tc>
+                <a:tc>
+                  <a:txBody>
+                    <a:bodyPr/>
+                    <a:lstStyle/>
+                    <a:p>
+                      <a:pPr algn="ctr"/>
+                      <a:r>
+                        <a:rPr lang="en-US" sz="1800" dirty="0">
+                          <a:solidFill>
+                            <a:srgbClr val="00B050"/>
+                          </a:solidFill>
+                        </a:rPr>
+                        <a:t>BUY</a:t>
+                      </a:r>
+                    </a:p>
+                  </a:txBody>
+                  <a:tcPr/>
+                </a:tc>
+                <a:extLst>
+                  <a:ext uri="{0D108BD9-81ED-4DB2-BD59-A6C34878D82A}">
+                    <a16:rowId xmlns:a16="http://schemas.microsoft.com/office/drawing/2014/main" val="708200368"/>
+                  </a:ext>
+                </a:extLst>
+              </a:tr>
+              <a:tr h="370840">
+                <a:tc>
+                  <a:txBody>
+                    <a:bodyPr/>
+                    <a:lstStyle/>
+                    <a:p>
+                      <a:pPr algn="r"/>
+                      <a:r>
+                        <a:rPr lang="en-US" sz="1800" dirty="0">
+                          <a:solidFill>
+                            <a:srgbClr val="00B050"/>
+                          </a:solidFill>
+                        </a:rPr>
+                        <a:t>10161</a:t>
+                      </a:r>
+                    </a:p>
+                  </a:txBody>
+                  <a:tcPr/>
+                </a:tc>
+                <a:tc>
+                  <a:txBody>
+                    <a:bodyPr/>
+                    <a:lstStyle/>
+                    <a:p>
+                      <a:pPr algn="ctr"/>
+                      <a:r>
+                        <a:rPr lang="en-US" sz="1800" dirty="0">
+                          <a:solidFill>
+                            <a:srgbClr val="00B050"/>
+                          </a:solidFill>
+                        </a:rPr>
+                        <a:t>2</a:t>
+                      </a:r>
+                    </a:p>
+                  </a:txBody>
+                  <a:tcPr/>
+                </a:tc>
+                <a:tc>
+                  <a:txBody>
+                    <a:bodyPr/>
+                    <a:lstStyle/>
+                    <a:p>
+                      <a:pPr algn="ctr"/>
+                      <a:r>
+                        <a:rPr lang="en-US" sz="1800" dirty="0">
+                          <a:solidFill>
+                            <a:srgbClr val="00B050"/>
+                          </a:solidFill>
+                        </a:rPr>
+                        <a:t>8.37%</a:t>
+                      </a:r>
+                    </a:p>
+                  </a:txBody>
+                  <a:tcPr/>
+                </a:tc>
+                <a:tc>
+                  <a:txBody>
+                    <a:bodyPr/>
+                    <a:lstStyle/>
+                    <a:p>
+                      <a:pPr algn="ctr"/>
+                      <a:r>
+                        <a:rPr lang="en-US" sz="1800" dirty="0">
+                          <a:solidFill>
+                            <a:srgbClr val="00B050"/>
+                          </a:solidFill>
+                        </a:rPr>
+                        <a:t>$81.58</a:t>
+                      </a:r>
+                    </a:p>
+                  </a:txBody>
+                  <a:tcPr/>
+                </a:tc>
+                <a:tc>
+                  <a:txBody>
+                    <a:bodyPr/>
+                    <a:lstStyle/>
+                    <a:p>
+                      <a:pPr algn="ctr"/>
+                      <a:r>
+                        <a:rPr lang="en-US" sz="1800" dirty="0">
+                          <a:solidFill>
+                            <a:srgbClr val="00B050"/>
+                          </a:solidFill>
+                        </a:rPr>
+                        <a:t>BUY</a:t>
+                      </a:r>
+                    </a:p>
+                  </a:txBody>
+                  <a:tcPr/>
+                </a:tc>
+                <a:extLst>
+                  <a:ext uri="{0D108BD9-81ED-4DB2-BD59-A6C34878D82A}">
+                    <a16:rowId xmlns:a16="http://schemas.microsoft.com/office/drawing/2014/main" val="3165529868"/>
+                  </a:ext>
+                </a:extLst>
+              </a:tr>
+              <a:tr h="370840">
+                <a:tc>
+                  <a:txBody>
+                    <a:bodyPr/>
+                    <a:lstStyle/>
+                    <a:p>
+                      <a:pPr algn="r"/>
+                      <a:r>
+                        <a:rPr lang="en-US" sz="1800" dirty="0">
+                          <a:solidFill>
+                            <a:srgbClr val="00B050"/>
+                          </a:solidFill>
+                        </a:rPr>
+                        <a:t>14746</a:t>
+                      </a:r>
+                    </a:p>
+                  </a:txBody>
+                  <a:tcPr/>
+                </a:tc>
+                <a:tc>
+                  <a:txBody>
+                    <a:bodyPr/>
+                    <a:lstStyle/>
+                    <a:p>
+                      <a:pPr algn="ctr"/>
+                      <a:r>
+                        <a:rPr lang="en-US" sz="1800" dirty="0">
+                          <a:solidFill>
+                            <a:srgbClr val="00B050"/>
+                          </a:solidFill>
+                        </a:rPr>
+                        <a:t>8</a:t>
+                      </a:r>
+                    </a:p>
+                  </a:txBody>
+                  <a:tcPr/>
+                </a:tc>
+                <a:tc>
+                  <a:txBody>
+                    <a:bodyPr/>
+                    <a:lstStyle/>
+                    <a:p>
+                      <a:pPr algn="ctr"/>
+                      <a:r>
+                        <a:rPr lang="en-US" sz="1800" dirty="0">
+                          <a:solidFill>
+                            <a:srgbClr val="00B050"/>
+                          </a:solidFill>
+                        </a:rPr>
+                        <a:t>10.25%</a:t>
+                      </a:r>
+                    </a:p>
+                  </a:txBody>
+                  <a:tcPr/>
+                </a:tc>
+                <a:tc>
+                  <a:txBody>
+                    <a:bodyPr/>
+                    <a:lstStyle/>
+                    <a:p>
+                      <a:pPr algn="ctr"/>
+                      <a:r>
+                        <a:rPr lang="en-US" sz="1800" dirty="0">
+                          <a:solidFill>
+                            <a:srgbClr val="00B050"/>
+                          </a:solidFill>
+                        </a:rPr>
+                        <a:t>$58.22</a:t>
+                      </a:r>
+                    </a:p>
+                  </a:txBody>
+                  <a:tcPr/>
+                </a:tc>
+                <a:tc>
+                  <a:txBody>
+                    <a:bodyPr/>
+                    <a:lstStyle/>
+                    <a:p>
+                      <a:pPr algn="ctr"/>
+                      <a:r>
+                        <a:rPr lang="en-US" sz="1800" dirty="0">
+                          <a:solidFill>
+                            <a:srgbClr val="00B050"/>
+                          </a:solidFill>
+                        </a:rPr>
+                        <a:t>BUY</a:t>
+                      </a:r>
+                    </a:p>
+                  </a:txBody>
+                  <a:tcPr/>
+                </a:tc>
+                <a:extLst>
+                  <a:ext uri="{0D108BD9-81ED-4DB2-BD59-A6C34878D82A}">
+                    <a16:rowId xmlns:a16="http://schemas.microsoft.com/office/drawing/2014/main" val="617713017"/>
+                  </a:ext>
+                </a:extLst>
+              </a:tr>
+              <a:tr h="370840">
+                <a:tc>
+                  <a:txBody>
+                    <a:bodyPr/>
+                    <a:lstStyle/>
+                    <a:p>
+                      <a:pPr algn="r"/>
+                      <a:r>
+                        <a:rPr lang="en-US" sz="1800" dirty="0">
+                          <a:solidFill>
+                            <a:srgbClr val="00B050"/>
+                          </a:solidFill>
+                        </a:rPr>
+                        <a:t>13554</a:t>
+                      </a:r>
+                    </a:p>
+                  </a:txBody>
+                  <a:tcPr/>
+                </a:tc>
+                <a:tc>
+                  <a:txBody>
+                    <a:bodyPr/>
+                    <a:lstStyle/>
+                    <a:p>
+                      <a:pPr algn="ctr"/>
+                      <a:r>
+                        <a:rPr lang="en-US" sz="1800" dirty="0">
+                          <a:solidFill>
+                            <a:srgbClr val="00B050"/>
+                          </a:solidFill>
+                        </a:rPr>
+                        <a:t>9</a:t>
+                      </a:r>
+                    </a:p>
+                  </a:txBody>
+                  <a:tcPr/>
+                </a:tc>
+                <a:tc>
+                  <a:txBody>
+                    <a:bodyPr/>
+                    <a:lstStyle/>
+                    <a:p>
+                      <a:pPr algn="ctr"/>
+                      <a:r>
+                        <a:rPr lang="en-US" sz="1800" dirty="0">
+                          <a:solidFill>
+                            <a:srgbClr val="00B050"/>
+                          </a:solidFill>
+                        </a:rPr>
+                        <a:t>4.39%</a:t>
+                      </a:r>
+                    </a:p>
+                  </a:txBody>
+                  <a:tcPr/>
+                </a:tc>
+                <a:tc>
+                  <a:txBody>
+                    <a:bodyPr/>
+                    <a:lstStyle/>
+                    <a:p>
+                      <a:pPr algn="ctr"/>
+                      <a:r>
+                        <a:rPr lang="en-US" sz="1800" dirty="0">
+                          <a:solidFill>
+                            <a:srgbClr val="00B050"/>
+                          </a:solidFill>
+                        </a:rPr>
+                        <a:t>$72.17</a:t>
+                      </a:r>
+                    </a:p>
+                  </a:txBody>
+                  <a:tcPr/>
+                </a:tc>
+                <a:tc>
+                  <a:txBody>
+                    <a:bodyPr/>
+                    <a:lstStyle/>
+                    <a:p>
+                      <a:pPr algn="ctr"/>
+                      <a:r>
+                        <a:rPr lang="en-US" sz="1800" dirty="0">
+                          <a:solidFill>
+                            <a:srgbClr val="00B050"/>
+                          </a:solidFill>
+                        </a:rPr>
+                        <a:t>BUY</a:t>
+                      </a:r>
+                    </a:p>
+                  </a:txBody>
+                  <a:tcPr/>
+                </a:tc>
+                <a:extLst>
+                  <a:ext uri="{0D108BD9-81ED-4DB2-BD59-A6C34878D82A}">
+                    <a16:rowId xmlns:a16="http://schemas.microsoft.com/office/drawing/2014/main" val="2604614677"/>
+                  </a:ext>
+                </a:extLst>
+              </a:tr>
+              <a:tr h="370840">
+                <a:tc>
+                  <a:txBody>
+                    <a:bodyPr/>
+                    <a:lstStyle/>
+                    <a:p>
+                      <a:pPr algn="r"/>
+                      <a:r>
+                        <a:rPr lang="en-US" sz="1800" dirty="0">
+                          <a:solidFill>
+                            <a:srgbClr val="00B050"/>
+                          </a:solidFill>
+                        </a:rPr>
+                        <a:t>18302</a:t>
+                      </a:r>
+                    </a:p>
+                  </a:txBody>
+                  <a:tcPr/>
+                </a:tc>
+                <a:tc>
+                  <a:txBody>
+                    <a:bodyPr/>
+                    <a:lstStyle/>
+                    <a:p>
+                      <a:pPr algn="ctr"/>
+                      <a:r>
+                        <a:rPr lang="en-US" sz="1800" dirty="0">
+                          <a:solidFill>
+                            <a:srgbClr val="00B050"/>
+                          </a:solidFill>
+                        </a:rPr>
+                        <a:t>10</a:t>
+                      </a:r>
+                    </a:p>
+                  </a:txBody>
+                  <a:tcPr/>
+                </a:tc>
+                <a:tc>
+                  <a:txBody>
+                    <a:bodyPr/>
+                    <a:lstStyle/>
+                    <a:p>
+                      <a:pPr algn="ctr"/>
+                      <a:r>
+                        <a:rPr lang="en-US" sz="1800" dirty="0">
+                          <a:solidFill>
+                            <a:srgbClr val="00B050"/>
+                          </a:solidFill>
+                        </a:rPr>
+                        <a:t>3.45%</a:t>
+                      </a:r>
+                    </a:p>
+                  </a:txBody>
+                  <a:tcPr/>
+                </a:tc>
+                <a:tc>
+                  <a:txBody>
+                    <a:bodyPr/>
+                    <a:lstStyle/>
+                    <a:p>
+                      <a:pPr algn="ctr"/>
+                      <a:r>
+                        <a:rPr lang="en-US" sz="1800" dirty="0">
+                          <a:solidFill>
+                            <a:srgbClr val="00B050"/>
+                          </a:solidFill>
+                        </a:rPr>
+                        <a:t>$7.26</a:t>
+                      </a:r>
+                    </a:p>
+                  </a:txBody>
+                  <a:tcPr/>
+                </a:tc>
+                <a:tc>
+                  <a:txBody>
+                    <a:bodyPr/>
+                    <a:lstStyle/>
+                    <a:p>
+                      <a:pPr algn="ctr"/>
+                      <a:r>
+                        <a:rPr lang="en-US" sz="1800" dirty="0">
+                          <a:solidFill>
+                            <a:srgbClr val="00B050"/>
+                          </a:solidFill>
+                        </a:rPr>
+                        <a:t>BUY</a:t>
+                      </a:r>
+                    </a:p>
+                  </a:txBody>
+                  <a:tcPr/>
+                </a:tc>
+                <a:extLst>
+                  <a:ext uri="{0D108BD9-81ED-4DB2-BD59-A6C34878D82A}">
+                    <a16:rowId xmlns:a16="http://schemas.microsoft.com/office/drawing/2014/main" val="2059738791"/>
+                  </a:ext>
+                </a:extLst>
+              </a:tr>
+              <a:tr h="370840">
+                <a:tc>
+                  <a:txBody>
+                    <a:bodyPr/>
+                    <a:lstStyle/>
+                    <a:p>
+                      <a:pPr algn="r"/>
+                      <a:r>
+                        <a:rPr lang="en-US" sz="1800" dirty="0">
+                          <a:solidFill>
+                            <a:schemeClr val="bg2"/>
+                          </a:solidFill>
+                        </a:rPr>
+                        <a:t>6760</a:t>
+                      </a:r>
+                    </a:p>
+                  </a:txBody>
+                  <a:tcPr/>
+                </a:tc>
+                <a:tc>
+                  <a:txBody>
+                    <a:bodyPr/>
+                    <a:lstStyle/>
+                    <a:p>
+                      <a:pPr algn="ctr"/>
+                      <a:r>
+                        <a:rPr lang="en-US" sz="1800" dirty="0">
+                          <a:solidFill>
+                            <a:schemeClr val="bg2"/>
+                          </a:solidFill>
+                        </a:rPr>
+                        <a:t>3</a:t>
+                      </a:r>
+                    </a:p>
+                  </a:txBody>
+                  <a:tcPr/>
+                </a:tc>
+                <a:tc>
+                  <a:txBody>
+                    <a:bodyPr/>
+                    <a:lstStyle/>
+                    <a:p>
+                      <a:pPr algn="ctr"/>
+                      <a:r>
+                        <a:rPr lang="en-US" sz="1800" dirty="0">
+                          <a:solidFill>
+                            <a:schemeClr val="bg2"/>
+                          </a:solidFill>
+                        </a:rPr>
+                        <a:t>-5.35%</a:t>
+                      </a:r>
+                    </a:p>
+                  </a:txBody>
+                  <a:tcPr/>
+                </a:tc>
+                <a:tc>
+                  <a:txBody>
+                    <a:bodyPr/>
+                    <a:lstStyle/>
+                    <a:p>
+                      <a:pPr algn="ctr"/>
+                      <a:r>
+                        <a:rPr lang="en-US" sz="1800" dirty="0">
+                          <a:solidFill>
+                            <a:schemeClr val="bg2"/>
+                          </a:solidFill>
+                        </a:rPr>
+                        <a:t>$3.58</a:t>
+                      </a:r>
+                    </a:p>
+                  </a:txBody>
+                  <a:tcPr/>
+                </a:tc>
+                <a:tc>
+                  <a:txBody>
+                    <a:bodyPr/>
+                    <a:lstStyle/>
+                    <a:p>
+                      <a:pPr algn="ctr"/>
+                      <a:r>
+                        <a:rPr lang="en-US" sz="1800" dirty="0">
+                          <a:solidFill>
+                            <a:schemeClr val="bg2"/>
+                          </a:solidFill>
+                        </a:rPr>
+                        <a:t>HOLD</a:t>
+                      </a:r>
+                    </a:p>
+                  </a:txBody>
+                  <a:tcPr/>
+                </a:tc>
+                <a:extLst>
+                  <a:ext uri="{0D108BD9-81ED-4DB2-BD59-A6C34878D82A}">
+                    <a16:rowId xmlns:a16="http://schemas.microsoft.com/office/drawing/2014/main" val="2770370416"/>
+                  </a:ext>
+                </a:extLst>
+              </a:tr>
+              <a:tr h="370840">
+                <a:tc>
+                  <a:txBody>
+                    <a:bodyPr/>
+                    <a:lstStyle/>
+                    <a:p>
+                      <a:pPr algn="r"/>
+                      <a:r>
+                        <a:rPr lang="en-US" sz="1800" dirty="0">
+                          <a:solidFill>
+                            <a:schemeClr val="bg2"/>
+                          </a:solidFill>
+                        </a:rPr>
+                        <a:t>17272</a:t>
+                      </a:r>
+                    </a:p>
+                  </a:txBody>
+                  <a:tcPr/>
+                </a:tc>
+                <a:tc>
+                  <a:txBody>
+                    <a:bodyPr/>
+                    <a:lstStyle/>
+                    <a:p>
+                      <a:pPr algn="ctr"/>
+                      <a:r>
+                        <a:rPr lang="en-US" sz="1800" dirty="0">
+                          <a:solidFill>
+                            <a:schemeClr val="bg2"/>
+                          </a:solidFill>
+                        </a:rPr>
+                        <a:t>4</a:t>
+                      </a:r>
+                    </a:p>
+                  </a:txBody>
+                  <a:tcPr/>
+                </a:tc>
+                <a:tc>
+                  <a:txBody>
+                    <a:bodyPr/>
+                    <a:lstStyle/>
+                    <a:p>
+                      <a:pPr algn="ctr"/>
+                      <a:r>
+                        <a:rPr lang="en-US" sz="1800" dirty="0">
+                          <a:solidFill>
+                            <a:schemeClr val="bg2"/>
+                          </a:solidFill>
+                        </a:rPr>
+                        <a:t>-10.71%</a:t>
+                      </a:r>
+                    </a:p>
+                  </a:txBody>
+                  <a:tcPr/>
+                </a:tc>
+                <a:tc>
+                  <a:txBody>
+                    <a:bodyPr/>
+                    <a:lstStyle/>
+                    <a:p>
+                      <a:pPr algn="ctr"/>
+                      <a:r>
+                        <a:rPr lang="en-US" sz="1800" dirty="0">
+                          <a:solidFill>
+                            <a:schemeClr val="bg2"/>
+                          </a:solidFill>
+                        </a:rPr>
+                        <a:t>$10.92</a:t>
+                      </a:r>
+                    </a:p>
+                  </a:txBody>
+                  <a:tcPr/>
+                </a:tc>
+                <a:tc>
+                  <a:txBody>
+                    <a:bodyPr/>
+                    <a:lstStyle/>
+                    <a:p>
+                      <a:pPr algn="ctr"/>
+                      <a:r>
+                        <a:rPr lang="en-US" sz="1800" dirty="0">
+                          <a:solidFill>
+                            <a:schemeClr val="bg2"/>
+                          </a:solidFill>
+                        </a:rPr>
+                        <a:t>HOLD</a:t>
+                      </a:r>
+                    </a:p>
+                  </a:txBody>
+                  <a:tcPr/>
+                </a:tc>
+                <a:extLst>
+                  <a:ext uri="{0D108BD9-81ED-4DB2-BD59-A6C34878D82A}">
+                    <a16:rowId xmlns:a16="http://schemas.microsoft.com/office/drawing/2014/main" val="826506318"/>
+                  </a:ext>
+                </a:extLst>
+              </a:tr>
+              <a:tr h="370840">
+                <a:tc>
+                  <a:txBody>
+                    <a:bodyPr/>
+                    <a:lstStyle/>
+                    <a:p>
+                      <a:pPr algn="r"/>
+                      <a:r>
+                        <a:rPr lang="en-US" sz="1800" dirty="0">
+                          <a:solidFill>
+                            <a:schemeClr val="bg2"/>
+                          </a:solidFill>
+                        </a:rPr>
+                        <a:t>7134</a:t>
+                      </a:r>
+                    </a:p>
+                  </a:txBody>
+                  <a:tcPr/>
+                </a:tc>
+                <a:tc>
+                  <a:txBody>
+                    <a:bodyPr/>
+                    <a:lstStyle/>
+                    <a:p>
+                      <a:pPr algn="ctr"/>
+                      <a:r>
+                        <a:rPr lang="en-US" sz="1800" dirty="0">
+                          <a:solidFill>
+                            <a:schemeClr val="bg2"/>
+                          </a:solidFill>
+                        </a:rPr>
+                        <a:t>5</a:t>
+                      </a:r>
+                    </a:p>
+                  </a:txBody>
+                  <a:tcPr/>
+                </a:tc>
+                <a:tc>
+                  <a:txBody>
+                    <a:bodyPr/>
+                    <a:lstStyle/>
+                    <a:p>
+                      <a:pPr algn="ctr"/>
+                      <a:r>
+                        <a:rPr lang="en-US" sz="1800" dirty="0">
+                          <a:solidFill>
+                            <a:schemeClr val="bg2"/>
+                          </a:solidFill>
+                        </a:rPr>
+                        <a:t>-52.25%</a:t>
+                      </a:r>
+                    </a:p>
+                  </a:txBody>
+                  <a:tcPr/>
+                </a:tc>
+                <a:tc>
+                  <a:txBody>
+                    <a:bodyPr/>
+                    <a:lstStyle/>
+                    <a:p>
+                      <a:pPr algn="ctr"/>
+                      <a:r>
+                        <a:rPr lang="en-US" sz="1800" dirty="0">
+                          <a:solidFill>
+                            <a:schemeClr val="bg2"/>
+                          </a:solidFill>
+                        </a:rPr>
+                        <a:t>$6.01</a:t>
+                      </a:r>
+                    </a:p>
+                  </a:txBody>
+                  <a:tcPr/>
+                </a:tc>
+                <a:tc>
+                  <a:txBody>
+                    <a:bodyPr/>
+                    <a:lstStyle/>
+                    <a:p>
+                      <a:pPr algn="ctr"/>
+                      <a:r>
+                        <a:rPr lang="en-US" sz="1800" dirty="0">
+                          <a:solidFill>
+                            <a:schemeClr val="bg2"/>
+                          </a:solidFill>
+                        </a:rPr>
+                        <a:t>HOLD</a:t>
+                      </a:r>
+                    </a:p>
+                  </a:txBody>
+                  <a:tcPr/>
+                </a:tc>
+                <a:extLst>
+                  <a:ext uri="{0D108BD9-81ED-4DB2-BD59-A6C34878D82A}">
+                    <a16:rowId xmlns:a16="http://schemas.microsoft.com/office/drawing/2014/main" val="4273571826"/>
+                  </a:ext>
+                </a:extLst>
+              </a:tr>
+              <a:tr h="370840">
+                <a:tc>
+                  <a:txBody>
+                    <a:bodyPr/>
+                    <a:lstStyle/>
+                    <a:p>
+                      <a:pPr algn="r"/>
+                      <a:r>
+                        <a:rPr lang="en-US" sz="1800" dirty="0">
+                          <a:solidFill>
+                            <a:schemeClr val="bg2"/>
+                          </a:solidFill>
+                        </a:rPr>
+                        <a:t>343</a:t>
+                      </a:r>
+                    </a:p>
+                  </a:txBody>
+                  <a:tcPr/>
+                </a:tc>
+                <a:tc>
+                  <a:txBody>
+                    <a:bodyPr/>
+                    <a:lstStyle/>
+                    <a:p>
+                      <a:pPr algn="ctr"/>
+                      <a:r>
+                        <a:rPr lang="en-US" sz="1800" dirty="0">
+                          <a:solidFill>
+                            <a:schemeClr val="bg2"/>
+                          </a:solidFill>
+                        </a:rPr>
+                        <a:t>6</a:t>
+                      </a:r>
+                    </a:p>
+                  </a:txBody>
+                  <a:tcPr/>
+                </a:tc>
+                <a:tc>
+                  <a:txBody>
+                    <a:bodyPr/>
+                    <a:lstStyle/>
+                    <a:p>
+                      <a:pPr algn="ctr"/>
+                      <a:r>
+                        <a:rPr lang="en-US" sz="1800" dirty="0">
+                          <a:solidFill>
+                            <a:schemeClr val="bg2"/>
+                          </a:solidFill>
+                        </a:rPr>
+                        <a:t>-1.31%</a:t>
+                      </a:r>
+                    </a:p>
+                  </a:txBody>
+                  <a:tcPr/>
+                </a:tc>
+                <a:tc>
+                  <a:txBody>
+                    <a:bodyPr/>
+                    <a:lstStyle/>
+                    <a:p>
+                      <a:pPr algn="ctr"/>
+                      <a:r>
+                        <a:rPr lang="en-US" sz="1800" dirty="0">
+                          <a:solidFill>
+                            <a:schemeClr val="bg2"/>
+                          </a:solidFill>
+                        </a:rPr>
+                        <a:t>$0.37</a:t>
+                      </a:r>
+                    </a:p>
+                  </a:txBody>
+                  <a:tcPr/>
+                </a:tc>
+                <a:tc>
+                  <a:txBody>
+                    <a:bodyPr/>
+                    <a:lstStyle/>
+                    <a:p>
+                      <a:pPr algn="ctr"/>
+                      <a:r>
+                        <a:rPr lang="en-US" sz="1800" dirty="0">
+                          <a:solidFill>
+                            <a:schemeClr val="bg2"/>
+                          </a:solidFill>
+                        </a:rPr>
+                        <a:t>HOLD</a:t>
+                      </a:r>
+                    </a:p>
+                  </a:txBody>
+                  <a:tcPr/>
+                </a:tc>
+                <a:extLst>
+                  <a:ext uri="{0D108BD9-81ED-4DB2-BD59-A6C34878D82A}">
+                    <a16:rowId xmlns:a16="http://schemas.microsoft.com/office/drawing/2014/main" val="3222164127"/>
+                  </a:ext>
+                </a:extLst>
+              </a:tr>
+              <a:tr h="370840">
+                <a:tc>
+                  <a:txBody>
+                    <a:bodyPr/>
+                    <a:lstStyle/>
+                    <a:p>
+                      <a:pPr algn="r"/>
+                      <a:r>
+                        <a:rPr lang="en-US" sz="1800" dirty="0">
+                          <a:solidFill>
+                            <a:schemeClr val="bg2"/>
+                          </a:solidFill>
+                        </a:rPr>
+                        <a:t>9074</a:t>
+                      </a:r>
+                    </a:p>
+                  </a:txBody>
+                  <a:tcPr/>
+                </a:tc>
+                <a:tc>
+                  <a:txBody>
+                    <a:bodyPr/>
+                    <a:lstStyle/>
+                    <a:p>
+                      <a:pPr algn="ctr"/>
+                      <a:r>
+                        <a:rPr lang="en-US" sz="1800" dirty="0">
+                          <a:solidFill>
+                            <a:schemeClr val="bg2"/>
+                          </a:solidFill>
+                        </a:rPr>
+                        <a:t>7</a:t>
+                      </a:r>
+                    </a:p>
+                  </a:txBody>
+                  <a:tcPr/>
+                </a:tc>
+                <a:tc>
+                  <a:txBody>
+                    <a:bodyPr/>
+                    <a:lstStyle/>
+                    <a:p>
+                      <a:pPr algn="ctr"/>
+                      <a:r>
+                        <a:rPr lang="en-US" sz="1800" dirty="0">
+                          <a:solidFill>
+                            <a:schemeClr val="bg2"/>
+                          </a:solidFill>
+                        </a:rPr>
+                        <a:t>-5.32%</a:t>
+                      </a:r>
+                    </a:p>
+                  </a:txBody>
+                  <a:tcPr/>
+                </a:tc>
+                <a:tc>
+                  <a:txBody>
+                    <a:bodyPr/>
+                    <a:lstStyle/>
+                    <a:p>
+                      <a:pPr algn="ctr"/>
+                      <a:r>
+                        <a:rPr lang="en-US" sz="1800" dirty="0">
+                          <a:solidFill>
+                            <a:schemeClr val="bg2"/>
+                          </a:solidFill>
+                        </a:rPr>
+                        <a:t>$0.24</a:t>
+                      </a:r>
+                    </a:p>
+                  </a:txBody>
+                  <a:tcPr/>
+                </a:tc>
+                <a:tc>
+                  <a:txBody>
+                    <a:bodyPr/>
+                    <a:lstStyle/>
+                    <a:p>
+                      <a:pPr algn="ctr"/>
+                      <a:r>
+                        <a:rPr lang="en-US" sz="1800" dirty="0">
+                          <a:solidFill>
+                            <a:schemeClr val="bg2"/>
+                          </a:solidFill>
+                        </a:rPr>
+                        <a:t>HOLD</a:t>
+                      </a:r>
+                    </a:p>
+                  </a:txBody>
+                  <a:tcPr/>
+                </a:tc>
+                <a:extLst>
+                  <a:ext uri="{0D108BD9-81ED-4DB2-BD59-A6C34878D82A}">
+                    <a16:rowId xmlns:a16="http://schemas.microsoft.com/office/drawing/2014/main" val="1076569605"/>
+                  </a:ext>
+                </a:extLst>
+              </a:tr>
+            </a:tbl>
+          </a:graphicData>
+        </a:graphic>
+      </p:graphicFrame>
+    </p:spTree>
+    <p:extLst>
+      <p:ext uri="{BB962C8B-B14F-4D97-AF65-F5344CB8AC3E}">
+        <p14:creationId xmlns:p14="http://schemas.microsoft.com/office/powerpoint/2010/main" val="2879547870"/>
+      </p:ext>
+    </p:extLst>
+  </p:cSld>
+  <p:clrMapOvr>
+    <a:masterClrMapping/>
+  </p:clrMapOvr>
+  <mc:AlternateContent xmlns:mc="http://schemas.openxmlformats.org/markup-compatibility/2006" xmlns:p14="http://schemas.microsoft.com/office/powerpoint/2010/main">
+    <mc:Choice Requires="p14">
+      <p:transition spd="med" p14:dur="700">
+        <p:fade/>
+      </p:transition>
+    </mc:Choice>
+    <mc:Fallback xmlns="">
+      <p:transition spd="med">
+        <p:fade/>
+      </p:transition>
+    </mc:Fallback>
+  </mc:AlternateContent>
+</p:sld>
+</file>
+
+<file path=ppt/slides/slide7.xml><?xml version="1.0" encoding="utf-8"?>
+<p:sld xmlns:a="http://schemas.openxmlformats.org/drawingml/2006/main" xmlns:r="http://schemas.openxmlformats.org/officeDocument/2006/relationships" xmlns:p="http://schemas.openxmlformats.org/presentationml/2006/main">
+  <p:cSld>
+    <p:spTree>
+      <p:nvGrpSpPr>
+        <p:cNvPr id="1" name=""/>
+        <p:cNvGrpSpPr/>
+        <p:nvPr/>
+      </p:nvGrpSpPr>
+      <p:grpSpPr>
+        <a:xfrm>
+          <a:off x="0" y="0"/>
+          <a:ext cx="0" cy="0"/>
+          <a:chOff x="0" y="0"/>
+          <a:chExt cx="0" cy="0"/>
+        </a:xfrm>
+      </p:grpSpPr>
+      <p:sp>
+        <p:nvSpPr>
+          <p:cNvPr id="13" name="Title 12"/>
+          <p:cNvSpPr>
+            <a:spLocks noGrp="1"/>
+          </p:cNvSpPr>
+          <p:nvPr>
+            <p:ph type="title"/>
+          </p:nvPr>
+        </p:nvSpPr>
+        <p:spPr>
+          <a:xfrm>
+            <a:off x="455612" y="325967"/>
+            <a:ext cx="9144001" cy="685800"/>
+          </a:xfrm>
+        </p:spPr>
+        <p:txBody>
+          <a:bodyPr>
+            <a:normAutofit/>
+          </a:bodyPr>
+          <a:lstStyle/>
+          <a:p>
+            <a:r>
+              <a:rPr lang="en-US" dirty="0"/>
+              <a:t>Conclusion and Next Steps</a:t>
+            </a:r>
+          </a:p>
+        </p:txBody>
+      </p:sp>
+      <p:sp>
+        <p:nvSpPr>
+          <p:cNvPr id="32" name="Content Placeholder 13">
+            <a:extLst>
+              <a:ext uri="{FF2B5EF4-FFF2-40B4-BE49-F238E27FC236}">
+                <a16:creationId xmlns:a16="http://schemas.microsoft.com/office/drawing/2014/main" id="{D591E704-EFB5-484A-A204-7080FCE63F6A}"/>
+              </a:ext>
+            </a:extLst>
+          </p:cNvPr>
+          <p:cNvSpPr txBox="1">
+            <a:spLocks/>
+          </p:cNvSpPr>
+          <p:nvPr/>
+        </p:nvSpPr>
+        <p:spPr>
+          <a:xfrm>
+            <a:off x="7382935" y="1508365"/>
+            <a:ext cx="4350278" cy="3384069"/>
+          </a:xfrm>
+          <a:prstGeom prst="rect">
+            <a:avLst/>
+          </a:prstGeom>
+        </p:spPr>
+        <p:txBody>
+          <a:bodyPr vert="horz" lIns="91440" tIns="45720" rIns="91440" bIns="45720" rtlCol="0">
+            <a:noAutofit/>
+          </a:bodyPr>
+          <a:lstStyle>
+            <a:lvl1pPr marL="223838" indent="-223838" algn="l" defTabSz="914400" rtl="0" eaLnBrk="1" latinLnBrk="0" hangingPunct="1">
+              <a:lnSpc>
+                <a:spcPct val="90000"/>
+              </a:lnSpc>
+              <a:spcBef>
+                <a:spcPts val="1800"/>
+              </a:spcBef>
+              <a:buClr>
+                <a:schemeClr val="accent1"/>
+              </a:buClr>
+              <a:buSzPct val="100000"/>
+              <a:buFont typeface="Arial" pitchFamily="34" charset="0"/>
+              <a:buChar char="•"/>
+              <a:defRPr sz="2400" kern="1200">
+                <a:solidFill>
+                  <a:schemeClr val="tx1"/>
+                </a:solidFill>
+                <a:latin typeface="+mn-lt"/>
+                <a:ea typeface="+mn-ea"/>
+                <a:cs typeface="+mn-cs"/>
+              </a:defRPr>
+            </a:lvl1pPr>
+            <a:lvl2pPr marL="463550" indent="-231775" algn="l" defTabSz="914400" rtl="0" eaLnBrk="1" latinLnBrk="0" hangingPunct="1">
+              <a:lnSpc>
+                <a:spcPct val="90000"/>
+              </a:lnSpc>
+              <a:spcBef>
+                <a:spcPts val="1200"/>
+              </a:spcBef>
+              <a:buClr>
+                <a:schemeClr val="accent1"/>
+              </a:buClr>
+              <a:buSzPct val="100000"/>
+              <a:buFont typeface="Arial" pitchFamily="34" charset="0"/>
+              <a:buChar char="•"/>
+              <a:defRPr sz="2000" kern="1200">
+                <a:solidFill>
+                  <a:schemeClr val="tx1"/>
+                </a:solidFill>
+                <a:latin typeface="+mn-lt"/>
+                <a:ea typeface="+mn-ea"/>
+                <a:cs typeface="+mn-cs"/>
+              </a:defRPr>
+            </a:lvl2pPr>
+            <a:lvl3pPr marL="682625" indent="-219075" algn="l" defTabSz="914400" rtl="0" eaLnBrk="1" latinLnBrk="0" hangingPunct="1">
+              <a:lnSpc>
+                <a:spcPct val="90000"/>
+              </a:lnSpc>
+              <a:spcBef>
+                <a:spcPts val="600"/>
+              </a:spcBef>
+              <a:buClr>
+                <a:schemeClr val="accent1"/>
+              </a:buClr>
+              <a:buSzPct val="100000"/>
+              <a:buFont typeface="Arial" pitchFamily="34" charset="0"/>
+              <a:buChar char="•"/>
+              <a:defRPr sz="1800" kern="1200">
+                <a:solidFill>
+                  <a:schemeClr val="tx1"/>
+                </a:solidFill>
+                <a:latin typeface="+mn-lt"/>
+                <a:ea typeface="+mn-ea"/>
+                <a:cs typeface="+mn-cs"/>
+              </a:defRPr>
+            </a:lvl3pPr>
+            <a:lvl4pPr marL="857250" indent="-174625" algn="l" defTabSz="914400" rtl="0" eaLnBrk="1" latinLnBrk="0" hangingPunct="1">
+              <a:lnSpc>
+                <a:spcPct val="90000"/>
+              </a:lnSpc>
+              <a:spcBef>
+                <a:spcPts val="600"/>
+              </a:spcBef>
+              <a:buClr>
+                <a:schemeClr val="accent1"/>
+              </a:buClr>
+              <a:buSzPct val="100000"/>
+              <a:buFont typeface="Arial" pitchFamily="34" charset="0"/>
+              <a:buChar char="•"/>
+              <a:defRPr sz="1600" kern="1200">
+                <a:solidFill>
+                  <a:schemeClr val="tx1"/>
+                </a:solidFill>
+                <a:latin typeface="+mn-lt"/>
+                <a:ea typeface="+mn-ea"/>
+                <a:cs typeface="+mn-cs"/>
+              </a:defRPr>
+            </a:lvl4pPr>
+            <a:lvl5pPr marL="1030288" indent="-173038" algn="l" defTabSz="914400" rtl="0" eaLnBrk="1" latinLnBrk="0" hangingPunct="1">
+              <a:lnSpc>
+                <a:spcPct val="90000"/>
+              </a:lnSpc>
+              <a:spcBef>
+                <a:spcPts val="600"/>
+              </a:spcBef>
+              <a:buClr>
+                <a:schemeClr val="accent1"/>
+              </a:buClr>
+              <a:buSzPct val="100000"/>
+              <a:buFont typeface="Arial" pitchFamily="34" charset="0"/>
+              <a:buChar char="•"/>
+              <a:defRPr sz="1600" kern="1200">
+                <a:solidFill>
+                  <a:schemeClr val="tx1"/>
+                </a:solidFill>
+                <a:latin typeface="+mn-lt"/>
+                <a:ea typeface="+mn-ea"/>
+                <a:cs typeface="+mn-cs"/>
+              </a:defRPr>
+            </a:lvl5pPr>
+            <a:lvl6pPr marL="1207008" indent="-173736" algn="l" defTabSz="914400" rtl="0" eaLnBrk="1" latinLnBrk="0" hangingPunct="1">
+              <a:spcBef>
+                <a:spcPts val="600"/>
+              </a:spcBef>
+              <a:buClr>
+                <a:schemeClr val="accent1"/>
+              </a:buClr>
+              <a:buFont typeface="Arial" pitchFamily="34" charset="0"/>
+              <a:buChar char="•"/>
+              <a:defRPr sz="1600" kern="1200">
+                <a:solidFill>
+                  <a:schemeClr val="tx1"/>
+                </a:solidFill>
+                <a:latin typeface="+mn-lt"/>
+                <a:ea typeface="+mn-ea"/>
+                <a:cs typeface="+mn-cs"/>
+              </a:defRPr>
+            </a:lvl6pPr>
+            <a:lvl7pPr marL="1380744" indent="-173736" algn="l" defTabSz="914400" rtl="0" eaLnBrk="1" latinLnBrk="0" hangingPunct="1">
+              <a:spcBef>
+                <a:spcPts val="600"/>
+              </a:spcBef>
+              <a:buClr>
+                <a:schemeClr val="accent1"/>
+              </a:buClr>
+              <a:buFont typeface="Arial" pitchFamily="34" charset="0"/>
+              <a:buChar char="•"/>
+              <a:defRPr sz="1600" kern="1200">
+                <a:solidFill>
+                  <a:schemeClr val="tx1"/>
+                </a:solidFill>
+                <a:latin typeface="+mn-lt"/>
+                <a:ea typeface="+mn-ea"/>
+                <a:cs typeface="+mn-cs"/>
+              </a:defRPr>
+            </a:lvl7pPr>
+            <a:lvl8pPr marL="1554480" indent="-173736" algn="l" defTabSz="914400" rtl="0" eaLnBrk="1" latinLnBrk="0" hangingPunct="1">
+              <a:spcBef>
+                <a:spcPts val="600"/>
+              </a:spcBef>
+              <a:buClr>
+                <a:schemeClr val="accent1"/>
+              </a:buClr>
+              <a:buFont typeface="Arial" pitchFamily="34" charset="0"/>
+              <a:buChar char="•"/>
+              <a:defRPr sz="1600" kern="1200">
+                <a:solidFill>
+                  <a:schemeClr val="tx1"/>
+                </a:solidFill>
+                <a:latin typeface="+mn-lt"/>
+                <a:ea typeface="+mn-ea"/>
+                <a:cs typeface="+mn-cs"/>
+              </a:defRPr>
+            </a:lvl8pPr>
+            <a:lvl9pPr marL="1728216" indent="-173736" algn="l" defTabSz="914400" rtl="0" eaLnBrk="1" latinLnBrk="0" hangingPunct="1">
+              <a:spcBef>
+                <a:spcPts val="600"/>
+              </a:spcBef>
+              <a:buClr>
+                <a:schemeClr val="accent1"/>
+              </a:buClr>
+              <a:buFont typeface="Arial" pitchFamily="34" charset="0"/>
+              <a:buChar char="•"/>
+              <a:defRPr sz="1600" kern="1200">
+                <a:solidFill>
+                  <a:schemeClr val="tx1"/>
+                </a:solidFill>
+                <a:latin typeface="+mn-lt"/>
+                <a:ea typeface="+mn-ea"/>
+                <a:cs typeface="+mn-cs"/>
+              </a:defRPr>
+            </a:lvl9pPr>
+          </a:lstStyle>
           <a:p>
             <a:r>
               <a:rPr lang="en-US" sz="2200" dirty="0"/>
@@ -7538,7 +8682,7 @@
           <a:p>
             <a:r>
               <a:rPr lang="en-US" sz="2200" dirty="0"/>
-              <a:t>Model more  stocks to get a clearer view of smart buys of undervalued stocks</a:t>
+              <a:t>Model more  stocks to get a full view of smart buys of undervalued stocks</a:t>
             </a:r>
           </a:p>
           <a:p>
@@ -7673,7 +8817,7 @@
 </p:sld>
 </file>
 
-<file path=ppt/slides/slide7.xml><?xml version="1.0" encoding="utf-8"?>
+<file path=ppt/slides/slide8.xml><?xml version="1.0" encoding="utf-8"?>
 <p:sld xmlns:a="http://schemas.openxmlformats.org/drawingml/2006/main" xmlns:r="http://schemas.openxmlformats.org/officeDocument/2006/relationships" xmlns:p="http://schemas.openxmlformats.org/presentationml/2006/main">
   <p:cSld>
     <p:spTree>
@@ -7806,7 +8950,7 @@
 </p:sld>
 </file>
 
-<file path=ppt/slides/slide8.xml><?xml version="1.0" encoding="utf-8"?>
+<file path=ppt/slides/slide9.xml><?xml version="1.0" encoding="utf-8"?>
 <p:sld xmlns:a="http://schemas.openxmlformats.org/drawingml/2006/main" xmlns:r="http://schemas.openxmlformats.org/officeDocument/2006/relationships" xmlns:p="http://schemas.openxmlformats.org/presentationml/2006/main">
   <p:cSld>
     <p:spTree>
@@ -7863,188 +9007,6 @@
     <p:extLst>
       <p:ext uri="{BB962C8B-B14F-4D97-AF65-F5344CB8AC3E}">
         <p14:creationId xmlns:p14="http://schemas.microsoft.com/office/powerpoint/2010/main" val="134115279"/>
-      </p:ext>
-    </p:extLst>
-  </p:cSld>
-  <p:clrMapOvr>
-    <a:masterClrMapping/>
-  </p:clrMapOvr>
-  <mc:AlternateContent xmlns:mc="http://schemas.openxmlformats.org/markup-compatibility/2006" xmlns:p14="http://schemas.microsoft.com/office/powerpoint/2010/main">
-    <mc:Choice Requires="p14">
-      <p:transition spd="med" p14:dur="700">
-        <p:fade/>
-      </p:transition>
-    </mc:Choice>
-    <mc:Fallback xmlns="">
-      <p:transition spd="med">
-        <p:fade/>
-      </p:transition>
-    </mc:Fallback>
-  </mc:AlternateContent>
-</p:sld>
-</file>
-
-<file path=ppt/slides/slide9.xml><?xml version="1.0" encoding="utf-8"?>
-<p:sld xmlns:a="http://schemas.openxmlformats.org/drawingml/2006/main" xmlns:r="http://schemas.openxmlformats.org/officeDocument/2006/relationships" xmlns:p="http://schemas.openxmlformats.org/presentationml/2006/main">
-  <p:cSld>
-    <p:bg>
-      <p:bgPr>
-        <a:solidFill>
-          <a:schemeClr val="tx1"/>
-        </a:solidFill>
-        <a:effectLst/>
-      </p:bgPr>
-    </p:bg>
-    <p:spTree>
-      <p:nvGrpSpPr>
-        <p:cNvPr id="1" name=""/>
-        <p:cNvGrpSpPr/>
-        <p:nvPr/>
-      </p:nvGrpSpPr>
-      <p:grpSpPr>
-        <a:xfrm>
-          <a:off x="0" y="0"/>
-          <a:ext cx="0" cy="0"/>
-          <a:chOff x="0" y="0"/>
-          <a:chExt cx="0" cy="0"/>
-        </a:xfrm>
-      </p:grpSpPr>
-      <p:grpSp>
-        <p:nvGrpSpPr>
-          <p:cNvPr id="2" name="Group 1">
-            <a:extLst>
-              <a:ext uri="{FF2B5EF4-FFF2-40B4-BE49-F238E27FC236}">
-                <a16:creationId xmlns:a16="http://schemas.microsoft.com/office/drawing/2014/main" id="{562866DA-B9D8-9647-8B49-5C7A26C30A95}"/>
-              </a:ext>
-            </a:extLst>
-          </p:cNvPr>
-          <p:cNvGrpSpPr/>
-          <p:nvPr/>
-        </p:nvGrpSpPr>
-        <p:grpSpPr>
-          <a:xfrm>
-            <a:off x="537083" y="1179465"/>
-            <a:ext cx="7010137" cy="5244224"/>
-            <a:chOff x="537083" y="1179465"/>
-            <a:chExt cx="7010137" cy="5244224"/>
-          </a:xfrm>
-        </p:grpSpPr>
-        <p:pic>
-          <p:nvPicPr>
-            <p:cNvPr id="3" name="Picture 2" descr="Chart, line chart&#10;&#10;Description automatically generated">
-              <a:extLst>
-                <a:ext uri="{FF2B5EF4-FFF2-40B4-BE49-F238E27FC236}">
-                  <a16:creationId xmlns:a16="http://schemas.microsoft.com/office/drawing/2014/main" id="{AA018085-25F6-2D49-B52E-AEAB537C8190}"/>
-                </a:ext>
-              </a:extLst>
-            </p:cNvPr>
-            <p:cNvPicPr>
-              <a:picLocks noChangeAspect="1"/>
-            </p:cNvPicPr>
-            <p:nvPr/>
-          </p:nvPicPr>
-          <p:blipFill>
-            <a:blip r:embed="rId2">
-              <a:extLst>
-                <a:ext uri="{28A0092B-C50C-407E-A947-70E740481C1C}">
-                  <a14:useLocalDpi xmlns:a14="http://schemas.microsoft.com/office/drawing/2010/main" val="0"/>
-                </a:ext>
-              </a:extLst>
-            </a:blip>
-            <a:stretch>
-              <a:fillRect/>
-            </a:stretch>
-          </p:blipFill>
-          <p:spPr>
-            <a:xfrm>
-              <a:off x="537083" y="1179465"/>
-              <a:ext cx="7010137" cy="5244224"/>
-            </a:xfrm>
-            <a:prstGeom prst="rect">
-              <a:avLst/>
-            </a:prstGeom>
-          </p:spPr>
-        </p:pic>
-        <p:sp>
-          <p:nvSpPr>
-            <p:cNvPr id="4" name="TextBox 3">
-              <a:extLst>
-                <a:ext uri="{FF2B5EF4-FFF2-40B4-BE49-F238E27FC236}">
-                  <a16:creationId xmlns:a16="http://schemas.microsoft.com/office/drawing/2014/main" id="{B6B07D5B-35FF-224F-A9DC-87D1EE99926D}"/>
-                </a:ext>
-              </a:extLst>
-            </p:cNvPr>
-            <p:cNvSpPr txBox="1"/>
-            <p:nvPr/>
-          </p:nvSpPr>
-          <p:spPr>
-            <a:xfrm>
-              <a:off x="4436533" y="4156414"/>
-              <a:ext cx="2248430" cy="461665"/>
-            </a:xfrm>
-            <a:prstGeom prst="rect">
-              <a:avLst/>
-            </a:prstGeom>
-            <a:solidFill>
-              <a:schemeClr val="tx1">
-                <a:lumMod val="65000"/>
-              </a:schemeClr>
-            </a:solidFill>
-          </p:spPr>
-          <p:txBody>
-            <a:bodyPr wrap="square" rtlCol="0">
-              <a:spAutoFit/>
-            </a:bodyPr>
-            <a:lstStyle/>
-            <a:p>
-              <a:r>
-                <a:rPr lang="en-US" sz="1200" dirty="0"/>
-                <a:t>2.48% Forecasted Increase in Revenue per Share</a:t>
-              </a:r>
-            </a:p>
-          </p:txBody>
-        </p:sp>
-        <p:cxnSp>
-          <p:nvCxnSpPr>
-            <p:cNvPr id="5" name="Straight Connector 4">
-              <a:extLst>
-                <a:ext uri="{FF2B5EF4-FFF2-40B4-BE49-F238E27FC236}">
-                  <a16:creationId xmlns:a16="http://schemas.microsoft.com/office/drawing/2014/main" id="{149A5D25-C01C-7242-A097-501940B9CFC3}"/>
-                </a:ext>
-              </a:extLst>
-            </p:cNvPr>
-            <p:cNvCxnSpPr/>
-            <p:nvPr/>
-          </p:nvCxnSpPr>
-          <p:spPr>
-            <a:xfrm flipH="1">
-              <a:off x="6684963" y="3513667"/>
-              <a:ext cx="689504" cy="642747"/>
-            </a:xfrm>
-            <a:prstGeom prst="line">
-              <a:avLst/>
-            </a:prstGeom>
-          </p:spPr>
-          <p:style>
-            <a:lnRef idx="1">
-              <a:schemeClr val="dk1"/>
-            </a:lnRef>
-            <a:fillRef idx="0">
-              <a:schemeClr val="dk1"/>
-            </a:fillRef>
-            <a:effectRef idx="0">
-              <a:schemeClr val="dk1"/>
-            </a:effectRef>
-            <a:fontRef idx="minor">
-              <a:schemeClr val="tx1"/>
-            </a:fontRef>
-          </p:style>
-        </p:cxnSp>
-      </p:grpSp>
-    </p:spTree>
-    <p:extLst>
-      <p:ext uri="{BB962C8B-B14F-4D97-AF65-F5344CB8AC3E}">
-        <p14:creationId xmlns:p14="http://schemas.microsoft.com/office/powerpoint/2010/main" val="3178321390"/>
       </p:ext>
     </p:extLst>
   </p:cSld>
